--- a/Hackaton Presentation.pptx
+++ b/Hackaton Presentation.pptx
@@ -6,11 +6,12 @@
   </p:sldMasterIdLst>
   <p:sldIdLst>
     <p:sldId id="256" r:id="rId2"/>
-    <p:sldId id="262" r:id="rId3"/>
-    <p:sldId id="263" r:id="rId4"/>
-    <p:sldId id="264" r:id="rId5"/>
-    <p:sldId id="265" r:id="rId6"/>
-    <p:sldId id="266" r:id="rId7"/>
+    <p:sldId id="267" r:id="rId3"/>
+    <p:sldId id="262" r:id="rId4"/>
+    <p:sldId id="263" r:id="rId5"/>
+    <p:sldId id="264" r:id="rId6"/>
+    <p:sldId id="265" r:id="rId7"/>
+    <p:sldId id="266" r:id="rId8"/>
   </p:sldIdLst>
   <p:sldSz cx="12192000" cy="6858000"/>
   <p:notesSz cx="6858000" cy="9144000"/>
@@ -3050,8 +3051,8 @@
         </p:nvSpPr>
         <p:spPr>
           <a:xfrm>
-            <a:off x="535577" y="2330996"/>
-            <a:ext cx="5832566" cy="938719"/>
+            <a:off x="535577" y="1346667"/>
+            <a:ext cx="6505303" cy="969496"/>
           </a:xfrm>
           <a:prstGeom prst="rect">
             <a:avLst/>
@@ -3065,19 +3066,28 @@
           <a:lstStyle/>
           <a:p>
             <a:r>
-              <a:rPr lang="en-US" sz="5500" dirty="0" smtClean="0">
+              <a:rPr lang="en-US" sz="5700" b="1" dirty="0" smtClean="0">
                 <a:solidFill>
                   <a:schemeClr val="accent4"/>
                 </a:solidFill>
-                <a:latin typeface="Bauhaus 93" panose="04030905020B02020C02" pitchFamily="82" charset="0"/>
+                <a:latin typeface="Book Antiqua" panose="02040602050305030304" pitchFamily="18" charset="0"/>
               </a:rPr>
-              <a:t>Fake News JEDI !</a:t>
-            </a:r>
-            <a:endParaRPr lang="en-US" sz="5500" dirty="0">
+              <a:t>Fake News </a:t>
+            </a:r>
+            <a:r>
+              <a:rPr lang="en-US" sz="5700" b="1" dirty="0" smtClean="0">
+                <a:solidFill>
+                  <a:schemeClr val="accent4"/>
+                </a:solidFill>
+                <a:latin typeface="Book Antiqua" panose="02040602050305030304" pitchFamily="18" charset="0"/>
+              </a:rPr>
+              <a:t>JEDI!</a:t>
+            </a:r>
+            <a:endParaRPr lang="en-US" sz="5700" b="1" dirty="0">
               <a:solidFill>
                 <a:schemeClr val="accent4"/>
               </a:solidFill>
-              <a:latin typeface="Bauhaus 93" panose="04030905020B02020C02" pitchFamily="82" charset="0"/>
+              <a:latin typeface="Book Antiqua" panose="02040602050305030304" pitchFamily="18" charset="0"/>
             </a:endParaRPr>
           </a:p>
         </p:txBody>
@@ -3091,7 +3101,7 @@
         <p:spPr>
           <a:xfrm>
             <a:off x="535577" y="3269715"/>
-            <a:ext cx="1407682" cy="1015663"/>
+            <a:ext cx="1407682" cy="1246495"/>
           </a:xfrm>
           <a:prstGeom prst="rect">
             <a:avLst/>
@@ -3105,42 +3115,36 @@
           <a:lstStyle/>
           <a:p>
             <a:r>
-              <a:rPr lang="en-US" sz="2000" dirty="0" smtClean="0">
+              <a:rPr lang="en-US" sz="2500" dirty="0" smtClean="0">
                 <a:solidFill>
                   <a:schemeClr val="bg1"/>
                 </a:solidFill>
-                <a:latin typeface="Lucida Handwriting" panose="03010101010101010101" pitchFamily="66" charset="0"/>
+                <a:latin typeface="Book Antiqua" panose="02040602050305030304" pitchFamily="18" charset="0"/>
               </a:rPr>
               <a:t>Aravind</a:t>
             </a:r>
           </a:p>
           <a:p>
             <a:r>
-              <a:rPr lang="en-US" sz="2000" dirty="0" smtClean="0">
+              <a:rPr lang="en-US" sz="2500" dirty="0" smtClean="0">
                 <a:solidFill>
                   <a:schemeClr val="bg1"/>
                 </a:solidFill>
-                <a:latin typeface="Lucida Handwriting" panose="03010101010101010101" pitchFamily="66" charset="0"/>
+                <a:latin typeface="Book Antiqua" panose="02040602050305030304" pitchFamily="18" charset="0"/>
               </a:rPr>
               <a:t>Cliff</a:t>
             </a:r>
           </a:p>
           <a:p>
             <a:r>
-              <a:rPr lang="en-US" sz="2000" dirty="0" smtClean="0">
+              <a:rPr lang="en-US" sz="2500" dirty="0" smtClean="0">
                 <a:solidFill>
                   <a:schemeClr val="bg1"/>
                 </a:solidFill>
-                <a:latin typeface="Lucida Handwriting" panose="03010101010101010101" pitchFamily="66" charset="0"/>
+                <a:latin typeface="Book Antiqua" panose="02040602050305030304" pitchFamily="18" charset="0"/>
               </a:rPr>
               <a:t>Daniel</a:t>
             </a:r>
-            <a:endParaRPr lang="en-US" sz="2000" dirty="0" smtClean="0">
-              <a:solidFill>
-                <a:schemeClr val="bg1"/>
-              </a:solidFill>
-              <a:latin typeface="Lucida Handwriting" panose="03010101010101010101" pitchFamily="66" charset="0"/>
-            </a:endParaRPr>
           </a:p>
         </p:txBody>
       </p:sp>
@@ -3153,7 +3157,7 @@
         <p:spPr>
           <a:xfrm>
             <a:off x="1851520" y="4208434"/>
-            <a:ext cx="1432261" cy="1323439"/>
+            <a:ext cx="1432261" cy="1631216"/>
           </a:xfrm>
           <a:prstGeom prst="rect">
             <a:avLst/>
@@ -3167,46 +3171,40 @@
           <a:lstStyle/>
           <a:p>
             <a:r>
-              <a:rPr lang="en-US" sz="2000" dirty="0" smtClean="0">
+              <a:rPr lang="en-US" sz="2500" dirty="0" smtClean="0">
                 <a:solidFill>
                   <a:schemeClr val="bg1"/>
                 </a:solidFill>
-                <a:latin typeface="Lucida Handwriting" panose="03010101010101010101" pitchFamily="66" charset="0"/>
+                <a:latin typeface="Book Antiqua" panose="02040602050305030304" pitchFamily="18" charset="0"/>
               </a:rPr>
               <a:t>Jenny</a:t>
             </a:r>
           </a:p>
           <a:p>
             <a:r>
-              <a:rPr lang="en-US" sz="2000" dirty="0" smtClean="0">
+              <a:rPr lang="en-US" sz="2500" dirty="0" smtClean="0">
                 <a:solidFill>
                   <a:schemeClr val="bg1"/>
                 </a:solidFill>
-                <a:latin typeface="Lucida Handwriting" panose="03010101010101010101" pitchFamily="66" charset="0"/>
+                <a:latin typeface="Book Antiqua" panose="02040602050305030304" pitchFamily="18" charset="0"/>
               </a:rPr>
               <a:t>Jordan</a:t>
             </a:r>
-            <a:endParaRPr lang="en-US" sz="2000" dirty="0" smtClean="0">
-              <a:solidFill>
-                <a:schemeClr val="bg1"/>
-              </a:solidFill>
-              <a:latin typeface="Lucida Handwriting" panose="03010101010101010101" pitchFamily="66" charset="0"/>
-            </a:endParaRPr>
-          </a:p>
-          <a:p>
-            <a:r>
-              <a:rPr lang="en-US" sz="2000" dirty="0" smtClean="0">
+          </a:p>
+          <a:p>
+            <a:r>
+              <a:rPr lang="en-US" sz="2500" dirty="0" smtClean="0">
                 <a:solidFill>
                   <a:schemeClr val="bg1"/>
                 </a:solidFill>
-                <a:latin typeface="Lucida Handwriting" panose="03010101010101010101" pitchFamily="66" charset="0"/>
+                <a:latin typeface="Book Antiqua" panose="02040602050305030304" pitchFamily="18" charset="0"/>
               </a:rPr>
               <a:t>Moneka</a:t>
             </a:r>
           </a:p>
           <a:p>
-            <a:endParaRPr lang="en-US" sz="2000" dirty="0">
-              <a:latin typeface="Lucida Handwriting" panose="03010101010101010101" pitchFamily="66" charset="0"/>
+            <a:endParaRPr lang="en-US" sz="2500" dirty="0">
+              <a:latin typeface="Book Antiqua" panose="02040602050305030304" pitchFamily="18" charset="0"/>
             </a:endParaRPr>
           </a:p>
         </p:txBody>
@@ -3220,7 +3218,7 @@
         <p:spPr>
           <a:xfrm>
             <a:off x="3323619" y="5092879"/>
-            <a:ext cx="1249060" cy="1323439"/>
+            <a:ext cx="1285929" cy="1631216"/>
           </a:xfrm>
           <a:prstGeom prst="rect">
             <a:avLst/>
@@ -3234,55 +3232,43 @@
           <a:lstStyle/>
           <a:p>
             <a:r>
-              <a:rPr lang="en-US" sz="2000" dirty="0" err="1" smtClean="0">
+              <a:rPr lang="en-US" sz="2500" dirty="0" smtClean="0">
                 <a:solidFill>
                   <a:schemeClr val="bg1"/>
                 </a:solidFill>
-                <a:latin typeface="Lucida Handwriting" panose="03010101010101010101" pitchFamily="66" charset="0"/>
+                <a:latin typeface="Book Antiqua" panose="02040602050305030304" pitchFamily="18" charset="0"/>
               </a:rPr>
               <a:t>Narek</a:t>
             </a:r>
-            <a:endParaRPr lang="en-US" sz="2000" dirty="0" smtClean="0">
+          </a:p>
+          <a:p>
+            <a:r>
+              <a:rPr lang="en-US" sz="2500" dirty="0" smtClean="0">
+                <a:solidFill>
+                  <a:schemeClr val="bg1"/>
+                </a:solidFill>
+                <a:latin typeface="Book Antiqua" panose="02040602050305030304" pitchFamily="18" charset="0"/>
+              </a:rPr>
+              <a:t>Naveen</a:t>
+            </a:r>
+          </a:p>
+          <a:p>
+            <a:r>
+              <a:rPr lang="en-US" sz="2500" dirty="0" smtClean="0">
+                <a:solidFill>
+                  <a:schemeClr val="bg1"/>
+                </a:solidFill>
+                <a:latin typeface="Book Antiqua" panose="02040602050305030304" pitchFamily="18" charset="0"/>
+              </a:rPr>
+              <a:t>Soheil</a:t>
+            </a:r>
+          </a:p>
+          <a:p>
+            <a:endParaRPr lang="en-US" sz="2500" dirty="0">
               <a:solidFill>
                 <a:schemeClr val="bg1"/>
               </a:solidFill>
-              <a:latin typeface="Lucida Handwriting" panose="03010101010101010101" pitchFamily="66" charset="0"/>
-            </a:endParaRPr>
-          </a:p>
-          <a:p>
-            <a:r>
-              <a:rPr lang="en-US" sz="2000" dirty="0" smtClean="0">
-                <a:solidFill>
-                  <a:schemeClr val="bg1"/>
-                </a:solidFill>
-                <a:latin typeface="Lucida Handwriting" panose="03010101010101010101" pitchFamily="66" charset="0"/>
-              </a:rPr>
-              <a:t>Naveen</a:t>
-            </a:r>
-            <a:endParaRPr lang="en-US" sz="2000" dirty="0" smtClean="0">
-              <a:solidFill>
-                <a:schemeClr val="bg1"/>
-              </a:solidFill>
-              <a:latin typeface="Lucida Handwriting" panose="03010101010101010101" pitchFamily="66" charset="0"/>
-            </a:endParaRPr>
-          </a:p>
-          <a:p>
-            <a:r>
-              <a:rPr lang="en-US" sz="2000" dirty="0" smtClean="0">
-                <a:solidFill>
-                  <a:schemeClr val="bg1"/>
-                </a:solidFill>
-                <a:latin typeface="Lucida Handwriting" panose="03010101010101010101" pitchFamily="66" charset="0"/>
-              </a:rPr>
-              <a:t>Soheil</a:t>
-            </a:r>
-          </a:p>
-          <a:p>
-            <a:endParaRPr lang="en-US" sz="2000" dirty="0">
-              <a:solidFill>
-                <a:schemeClr val="bg1"/>
-              </a:solidFill>
-              <a:latin typeface="Lucida Handwriting" panose="03010101010101010101" pitchFamily="66" charset="0"/>
+              <a:latin typeface="Book Antiqua" panose="02040602050305030304" pitchFamily="18" charset="0"/>
             </a:endParaRPr>
           </a:p>
         </p:txBody>
@@ -3346,135 +3332,18 @@
         </p:blipFill>
         <p:spPr>
           <a:xfrm>
-            <a:off x="0" y="0"/>
-            <a:ext cx="12192000" cy="6858000"/>
+            <a:off x="-1" y="0"/>
+            <a:ext cx="12192001" cy="6894326"/>
           </a:xfrm>
           <a:prstGeom prst="rect">
             <a:avLst/>
           </a:prstGeom>
         </p:spPr>
       </p:pic>
-      <p:sp>
-        <p:nvSpPr>
-          <p:cNvPr id="4" name="TextBox 3"/>
-          <p:cNvSpPr txBox="1"/>
-          <p:nvPr/>
-        </p:nvSpPr>
-        <p:spPr>
-          <a:xfrm>
-            <a:off x="587829" y="574766"/>
-            <a:ext cx="5073825" cy="784830"/>
-          </a:xfrm>
-          <a:prstGeom prst="rect">
-            <a:avLst/>
-          </a:prstGeom>
-          <a:noFill/>
-        </p:spPr>
-        <p:txBody>
-          <a:bodyPr wrap="none" rtlCol="0">
-            <a:spAutoFit/>
-          </a:bodyPr>
-          <a:lstStyle/>
-          <a:p>
-            <a:r>
-              <a:rPr lang="en-US" sz="4500" dirty="0" smtClean="0">
-                <a:solidFill>
-                  <a:schemeClr val="bg1"/>
-                </a:solidFill>
-                <a:latin typeface="Lucida Handwriting" panose="03010101010101010101" pitchFamily="66" charset="0"/>
-              </a:rPr>
-              <a:t>The Challenge!</a:t>
-            </a:r>
-            <a:endParaRPr lang="en-US" sz="4500" dirty="0">
-              <a:solidFill>
-                <a:schemeClr val="bg1"/>
-              </a:solidFill>
-              <a:latin typeface="Lucida Handwriting" panose="03010101010101010101" pitchFamily="66" charset="0"/>
-            </a:endParaRPr>
-          </a:p>
-        </p:txBody>
-      </p:sp>
-      <p:sp>
-        <p:nvSpPr>
-          <p:cNvPr id="5" name="TextBox 4"/>
-          <p:cNvSpPr txBox="1"/>
-          <p:nvPr/>
-        </p:nvSpPr>
-        <p:spPr>
-          <a:xfrm>
-            <a:off x="809897" y="1737360"/>
-            <a:ext cx="3556871" cy="2400657"/>
-          </a:xfrm>
-          <a:prstGeom prst="rect">
-            <a:avLst/>
-          </a:prstGeom>
-          <a:noFill/>
-        </p:spPr>
-        <p:txBody>
-          <a:bodyPr wrap="none" rtlCol="0">
-            <a:spAutoFit/>
-          </a:bodyPr>
-          <a:lstStyle/>
-          <a:p>
-            <a:r>
-              <a:rPr lang="en-US" sz="2500" dirty="0" smtClean="0">
-                <a:solidFill>
-                  <a:schemeClr val="bg1"/>
-                </a:solidFill>
-              </a:rPr>
-              <a:t>Fake News is everywhere!</a:t>
-            </a:r>
-          </a:p>
-          <a:p>
-            <a:r>
-              <a:rPr lang="en-US" sz="2500" dirty="0" smtClean="0">
-                <a:solidFill>
-                  <a:schemeClr val="bg1"/>
-                </a:solidFill>
-              </a:rPr>
-              <a:t>...</a:t>
-            </a:r>
-          </a:p>
-          <a:p>
-            <a:r>
-              <a:rPr lang="en-US" sz="2500" dirty="0" smtClean="0">
-                <a:solidFill>
-                  <a:schemeClr val="bg1"/>
-                </a:solidFill>
-              </a:rPr>
-              <a:t>..</a:t>
-            </a:r>
-          </a:p>
-          <a:p>
-            <a:r>
-              <a:rPr lang="en-US" sz="2500" dirty="0">
-                <a:solidFill>
-                  <a:schemeClr val="bg1"/>
-                </a:solidFill>
-              </a:rPr>
-              <a:t>.</a:t>
-            </a:r>
-          </a:p>
-          <a:p>
-            <a:endParaRPr lang="en-US" sz="2500" dirty="0" smtClean="0">
-              <a:solidFill>
-                <a:schemeClr val="bg1"/>
-              </a:solidFill>
-            </a:endParaRPr>
-          </a:p>
-          <a:p>
-            <a:endParaRPr lang="en-US" sz="2500" dirty="0">
-              <a:solidFill>
-                <a:schemeClr val="bg1"/>
-              </a:solidFill>
-            </a:endParaRPr>
-          </a:p>
-        </p:txBody>
-      </p:sp>
     </p:spTree>
     <p:extLst>
       <p:ext uri="{BB962C8B-B14F-4D97-AF65-F5344CB8AC3E}">
-        <p14:creationId xmlns:p14="http://schemas.microsoft.com/office/powerpoint/2010/main" val="574780873"/>
+        <p14:creationId xmlns:p14="http://schemas.microsoft.com/office/powerpoint/2010/main" val="528070881"/>
       </p:ext>
     </p:extLst>
   </p:cSld>
@@ -3510,7 +3379,7 @@
       </p:grpSpPr>
       <p:pic>
         <p:nvPicPr>
-          <p:cNvPr id="2" name="Picture 1"/>
+          <p:cNvPr id="11" name="Picture 10"/>
           <p:cNvPicPr>
             <a:picLocks noChangeAspect="1"/>
           </p:cNvPicPr>
@@ -3530,54 +3399,24 @@
         </p:blipFill>
         <p:spPr>
           <a:xfrm>
-            <a:off x="0" y="0"/>
-            <a:ext cx="12192000" cy="6962503"/>
+            <a:off x="0" y="1635"/>
+            <a:ext cx="12192000" cy="6854730"/>
           </a:xfrm>
           <a:prstGeom prst="rect">
             <a:avLst/>
           </a:prstGeom>
-          <a:solidFill>
-            <a:srgbClr val="FFFFFF">
-              <a:shade val="85000"/>
-            </a:srgbClr>
-          </a:solidFill>
-          <a:ln w="88900" cap="sq">
-            <a:solidFill>
-              <a:srgbClr val="FFFFFF"/>
-            </a:solidFill>
-            <a:miter lim="800000"/>
-          </a:ln>
-          <a:effectLst>
-            <a:outerShdw blurRad="55000" dist="18000" dir="5400000" algn="tl" rotWithShape="0">
-              <a:srgbClr val="000000">
-                <a:alpha val="40000"/>
-              </a:srgbClr>
-            </a:outerShdw>
-          </a:effectLst>
-          <a:scene3d>
-            <a:camera prst="orthographicFront"/>
-            <a:lightRig rig="twoPt" dir="t">
-              <a:rot lat="0" lon="0" rev="7200000"/>
-            </a:lightRig>
-          </a:scene3d>
-          <a:sp3d>
-            <a:bevelT w="25400" h="19050"/>
-            <a:contourClr>
-              <a:srgbClr val="FFFFFF"/>
-            </a:contourClr>
-          </a:sp3d>
         </p:spPr>
       </p:pic>
       <p:sp>
         <p:nvSpPr>
-          <p:cNvPr id="3" name="TextBox 2"/>
+          <p:cNvPr id="4" name="TextBox 3"/>
           <p:cNvSpPr txBox="1"/>
           <p:nvPr/>
         </p:nvSpPr>
         <p:spPr>
           <a:xfrm>
-            <a:off x="574765" y="587828"/>
-            <a:ext cx="4395755" cy="784830"/>
+            <a:off x="783771" y="574767"/>
+            <a:ext cx="6113417" cy="784830"/>
           </a:xfrm>
           <a:prstGeom prst="rect">
             <a:avLst/>
@@ -3585,7 +3424,7 @@
           <a:noFill/>
         </p:spPr>
         <p:txBody>
-          <a:bodyPr wrap="none" rtlCol="0">
+          <a:bodyPr wrap="square" rtlCol="0">
             <a:spAutoFit/>
           </a:bodyPr>
           <a:lstStyle/>
@@ -3593,25 +3432,241 @@
             <a:r>
               <a:rPr lang="en-US" sz="4500" dirty="0" smtClean="0">
                 <a:solidFill>
-                  <a:srgbClr val="002060"/>
+                  <a:schemeClr val="bg1"/>
                 </a:solidFill>
                 <a:latin typeface="Lucida Handwriting" panose="03010101010101010101" pitchFamily="66" charset="0"/>
               </a:rPr>
-              <a:t>Our Solution</a:t>
+              <a:t>The Challenge!</a:t>
             </a:r>
             <a:endParaRPr lang="en-US" sz="4500" dirty="0">
               <a:solidFill>
-                <a:srgbClr val="002060"/>
+                <a:schemeClr val="bg1"/>
               </a:solidFill>
               <a:latin typeface="Lucida Handwriting" panose="03010101010101010101" pitchFamily="66" charset="0"/>
             </a:endParaRPr>
           </a:p>
         </p:txBody>
       </p:sp>
+      <p:sp>
+        <p:nvSpPr>
+          <p:cNvPr id="10" name="TextBox 9"/>
+          <p:cNvSpPr txBox="1"/>
+          <p:nvPr/>
+        </p:nvSpPr>
+        <p:spPr>
+          <a:xfrm>
+            <a:off x="535577" y="1261854"/>
+            <a:ext cx="9052560" cy="3785652"/>
+          </a:xfrm>
+          <a:prstGeom prst="rect">
+            <a:avLst/>
+          </a:prstGeom>
+          <a:noFill/>
+        </p:spPr>
+        <p:txBody>
+          <a:bodyPr wrap="square" rtlCol="0">
+            <a:spAutoFit/>
+          </a:bodyPr>
+          <a:lstStyle/>
+          <a:p>
+            <a:pPr algn="ctr"/>
+            <a:r>
+              <a:rPr lang="en-US" sz="3000" dirty="0" smtClean="0">
+                <a:solidFill>
+                  <a:schemeClr val="bg1"/>
+                </a:solidFill>
+                <a:latin typeface="Arial Narrow" panose="020B0606020202030204" pitchFamily="34" charset="0"/>
+              </a:rPr>
+              <a:t>Sniffing out </a:t>
+            </a:r>
+            <a:r>
+              <a:rPr lang="en-US" sz="3000" b="1" dirty="0" smtClean="0">
+                <a:solidFill>
+                  <a:srgbClr val="FF0000"/>
+                </a:solidFill>
+                <a:latin typeface="Arial Narrow" panose="020B0606020202030204" pitchFamily="34" charset="0"/>
+              </a:rPr>
+              <a:t>FAKE</a:t>
+            </a:r>
+            <a:r>
+              <a:rPr lang="en-US" sz="3000" dirty="0" smtClean="0">
+                <a:solidFill>
+                  <a:schemeClr val="bg1"/>
+                </a:solidFill>
+                <a:latin typeface="Arial Narrow" panose="020B0606020202030204" pitchFamily="34" charset="0"/>
+              </a:rPr>
+              <a:t> news isn’t easy, because </a:t>
+            </a:r>
+            <a:r>
+              <a:rPr lang="en-US" sz="3000" b="1" dirty="0" smtClean="0">
+                <a:solidFill>
+                  <a:srgbClr val="FF0000"/>
+                </a:solidFill>
+                <a:latin typeface="Arial Narrow" panose="020B0606020202030204" pitchFamily="34" charset="0"/>
+              </a:rPr>
+              <a:t>FAKERS:</a:t>
+            </a:r>
+          </a:p>
+          <a:p>
+            <a:pPr algn="ctr"/>
+            <a:endParaRPr lang="en-US" sz="3000" b="1" dirty="0">
+              <a:solidFill>
+                <a:srgbClr val="FF0000"/>
+              </a:solidFill>
+              <a:latin typeface="Arial Narrow" panose="020B0606020202030204" pitchFamily="34" charset="0"/>
+            </a:endParaRPr>
+          </a:p>
+          <a:p>
+            <a:pPr marL="457200" indent="-457200">
+              <a:buFont typeface="Wingdings" panose="05000000000000000000" pitchFamily="2" charset="2"/>
+              <a:buChar char="q"/>
+            </a:pPr>
+            <a:r>
+              <a:rPr lang="en-US" sz="3000" dirty="0">
+                <a:solidFill>
+                  <a:schemeClr val="bg1"/>
+                </a:solidFill>
+                <a:latin typeface="Arial Narrow" panose="020B0606020202030204" pitchFamily="34" charset="0"/>
+              </a:rPr>
+              <a:t>A</a:t>
+            </a:r>
+            <a:r>
+              <a:rPr lang="en-US" sz="3000" dirty="0" smtClean="0">
+                <a:solidFill>
+                  <a:schemeClr val="bg1"/>
+                </a:solidFill>
+                <a:latin typeface="Arial Narrow" panose="020B0606020202030204" pitchFamily="34" charset="0"/>
+              </a:rPr>
+              <a:t>re smart and reactive!</a:t>
+            </a:r>
+          </a:p>
+          <a:p>
+            <a:pPr marL="457200" indent="-457200">
+              <a:buFont typeface="Wingdings" panose="05000000000000000000" pitchFamily="2" charset="2"/>
+              <a:buChar char="q"/>
+            </a:pPr>
+            <a:r>
+              <a:rPr lang="en-US" sz="3000" dirty="0" smtClean="0">
+                <a:solidFill>
+                  <a:schemeClr val="bg1"/>
+                </a:solidFill>
+                <a:latin typeface="Arial Narrow" panose="020B0606020202030204" pitchFamily="34" charset="0"/>
+              </a:rPr>
+              <a:t>Change URL’s </a:t>
+            </a:r>
+          </a:p>
+          <a:p>
+            <a:pPr marL="457200" indent="-457200">
+              <a:buFont typeface="Wingdings" panose="05000000000000000000" pitchFamily="2" charset="2"/>
+              <a:buChar char="q"/>
+            </a:pPr>
+            <a:r>
+              <a:rPr lang="en-US" sz="3000" dirty="0" smtClean="0">
+                <a:solidFill>
+                  <a:schemeClr val="bg1"/>
+                </a:solidFill>
+                <a:latin typeface="Arial Narrow" panose="020B0606020202030204" pitchFamily="34" charset="0"/>
+              </a:rPr>
+              <a:t>Emulate Real News</a:t>
+            </a:r>
+          </a:p>
+          <a:p>
+            <a:pPr marL="457200" indent="-457200">
+              <a:buFont typeface="Wingdings" panose="05000000000000000000" pitchFamily="2" charset="2"/>
+              <a:buChar char="q"/>
+            </a:pPr>
+            <a:r>
+              <a:rPr lang="en-US" sz="3000" dirty="0" smtClean="0">
+                <a:solidFill>
+                  <a:schemeClr val="bg1"/>
+                </a:solidFill>
+                <a:latin typeface="Arial Narrow" panose="020B0606020202030204" pitchFamily="34" charset="0"/>
+              </a:rPr>
+              <a:t>Have Agendas!  </a:t>
+            </a:r>
+          </a:p>
+          <a:p>
+            <a:endParaRPr lang="en-US" sz="3000" dirty="0" smtClean="0">
+              <a:solidFill>
+                <a:schemeClr val="bg1"/>
+              </a:solidFill>
+              <a:latin typeface="Arial Narrow" panose="020B0606020202030204" pitchFamily="34" charset="0"/>
+            </a:endParaRPr>
+          </a:p>
+          <a:p>
+            <a:r>
+              <a:rPr lang="en-US" sz="3000" dirty="0" smtClean="0">
+                <a:solidFill>
+                  <a:schemeClr val="bg1"/>
+                </a:solidFill>
+                <a:latin typeface="Arial Narrow" panose="020B0606020202030204" pitchFamily="34" charset="0"/>
+              </a:rPr>
+              <a:t>We need the </a:t>
+            </a:r>
+            <a:r>
+              <a:rPr lang="en-US" sz="3000" dirty="0" smtClean="0">
+                <a:solidFill>
+                  <a:srgbClr val="FFFF00"/>
+                </a:solidFill>
+                <a:latin typeface="Arial Narrow" panose="020B0606020202030204" pitchFamily="34" charset="0"/>
+              </a:rPr>
+              <a:t>Jedi</a:t>
+            </a:r>
+            <a:r>
+              <a:rPr lang="en-US" sz="3000" dirty="0" smtClean="0">
+                <a:solidFill>
+                  <a:schemeClr val="bg1"/>
+                </a:solidFill>
+                <a:latin typeface="Arial Narrow" panose="020B0606020202030204" pitchFamily="34" charset="0"/>
+              </a:rPr>
+              <a:t> power of </a:t>
+            </a:r>
+            <a:r>
+              <a:rPr lang="en-US" sz="3000" dirty="0" smtClean="0">
+                <a:solidFill>
+                  <a:srgbClr val="FFFF00"/>
+                </a:solidFill>
+                <a:latin typeface="Arial Narrow" panose="020B0606020202030204" pitchFamily="34" charset="0"/>
+              </a:rPr>
+              <a:t>AI</a:t>
+            </a:r>
+            <a:r>
+              <a:rPr lang="en-US" sz="3000" dirty="0" smtClean="0">
+                <a:solidFill>
+                  <a:schemeClr val="bg1"/>
+                </a:solidFill>
+                <a:latin typeface="Arial Narrow" panose="020B0606020202030204" pitchFamily="34" charset="0"/>
+              </a:rPr>
+              <a:t> to combat the </a:t>
+            </a:r>
+            <a:r>
+              <a:rPr lang="en-US" sz="3000" b="1" dirty="0" smtClean="0">
+                <a:latin typeface="Arial Narrow" panose="020B0606020202030204" pitchFamily="34" charset="0"/>
+              </a:rPr>
+              <a:t>Fakers</a:t>
+            </a:r>
+            <a:r>
+              <a:rPr lang="en-US" sz="3000" dirty="0" smtClean="0">
+                <a:solidFill>
+                  <a:schemeClr val="bg1"/>
+                </a:solidFill>
+                <a:latin typeface="Arial Narrow" panose="020B0606020202030204" pitchFamily="34" charset="0"/>
+              </a:rPr>
+              <a:t>!!</a:t>
+            </a:r>
+            <a:endParaRPr lang="en-US" sz="3000" dirty="0">
+              <a:solidFill>
+                <a:schemeClr val="bg1"/>
+              </a:solidFill>
+              <a:latin typeface="Arial Narrow" panose="020B0606020202030204" pitchFamily="34" charset="0"/>
+            </a:endParaRPr>
+          </a:p>
+        </p:txBody>
+      </p:sp>
     </p:spTree>
     <p:extLst>
       <p:ext uri="{BB962C8B-B14F-4D97-AF65-F5344CB8AC3E}">
-        <p14:creationId xmlns:p14="http://schemas.microsoft.com/office/powerpoint/2010/main" val="1058382266"/>
+        <p14:creationId xmlns:p14="http://schemas.microsoft.com/office/powerpoint/2010/main" val="574780873"/>
       </p:ext>
     </p:extLst>
   </p:cSld>
@@ -3647,7 +3702,7 @@
       </p:grpSpPr>
       <p:pic>
         <p:nvPicPr>
-          <p:cNvPr id="2" name="Picture 1"/>
+          <p:cNvPr id="8" name="Picture 7"/>
           <p:cNvPicPr>
             <a:picLocks noChangeAspect="1"/>
           </p:cNvPicPr>
@@ -3667,8 +3722,8 @@
         </p:blipFill>
         <p:spPr>
           <a:xfrm>
-            <a:off x="5956119" y="378823"/>
-            <a:ext cx="6000750" cy="6000750"/>
+            <a:off x="0" y="1065"/>
+            <a:ext cx="12192000" cy="6855870"/>
           </a:xfrm>
           <a:prstGeom prst="rect">
             <a:avLst/>
@@ -3683,8 +3738,8 @@
         </p:nvSpPr>
         <p:spPr>
           <a:xfrm>
-            <a:off x="509452" y="783771"/>
-            <a:ext cx="4596130" cy="784830"/>
+            <a:off x="3898122" y="287651"/>
+            <a:ext cx="4395755" cy="784830"/>
           </a:xfrm>
           <a:prstGeom prst="rect">
             <a:avLst/>
@@ -3700,29 +3755,136 @@
             <a:r>
               <a:rPr lang="en-US" sz="4500" dirty="0" smtClean="0">
                 <a:solidFill>
-                  <a:schemeClr val="tx2">
-                    <a:lumMod val="75000"/>
-                  </a:schemeClr>
+                  <a:srgbClr val="FFFF00"/>
                 </a:solidFill>
                 <a:latin typeface="Lucida Handwriting" panose="03010101010101010101" pitchFamily="66" charset="0"/>
               </a:rPr>
-              <a:t>The Approach</a:t>
+              <a:t>Our Solution</a:t>
             </a:r>
             <a:endParaRPr lang="en-US" sz="4500" dirty="0">
               <a:solidFill>
-                <a:schemeClr val="tx2">
-                  <a:lumMod val="75000"/>
-                </a:schemeClr>
+                <a:srgbClr val="FFFF00"/>
               </a:solidFill>
               <a:latin typeface="Lucida Handwriting" panose="03010101010101010101" pitchFamily="66" charset="0"/>
             </a:endParaRPr>
           </a:p>
         </p:txBody>
       </p:sp>
+      <p:sp>
+        <p:nvSpPr>
+          <p:cNvPr id="5" name="TextBox 4"/>
+          <p:cNvSpPr txBox="1"/>
+          <p:nvPr/>
+        </p:nvSpPr>
+        <p:spPr>
+          <a:xfrm>
+            <a:off x="4232366" y="1359066"/>
+            <a:ext cx="7959634" cy="2862322"/>
+          </a:xfrm>
+          <a:prstGeom prst="rect">
+            <a:avLst/>
+          </a:prstGeom>
+          <a:noFill/>
+        </p:spPr>
+        <p:txBody>
+          <a:bodyPr wrap="square" rtlCol="0">
+            <a:spAutoFit/>
+          </a:bodyPr>
+          <a:lstStyle/>
+          <a:p>
+            <a:pPr algn="ctr"/>
+            <a:r>
+              <a:rPr lang="en-US" sz="3600" dirty="0" smtClean="0">
+                <a:solidFill>
+                  <a:schemeClr val="bg1"/>
+                </a:solidFill>
+              </a:rPr>
+              <a:t>Multi Front Strategy</a:t>
+            </a:r>
+          </a:p>
+          <a:p>
+            <a:r>
+              <a:rPr lang="en-US" sz="3600" b="1" dirty="0" smtClean="0">
+                <a:solidFill>
+                  <a:schemeClr val="bg1"/>
+                </a:solidFill>
+              </a:rPr>
+              <a:t>URL		  </a:t>
+            </a:r>
+            <a:r>
+              <a:rPr lang="en-US" sz="3600" dirty="0" smtClean="0">
+                <a:solidFill>
+                  <a:schemeClr val="bg1"/>
+                </a:solidFill>
+              </a:rPr>
+              <a:t>: Blacklist bad URL’s</a:t>
+            </a:r>
+          </a:p>
+          <a:p>
+            <a:r>
+              <a:rPr lang="en-US" sz="3600" b="1" dirty="0" smtClean="0">
+                <a:solidFill>
+                  <a:schemeClr val="bg1"/>
+                </a:solidFill>
+              </a:rPr>
+              <a:t>Meta Data</a:t>
+            </a:r>
+            <a:r>
+              <a:rPr lang="en-US" sz="3600" dirty="0" smtClean="0">
+                <a:solidFill>
+                  <a:schemeClr val="bg1"/>
+                </a:solidFill>
+              </a:rPr>
+              <a:t>: Predictive Models</a:t>
+            </a:r>
+          </a:p>
+          <a:p>
+            <a:r>
+              <a:rPr lang="en-US" sz="3600" b="1" dirty="0" smtClean="0">
+                <a:solidFill>
+                  <a:schemeClr val="bg1"/>
+                </a:solidFill>
+              </a:rPr>
+              <a:t>Headline</a:t>
+            </a:r>
+            <a:r>
+              <a:rPr lang="en-US" sz="3600" dirty="0" smtClean="0">
+                <a:solidFill>
+                  <a:schemeClr val="bg1"/>
+                </a:solidFill>
+              </a:rPr>
+              <a:t>	  : Text and Symbol Analytics</a:t>
+            </a:r>
+          </a:p>
+          <a:p>
+            <a:r>
+              <a:rPr lang="en-US" sz="3600" b="1" dirty="0" smtClean="0">
+                <a:solidFill>
+                  <a:schemeClr val="bg1"/>
+                </a:solidFill>
+              </a:rPr>
+              <a:t>Content</a:t>
+            </a:r>
+            <a:r>
+              <a:rPr lang="en-US" sz="3600" dirty="0" smtClean="0">
+                <a:solidFill>
+                  <a:schemeClr val="bg1"/>
+                </a:solidFill>
+              </a:rPr>
+              <a:t>	  : Natural Language Processing</a:t>
+            </a:r>
+            <a:endParaRPr lang="en-US" sz="3600" dirty="0">
+              <a:solidFill>
+                <a:schemeClr val="bg1"/>
+              </a:solidFill>
+            </a:endParaRPr>
+          </a:p>
+        </p:txBody>
+      </p:sp>
     </p:spTree>
     <p:extLst>
       <p:ext uri="{BB962C8B-B14F-4D97-AF65-F5344CB8AC3E}">
-        <p14:creationId xmlns:p14="http://schemas.microsoft.com/office/powerpoint/2010/main" val="583576754"/>
+        <p14:creationId xmlns:p14="http://schemas.microsoft.com/office/powerpoint/2010/main" val="1058382266"/>
       </p:ext>
     </p:extLst>
   </p:cSld>
@@ -3765,7 +3927,7 @@
           <p:nvPr/>
         </p:nvPicPr>
         <p:blipFill>
-          <a:blip r:embed="rId2" cstate="print">
+          <a:blip r:embed="rId2">
             <a:extLst>
               <a:ext uri="{28A0092B-C50C-407E-A947-70E740481C1C}">
                 <a14:useLocalDpi xmlns:a14="http://schemas.microsoft.com/office/drawing/2010/main" val="0"/>
@@ -3778,8 +3940,8 @@
         </p:blipFill>
         <p:spPr>
           <a:xfrm>
-            <a:off x="0" y="0"/>
-            <a:ext cx="12192000" cy="7621348"/>
+            <a:off x="8210386" y="1973037"/>
+            <a:ext cx="3361508" cy="3361508"/>
           </a:xfrm>
           <a:prstGeom prst="rect">
             <a:avLst/>
@@ -3794,8 +3956,8 @@
         </p:nvSpPr>
         <p:spPr>
           <a:xfrm>
-            <a:off x="561703" y="365761"/>
-            <a:ext cx="5824030" cy="784830"/>
+            <a:off x="639083" y="509451"/>
+            <a:ext cx="4596130" cy="784830"/>
           </a:xfrm>
           <a:prstGeom prst="rect">
             <a:avLst/>
@@ -3811,15 +3973,19 @@
             <a:r>
               <a:rPr lang="en-US" sz="4500" dirty="0" smtClean="0">
                 <a:solidFill>
-                  <a:schemeClr val="accent4"/>
+                  <a:schemeClr val="tx2">
+                    <a:lumMod val="75000"/>
+                  </a:schemeClr>
                 </a:solidFill>
                 <a:latin typeface="Lucida Handwriting" panose="03010101010101010101" pitchFamily="66" charset="0"/>
               </a:rPr>
-              <a:t>How Smart is it ? </a:t>
+              <a:t>The Approach</a:t>
             </a:r>
             <a:endParaRPr lang="en-US" sz="4500" dirty="0">
               <a:solidFill>
-                <a:schemeClr val="accent4"/>
+                <a:schemeClr val="tx2">
+                  <a:lumMod val="75000"/>
+                </a:schemeClr>
               </a:solidFill>
               <a:latin typeface="Lucida Handwriting" panose="03010101010101010101" pitchFamily="66" charset="0"/>
             </a:endParaRPr>
@@ -3834,8 +4000,8 @@
         </p:nvSpPr>
         <p:spPr>
           <a:xfrm>
-            <a:off x="744583" y="1476103"/>
-            <a:ext cx="2856359" cy="553998"/>
+            <a:off x="639083" y="1449977"/>
+            <a:ext cx="7571303" cy="6017032"/>
           </a:xfrm>
           <a:prstGeom prst="rect">
             <a:avLst/>
@@ -3849,25 +4015,107 @@
           <a:lstStyle/>
           <a:p>
             <a:r>
-              <a:rPr lang="en-US" sz="3000" dirty="0" smtClean="0">
-                <a:solidFill>
-                  <a:schemeClr val="bg1"/>
-                </a:solidFill>
-              </a:rPr>
-              <a:t>KS Model Results</a:t>
-            </a:r>
-            <a:endParaRPr lang="en-US" sz="3000" dirty="0">
-              <a:solidFill>
-                <a:schemeClr val="bg1"/>
-              </a:solidFill>
-            </a:endParaRPr>
+              <a:rPr lang="en-US" sz="3500" b="1" dirty="0" smtClean="0"/>
+              <a:t>Data	</a:t>
+            </a:r>
+          </a:p>
+          <a:p>
+            <a:pPr marL="457200" indent="-457200">
+              <a:buFont typeface="Arial" panose="020B0604020202020204" pitchFamily="34" charset="0"/>
+              <a:buChar char="•"/>
+            </a:pPr>
+            <a:r>
+              <a:rPr lang="en-US" sz="3500" dirty="0" smtClean="0"/>
+              <a:t>Fake:	Kaggle + Facebook</a:t>
+            </a:r>
+          </a:p>
+          <a:p>
+            <a:pPr marL="457200" indent="-457200">
+              <a:buFont typeface="Arial" panose="020B0604020202020204" pitchFamily="34" charset="0"/>
+              <a:buChar char="•"/>
+            </a:pPr>
+            <a:r>
+              <a:rPr lang="en-US" sz="3500" dirty="0" smtClean="0"/>
+              <a:t>Real:	UCI ML Repository + Reuters	</a:t>
+            </a:r>
+          </a:p>
+          <a:p>
+            <a:r>
+              <a:rPr lang="en-US" sz="3500" b="1" dirty="0" smtClean="0"/>
+              <a:t>Analysis</a:t>
+            </a:r>
+          </a:p>
+          <a:p>
+            <a:pPr marL="457200" indent="-457200">
+              <a:buFont typeface="Arial" panose="020B0604020202020204" pitchFamily="34" charset="0"/>
+              <a:buChar char="•"/>
+            </a:pPr>
+            <a:r>
+              <a:rPr lang="en-US" sz="3500" dirty="0" smtClean="0"/>
+              <a:t>Creating Training and Hold-out sets</a:t>
+            </a:r>
+          </a:p>
+          <a:p>
+            <a:pPr marL="457200" indent="-457200">
+              <a:buFont typeface="Arial" panose="020B0604020202020204" pitchFamily="34" charset="0"/>
+              <a:buChar char="•"/>
+            </a:pPr>
+            <a:r>
+              <a:rPr lang="en-US" sz="3500" dirty="0" smtClean="0"/>
+              <a:t>Text analytics and NLP</a:t>
+            </a:r>
+          </a:p>
+          <a:p>
+            <a:pPr marL="457200" indent="-457200">
+              <a:buFont typeface="Arial" panose="020B0604020202020204" pitchFamily="34" charset="0"/>
+              <a:buChar char="•"/>
+            </a:pPr>
+            <a:r>
+              <a:rPr lang="en-US" sz="3500" dirty="0" smtClean="0"/>
+              <a:t>Python Coded Feature Engineering</a:t>
+            </a:r>
+          </a:p>
+          <a:p>
+            <a:pPr marL="457200" indent="-457200">
+              <a:buFont typeface="Arial" panose="020B0604020202020204" pitchFamily="34" charset="0"/>
+              <a:buChar char="•"/>
+            </a:pPr>
+            <a:r>
+              <a:rPr lang="en-US" sz="3500" dirty="0" smtClean="0"/>
+              <a:t>DataRobot Model building </a:t>
+            </a:r>
+          </a:p>
+          <a:p>
+            <a:pPr marL="457200" indent="-457200">
+              <a:buFont typeface="Arial" panose="020B0604020202020204" pitchFamily="34" charset="0"/>
+              <a:buChar char="•"/>
+            </a:pPr>
+            <a:r>
+              <a:rPr lang="en-US" sz="3500" dirty="0" smtClean="0"/>
+              <a:t>Excel Visualization</a:t>
+            </a:r>
+            <a:endParaRPr lang="en-US" sz="3500" dirty="0"/>
+          </a:p>
+          <a:p>
+            <a:pPr marL="285750" indent="-285750">
+              <a:buFont typeface="Arial" panose="020B0604020202020204" pitchFamily="34" charset="0"/>
+              <a:buChar char="•"/>
+            </a:pPr>
+            <a:endParaRPr lang="en-US" sz="3500" dirty="0" smtClean="0"/>
+          </a:p>
+          <a:p>
+            <a:pPr marL="285750" indent="-285750">
+              <a:buFont typeface="Arial" panose="020B0604020202020204" pitchFamily="34" charset="0"/>
+              <a:buChar char="•"/>
+            </a:pPr>
+            <a:endParaRPr lang="en-US" sz="3500" dirty="0" smtClean="0"/>
           </a:p>
         </p:txBody>
       </p:sp>
     </p:spTree>
     <p:extLst>
       <p:ext uri="{BB962C8B-B14F-4D97-AF65-F5344CB8AC3E}">
-        <p14:creationId xmlns:p14="http://schemas.microsoft.com/office/powerpoint/2010/main" val="1914880956"/>
+        <p14:creationId xmlns:p14="http://schemas.microsoft.com/office/powerpoint/2010/main" val="583576754"/>
       </p:ext>
     </p:extLst>
   </p:cSld>
@@ -3903,7 +4151,7 @@
       </p:grpSpPr>
       <p:pic>
         <p:nvPicPr>
-          <p:cNvPr id="2" name="Picture 1"/>
+          <p:cNvPr id="5" name="Picture 4"/>
           <p:cNvPicPr>
             <a:picLocks noChangeAspect="1"/>
           </p:cNvPicPr>
@@ -3923,14 +4171,118 @@
         </p:blipFill>
         <p:spPr>
           <a:xfrm>
-            <a:off x="6144623" y="1384663"/>
-            <a:ext cx="5712823" cy="4284617"/>
+            <a:off x="0" y="522514"/>
+            <a:ext cx="12192000" cy="1193190"/>
           </a:xfrm>
           <a:prstGeom prst="rect">
             <a:avLst/>
           </a:prstGeom>
         </p:spPr>
       </p:pic>
+      <p:pic>
+        <p:nvPicPr>
+          <p:cNvPr id="6" name="Picture 5"/>
+          <p:cNvPicPr>
+            <a:picLocks noChangeAspect="1"/>
+          </p:cNvPicPr>
+          <p:nvPr/>
+        </p:nvPicPr>
+        <p:blipFill>
+          <a:blip r:embed="rId3">
+            <a:extLst>
+              <a:ext uri="{28A0092B-C50C-407E-A947-70E740481C1C}">
+                <a14:useLocalDpi xmlns:a14="http://schemas.microsoft.com/office/drawing/2010/main" val="0"/>
+              </a:ext>
+            </a:extLst>
+          </a:blip>
+          <a:stretch>
+            <a:fillRect/>
+          </a:stretch>
+        </p:blipFill>
+        <p:spPr>
+          <a:xfrm>
+            <a:off x="1" y="1715704"/>
+            <a:ext cx="12192000" cy="4872445"/>
+          </a:xfrm>
+          <a:prstGeom prst="rect">
+            <a:avLst/>
+          </a:prstGeom>
+        </p:spPr>
+      </p:pic>
+      <p:sp>
+        <p:nvSpPr>
+          <p:cNvPr id="9" name="TextBox 8"/>
+          <p:cNvSpPr txBox="1"/>
+          <p:nvPr/>
+        </p:nvSpPr>
+        <p:spPr>
+          <a:xfrm>
+            <a:off x="4640313" y="0"/>
+            <a:ext cx="2911374" cy="754053"/>
+          </a:xfrm>
+          <a:prstGeom prst="rect">
+            <a:avLst/>
+          </a:prstGeom>
+          <a:noFill/>
+        </p:spPr>
+        <p:txBody>
+          <a:bodyPr wrap="none" rtlCol="0">
+            <a:spAutoFit/>
+          </a:bodyPr>
+          <a:lstStyle/>
+          <a:p>
+            <a:r>
+              <a:rPr lang="en-US" sz="2500" b="1" dirty="0">
+                <a:solidFill>
+                  <a:srgbClr val="002060"/>
+                </a:solidFill>
+                <a:latin typeface="Lucida Handwriting" panose="03010101010101010101" pitchFamily="66" charset="0"/>
+              </a:rPr>
+              <a:t>Modelling Tool</a:t>
+            </a:r>
+          </a:p>
+          <a:p>
+            <a:endParaRPr lang="en-US" dirty="0"/>
+          </a:p>
+        </p:txBody>
+      </p:sp>
+    </p:spTree>
+    <p:extLst>
+      <p:ext uri="{BB962C8B-B14F-4D97-AF65-F5344CB8AC3E}">
+        <p14:creationId xmlns:p14="http://schemas.microsoft.com/office/powerpoint/2010/main" val="1914880956"/>
+      </p:ext>
+    </p:extLst>
+  </p:cSld>
+  <p:clrMapOvr>
+    <a:masterClrMapping/>
+  </p:clrMapOvr>
+  <p:timing>
+    <p:tnLst>
+      <p:par>
+        <p:cTn id="1" dur="indefinite" restart="never" nodeType="tmRoot"/>
+      </p:par>
+    </p:tnLst>
+  </p:timing>
+</p:sld>
+</file>
+
+<file path=ppt/slides/slide7.xml><?xml version="1.0" encoding="utf-8"?>
+<p:sld xmlns:a="http://schemas.openxmlformats.org/drawingml/2006/main" xmlns:r="http://schemas.openxmlformats.org/officeDocument/2006/relationships" xmlns:p="http://schemas.openxmlformats.org/presentationml/2006/main">
+  <p:cSld>
+    <p:spTree>
+      <p:nvGrpSpPr>
+        <p:cNvPr id="1" name=""/>
+        <p:cNvGrpSpPr/>
+        <p:nvPr/>
+      </p:nvGrpSpPr>
+      <p:grpSpPr>
+        <a:xfrm>
+          <a:off x="0" y="0"/>
+          <a:ext cx="0" cy="0"/>
+          <a:chOff x="0" y="0"/>
+          <a:chExt cx="0" cy="0"/>
+        </a:xfrm>
+      </p:grpSpPr>
       <p:sp>
         <p:nvSpPr>
           <p:cNvPr id="3" name="TextBox 2"/>
@@ -3939,7 +4291,7 @@
         </p:nvSpPr>
         <p:spPr>
           <a:xfrm>
-            <a:off x="1724297" y="1384663"/>
+            <a:off x="4950823" y="182880"/>
             <a:ext cx="1928733" cy="1092607"/>
           </a:xfrm>
           <a:prstGeom prst="rect">
@@ -3971,6 +4323,36 @@
           </a:p>
         </p:txBody>
       </p:sp>
+      <p:pic>
+        <p:nvPicPr>
+          <p:cNvPr id="4" name="Picture 3"/>
+          <p:cNvPicPr>
+            <a:picLocks noChangeAspect="1"/>
+          </p:cNvPicPr>
+          <p:nvPr/>
+        </p:nvPicPr>
+        <p:blipFill>
+          <a:blip r:embed="rId2">
+            <a:extLst>
+              <a:ext uri="{28A0092B-C50C-407E-A947-70E740481C1C}">
+                <a14:useLocalDpi xmlns:a14="http://schemas.microsoft.com/office/drawing/2010/main" val="0"/>
+              </a:ext>
+            </a:extLst>
+          </a:blip>
+          <a:stretch>
+            <a:fillRect/>
+          </a:stretch>
+        </p:blipFill>
+        <p:spPr>
+          <a:xfrm>
+            <a:off x="1958844" y="1495936"/>
+            <a:ext cx="7912689" cy="4434737"/>
+          </a:xfrm>
+          <a:prstGeom prst="rect">
+            <a:avLst/>
+          </a:prstGeom>
+        </p:spPr>
+      </p:pic>
     </p:spTree>
     <p:extLst>
       <p:ext uri="{BB962C8B-B14F-4D97-AF65-F5344CB8AC3E}">

--- a/Hackaton Presentation.pptx
+++ b/Hackaton Presentation.pptx
@@ -116,6 +116,4264 @@
     </p:ext>
   </p:extLst>
 </p:presentation>
+</file>
+
+<file path=ppt/charts/chart1.xml><?xml version="1.0" encoding="utf-8"?>
+<c:chartSpace xmlns:c="http://schemas.openxmlformats.org/drawingml/2006/chart" xmlns:a="http://schemas.openxmlformats.org/drawingml/2006/main" xmlns:r="http://schemas.openxmlformats.org/officeDocument/2006/relationships" xmlns:c16r2="http://schemas.microsoft.com/office/drawing/2015/06/chart">
+  <c:date1904 val="0"/>
+  <c:lang val="en-US"/>
+  <c:roundedCorners val="0"/>
+  <mc:AlternateContent xmlns:mc="http://schemas.openxmlformats.org/markup-compatibility/2006">
+    <mc:Choice xmlns:c14="http://schemas.microsoft.com/office/drawing/2007/8/2/chart" Requires="c14">
+      <c14:style val="102"/>
+    </mc:Choice>
+    <mc:Fallback>
+      <c:style val="2"/>
+    </mc:Fallback>
+  </mc:AlternateContent>
+  <c:chart>
+    <c:title>
+      <c:tx>
+        <c:rich>
+          <a:bodyPr rot="0" spcFirstLastPara="1" vertOverflow="ellipsis" vert="horz" wrap="square" anchor="ctr" anchorCtr="1"/>
+          <a:lstStyle/>
+          <a:p>
+            <a:pPr>
+              <a:defRPr sz="1400" b="0" i="0" u="none" strike="noStrike" kern="1200" spc="0" baseline="0">
+                <a:solidFill>
+                  <a:schemeClr val="tx1">
+                    <a:lumMod val="65000"/>
+                    <a:lumOff val="35000"/>
+                  </a:schemeClr>
+                </a:solidFill>
+                <a:latin typeface="+mn-lt"/>
+                <a:ea typeface="+mn-ea"/>
+                <a:cs typeface="+mn-cs"/>
+              </a:defRPr>
+            </a:pPr>
+            <a:r>
+              <a:rPr lang="en-US"/>
+              <a:t>Facebook 'Thumbs'</a:t>
+            </a:r>
+            <a:r>
+              <a:rPr lang="en-US" baseline="0"/>
+              <a:t> Voting Model</a:t>
+            </a:r>
+          </a:p>
+        </c:rich>
+      </c:tx>
+      <c:layout/>
+      <c:overlay val="0"/>
+      <c:spPr>
+        <a:noFill/>
+        <a:ln>
+          <a:noFill/>
+        </a:ln>
+        <a:effectLst/>
+      </c:spPr>
+      <c:txPr>
+        <a:bodyPr rot="0" spcFirstLastPara="1" vertOverflow="ellipsis" vert="horz" wrap="square" anchor="ctr" anchorCtr="1"/>
+        <a:lstStyle/>
+        <a:p>
+          <a:pPr>
+            <a:defRPr sz="1400" b="0" i="0" u="none" strike="noStrike" kern="1200" spc="0" baseline="0">
+              <a:solidFill>
+                <a:schemeClr val="tx1">
+                  <a:lumMod val="65000"/>
+                  <a:lumOff val="35000"/>
+                </a:schemeClr>
+              </a:solidFill>
+              <a:latin typeface="+mn-lt"/>
+              <a:ea typeface="+mn-ea"/>
+              <a:cs typeface="+mn-cs"/>
+            </a:defRPr>
+          </a:pPr>
+          <a:endParaRPr lang="en-US"/>
+        </a:p>
+      </c:txPr>
+    </c:title>
+    <c:autoTitleDeleted val="0"/>
+    <c:plotArea>
+      <c:layout>
+        <c:manualLayout>
+          <c:layoutTarget val="inner"/>
+          <c:xMode val="edge"/>
+          <c:yMode val="edge"/>
+          <c:x val="0.12730849199080813"/>
+          <c:y val="0.13969521190369158"/>
+          <c:w val="0.78595844930172842"/>
+          <c:h val="0.7280528368533371"/>
+        </c:manualLayout>
+      </c:layout>
+      <c:scatterChart>
+        <c:scatterStyle val="smoothMarker"/>
+        <c:varyColors val="0"/>
+        <c:ser>
+          <c:idx val="0"/>
+          <c:order val="0"/>
+          <c:tx>
+            <c:v>Real</c:v>
+          </c:tx>
+          <c:spPr>
+            <a:ln w="19050" cap="rnd">
+              <a:solidFill>
+                <a:schemeClr val="accent1"/>
+              </a:solidFill>
+              <a:round/>
+            </a:ln>
+            <a:effectLst/>
+          </c:spPr>
+          <c:marker>
+            <c:symbol val="none"/>
+          </c:marker>
+          <c:xVal>
+            <c:numRef>
+              <c:f>'holdoutset (1)'!$N$2:$N$266</c:f>
+              <c:numCache>
+                <c:formatCode>0.00E+00</c:formatCode>
+                <c:ptCount val="265"/>
+                <c:pt idx="0">
+                  <c:v>7.1399999999999999E-12</c:v>
+                </c:pt>
+                <c:pt idx="1">
+                  <c:v>9.9999999999999994E-12</c:v>
+                </c:pt>
+                <c:pt idx="2">
+                  <c:v>1.24E-11</c:v>
+                </c:pt>
+                <c:pt idx="3">
+                  <c:v>1.28E-11</c:v>
+                </c:pt>
+                <c:pt idx="4">
+                  <c:v>1.28E-11</c:v>
+                </c:pt>
+                <c:pt idx="5">
+                  <c:v>1.45E-11</c:v>
+                </c:pt>
+                <c:pt idx="6">
+                  <c:v>1.48E-11</c:v>
+                </c:pt>
+                <c:pt idx="7">
+                  <c:v>1.5300000000000001E-11</c:v>
+                </c:pt>
+                <c:pt idx="8">
+                  <c:v>1.6100000000000001E-11</c:v>
+                </c:pt>
+                <c:pt idx="9">
+                  <c:v>1.7500000000000001E-11</c:v>
+                </c:pt>
+                <c:pt idx="10">
+                  <c:v>1.7500000000000001E-11</c:v>
+                </c:pt>
+                <c:pt idx="11">
+                  <c:v>1.8700000000000001E-11</c:v>
+                </c:pt>
+                <c:pt idx="12">
+                  <c:v>1.9399999999999999E-11</c:v>
+                </c:pt>
+                <c:pt idx="13">
+                  <c:v>2.0599999999999999E-11</c:v>
+                </c:pt>
+                <c:pt idx="14">
+                  <c:v>2.0799999999999999E-11</c:v>
+                </c:pt>
+                <c:pt idx="15">
+                  <c:v>2.09E-11</c:v>
+                </c:pt>
+                <c:pt idx="16">
+                  <c:v>2.09E-11</c:v>
+                </c:pt>
+                <c:pt idx="17">
+                  <c:v>2.11E-11</c:v>
+                </c:pt>
+                <c:pt idx="18">
+                  <c:v>2.11E-11</c:v>
+                </c:pt>
+                <c:pt idx="19">
+                  <c:v>2.11E-11</c:v>
+                </c:pt>
+                <c:pt idx="20">
+                  <c:v>2.11E-11</c:v>
+                </c:pt>
+                <c:pt idx="21">
+                  <c:v>2.1199999999999999E-11</c:v>
+                </c:pt>
+                <c:pt idx="22">
+                  <c:v>2.1199999999999999E-11</c:v>
+                </c:pt>
+                <c:pt idx="23">
+                  <c:v>2.1199999999999999E-11</c:v>
+                </c:pt>
+                <c:pt idx="24">
+                  <c:v>2.1199999999999999E-11</c:v>
+                </c:pt>
+                <c:pt idx="25">
+                  <c:v>4.6299999999999998E-11</c:v>
+                </c:pt>
+                <c:pt idx="26">
+                  <c:v>4.6900000000000001E-11</c:v>
+                </c:pt>
+                <c:pt idx="27">
+                  <c:v>4.7300000000000001E-11</c:v>
+                </c:pt>
+                <c:pt idx="28">
+                  <c:v>4.7399999999999999E-11</c:v>
+                </c:pt>
+                <c:pt idx="29">
+                  <c:v>4.7399999999999999E-11</c:v>
+                </c:pt>
+                <c:pt idx="30">
+                  <c:v>4.7799999999999999E-11</c:v>
+                </c:pt>
+                <c:pt idx="31">
+                  <c:v>4.7899999999999997E-11</c:v>
+                </c:pt>
+                <c:pt idx="32">
+                  <c:v>4.7899999999999997E-11</c:v>
+                </c:pt>
+                <c:pt idx="33">
+                  <c:v>6.9899999999999999E-11</c:v>
+                </c:pt>
+                <c:pt idx="34">
+                  <c:v>1.5E-10</c:v>
+                </c:pt>
+                <c:pt idx="35">
+                  <c:v>1.8500000000000001E-10</c:v>
+                </c:pt>
+                <c:pt idx="36">
+                  <c:v>1.86E-10</c:v>
+                </c:pt>
+                <c:pt idx="37">
+                  <c:v>1.87E-10</c:v>
+                </c:pt>
+                <c:pt idx="38">
+                  <c:v>2.0600000000000001E-10</c:v>
+                </c:pt>
+                <c:pt idx="39">
+                  <c:v>2.1400000000000001E-10</c:v>
+                </c:pt>
+                <c:pt idx="40" formatCode="General">
+                  <c:v>0.45474852199999999</c:v>
+                </c:pt>
+                <c:pt idx="41" formatCode="General">
+                  <c:v>0.490812478</c:v>
+                </c:pt>
+                <c:pt idx="42" formatCode="General">
+                  <c:v>0.50983926000000002</c:v>
+                </c:pt>
+                <c:pt idx="43" formatCode="General">
+                  <c:v>0.53019640899999998</c:v>
+                </c:pt>
+                <c:pt idx="44" formatCode="General">
+                  <c:v>0.55902164499999996</c:v>
+                </c:pt>
+                <c:pt idx="45" formatCode="General">
+                  <c:v>0.55902164499999996</c:v>
+                </c:pt>
+                <c:pt idx="46" formatCode="General">
+                  <c:v>0.56990706599999996</c:v>
+                </c:pt>
+                <c:pt idx="47" formatCode="General">
+                  <c:v>0.57252015499999998</c:v>
+                </c:pt>
+                <c:pt idx="48" formatCode="General">
+                  <c:v>0.59755135400000003</c:v>
+                </c:pt>
+                <c:pt idx="49" formatCode="General">
+                  <c:v>0.60874382800000004</c:v>
+                </c:pt>
+                <c:pt idx="50" formatCode="General">
+                  <c:v>0.61033481199999995</c:v>
+                </c:pt>
+                <c:pt idx="51" formatCode="General">
+                  <c:v>0.61782263599999998</c:v>
+                </c:pt>
+                <c:pt idx="52" formatCode="General">
+                  <c:v>0.62734414599999999</c:v>
+                </c:pt>
+                <c:pt idx="53" formatCode="General">
+                  <c:v>0.63736424599999997</c:v>
+                </c:pt>
+                <c:pt idx="54" formatCode="General">
+                  <c:v>0.63860794099999996</c:v>
+                </c:pt>
+                <c:pt idx="55" formatCode="General">
+                  <c:v>0.65830154399999996</c:v>
+                </c:pt>
+                <c:pt idx="56" formatCode="General">
+                  <c:v>0.65888498699999998</c:v>
+                </c:pt>
+                <c:pt idx="57" formatCode="General">
+                  <c:v>0.65949805800000005</c:v>
+                </c:pt>
+                <c:pt idx="58" formatCode="General">
+                  <c:v>0.66400495100000001</c:v>
+                </c:pt>
+                <c:pt idx="59" formatCode="General">
+                  <c:v>0.66629712699999999</c:v>
+                </c:pt>
+                <c:pt idx="60" formatCode="General">
+                  <c:v>0.66672219700000002</c:v>
+                </c:pt>
+                <c:pt idx="61" formatCode="General">
+                  <c:v>0.68171102900000002</c:v>
+                </c:pt>
+                <c:pt idx="62" formatCode="General">
+                  <c:v>0.68515391299999995</c:v>
+                </c:pt>
+                <c:pt idx="63" formatCode="General">
+                  <c:v>0.68546929099999998</c:v>
+                </c:pt>
+                <c:pt idx="64" formatCode="General">
+                  <c:v>0.68658746100000001</c:v>
+                </c:pt>
+                <c:pt idx="65" formatCode="General">
+                  <c:v>0.68888631099999997</c:v>
+                </c:pt>
+                <c:pt idx="66" formatCode="General">
+                  <c:v>0.692049727</c:v>
+                </c:pt>
+                <c:pt idx="67" formatCode="General">
+                  <c:v>0.69376979400000005</c:v>
+                </c:pt>
+                <c:pt idx="68" formatCode="General">
+                  <c:v>0.69659135900000002</c:v>
+                </c:pt>
+                <c:pt idx="69" formatCode="General">
+                  <c:v>0.69748400399999999</c:v>
+                </c:pt>
+                <c:pt idx="70" formatCode="General">
+                  <c:v>0.69907282900000001</c:v>
+                </c:pt>
+                <c:pt idx="71" formatCode="General">
+                  <c:v>0.70032204200000003</c:v>
+                </c:pt>
+                <c:pt idx="72" formatCode="General">
+                  <c:v>0.70204582800000004</c:v>
+                </c:pt>
+                <c:pt idx="73" formatCode="General">
+                  <c:v>0.70289872799999997</c:v>
+                </c:pt>
+                <c:pt idx="74" formatCode="General">
+                  <c:v>0.70297237300000004</c:v>
+                </c:pt>
+                <c:pt idx="75" formatCode="General">
+                  <c:v>0.70305005399999998</c:v>
+                </c:pt>
+                <c:pt idx="76" formatCode="General">
+                  <c:v>0.71076593300000002</c:v>
+                </c:pt>
+                <c:pt idx="77" formatCode="General">
+                  <c:v>0.72452450700000004</c:v>
+                </c:pt>
+                <c:pt idx="78" formatCode="General">
+                  <c:v>0.72690575800000001</c:v>
+                </c:pt>
+                <c:pt idx="79" formatCode="General">
+                  <c:v>0.72941494399999995</c:v>
+                </c:pt>
+                <c:pt idx="80" formatCode="General">
+                  <c:v>0.730449652</c:v>
+                </c:pt>
+                <c:pt idx="81" formatCode="General">
+                  <c:v>0.73129682399999996</c:v>
+                </c:pt>
+                <c:pt idx="82" formatCode="General">
+                  <c:v>0.73738789299999996</c:v>
+                </c:pt>
+                <c:pt idx="83" formatCode="General">
+                  <c:v>0.75621511600000002</c:v>
+                </c:pt>
+                <c:pt idx="84" formatCode="General">
+                  <c:v>0.75949816999999997</c:v>
+                </c:pt>
+                <c:pt idx="85" formatCode="General">
+                  <c:v>0.76619686200000003</c:v>
+                </c:pt>
+                <c:pt idx="86" formatCode="General">
+                  <c:v>0.78008354700000004</c:v>
+                </c:pt>
+                <c:pt idx="87" formatCode="General">
+                  <c:v>0.78325554900000005</c:v>
+                </c:pt>
+                <c:pt idx="88" formatCode="General">
+                  <c:v>0.78401082499999997</c:v>
+                </c:pt>
+                <c:pt idx="89" formatCode="General">
+                  <c:v>0.785010341</c:v>
+                </c:pt>
+                <c:pt idx="90" formatCode="General">
+                  <c:v>0.78834918399999998</c:v>
+                </c:pt>
+                <c:pt idx="91" formatCode="General">
+                  <c:v>0.79018946800000001</c:v>
+                </c:pt>
+                <c:pt idx="92" formatCode="General">
+                  <c:v>0.79123676099999996</c:v>
+                </c:pt>
+                <c:pt idx="93" formatCode="General">
+                  <c:v>0.79447932799999998</c:v>
+                </c:pt>
+                <c:pt idx="94" formatCode="General">
+                  <c:v>0.79489644500000001</c:v>
+                </c:pt>
+                <c:pt idx="95" formatCode="General">
+                  <c:v>0.79534394600000002</c:v>
+                </c:pt>
+                <c:pt idx="96" formatCode="General">
+                  <c:v>0.79596524199999996</c:v>
+                </c:pt>
+                <c:pt idx="97" formatCode="General">
+                  <c:v>0.79722589200000005</c:v>
+                </c:pt>
+                <c:pt idx="98" formatCode="General">
+                  <c:v>0.79738242100000001</c:v>
+                </c:pt>
+                <c:pt idx="99" formatCode="General">
+                  <c:v>0.79763787399999997</c:v>
+                </c:pt>
+                <c:pt idx="100" formatCode="General">
+                  <c:v>0.79803677699999997</c:v>
+                </c:pt>
+                <c:pt idx="101" formatCode="General">
+                  <c:v>0.80029791500000003</c:v>
+                </c:pt>
+                <c:pt idx="102" formatCode="General">
+                  <c:v>0.80074253399999995</c:v>
+                </c:pt>
+                <c:pt idx="103" formatCode="General">
+                  <c:v>0.80076331000000001</c:v>
+                </c:pt>
+                <c:pt idx="104" formatCode="General">
+                  <c:v>0.801466503</c:v>
+                </c:pt>
+                <c:pt idx="105" formatCode="General">
+                  <c:v>0.80159910700000003</c:v>
+                </c:pt>
+                <c:pt idx="106" formatCode="General">
+                  <c:v>0.80187012199999996</c:v>
+                </c:pt>
+                <c:pt idx="107" formatCode="General">
+                  <c:v>0.80215098299999998</c:v>
+                </c:pt>
+                <c:pt idx="108" formatCode="General">
+                  <c:v>0.80298910400000001</c:v>
+                </c:pt>
+                <c:pt idx="109" formatCode="General">
+                  <c:v>0.80391899499999997</c:v>
+                </c:pt>
+                <c:pt idx="110" formatCode="General">
+                  <c:v>0.80478055400000004</c:v>
+                </c:pt>
+                <c:pt idx="111" formatCode="General">
+                  <c:v>0.80495978599999995</c:v>
+                </c:pt>
+                <c:pt idx="112" formatCode="General">
+                  <c:v>0.80517355000000002</c:v>
+                </c:pt>
+                <c:pt idx="113" formatCode="General">
+                  <c:v>0.80551695700000003</c:v>
+                </c:pt>
+                <c:pt idx="114" formatCode="General">
+                  <c:v>0.80604063000000004</c:v>
+                </c:pt>
+                <c:pt idx="115" formatCode="General">
+                  <c:v>0.80655146899999997</c:v>
+                </c:pt>
+                <c:pt idx="116" formatCode="General">
+                  <c:v>0.80658756200000004</c:v>
+                </c:pt>
+                <c:pt idx="117" formatCode="General">
+                  <c:v>0.80686872600000004</c:v>
+                </c:pt>
+                <c:pt idx="118" formatCode="General">
+                  <c:v>0.80695888900000001</c:v>
+                </c:pt>
+                <c:pt idx="119" formatCode="General">
+                  <c:v>0.80701492500000005</c:v>
+                </c:pt>
+                <c:pt idx="120" formatCode="General">
+                  <c:v>0.80818107100000003</c:v>
+                </c:pt>
+                <c:pt idx="121" formatCode="General">
+                  <c:v>0.80827642099999997</c:v>
+                </c:pt>
+                <c:pt idx="122" formatCode="General">
+                  <c:v>0.80845524700000004</c:v>
+                </c:pt>
+                <c:pt idx="123" formatCode="General">
+                  <c:v>0.80869733300000002</c:v>
+                </c:pt>
+                <c:pt idx="124" formatCode="General">
+                  <c:v>0.80898574899999998</c:v>
+                </c:pt>
+                <c:pt idx="125" formatCode="General">
+                  <c:v>0.80960912799999996</c:v>
+                </c:pt>
+                <c:pt idx="126" formatCode="General">
+                  <c:v>0.81075618699999996</c:v>
+                </c:pt>
+                <c:pt idx="127" formatCode="General">
+                  <c:v>0.81086575100000002</c:v>
+                </c:pt>
+                <c:pt idx="128" formatCode="General">
+                  <c:v>0.81097105300000005</c:v>
+                </c:pt>
+                <c:pt idx="129" formatCode="General">
+                  <c:v>0.81135763599999999</c:v>
+                </c:pt>
+                <c:pt idx="130" formatCode="General">
+                  <c:v>0.81161818100000005</c:v>
+                </c:pt>
+                <c:pt idx="131" formatCode="General">
+                  <c:v>0.81173900700000001</c:v>
+                </c:pt>
+                <c:pt idx="132" formatCode="General">
+                  <c:v>0.81195829500000005</c:v>
+                </c:pt>
+                <c:pt idx="133" formatCode="General">
+                  <c:v>0.812190089</c:v>
+                </c:pt>
+                <c:pt idx="134" formatCode="General">
+                  <c:v>0.81223388100000005</c:v>
+                </c:pt>
+                <c:pt idx="135" formatCode="General">
+                  <c:v>0.81242490499999997</c:v>
+                </c:pt>
+                <c:pt idx="136" formatCode="General">
+                  <c:v>0.81249092999999994</c:v>
+                </c:pt>
+                <c:pt idx="137" formatCode="General">
+                  <c:v>0.81255140699999995</c:v>
+                </c:pt>
+                <c:pt idx="138" formatCode="General">
+                  <c:v>0.81275000500000005</c:v>
+                </c:pt>
+                <c:pt idx="139" formatCode="General">
+                  <c:v>0.81301567200000002</c:v>
+                </c:pt>
+                <c:pt idx="140" formatCode="General">
+                  <c:v>0.81305446699999995</c:v>
+                </c:pt>
+                <c:pt idx="141" formatCode="General">
+                  <c:v>0.81319881599999999</c:v>
+                </c:pt>
+                <c:pt idx="142" formatCode="General">
+                  <c:v>0.81335908800000001</c:v>
+                </c:pt>
+                <c:pt idx="143" formatCode="General">
+                  <c:v>0.81337038800000006</c:v>
+                </c:pt>
+                <c:pt idx="144" formatCode="General">
+                  <c:v>0.81355863799999995</c:v>
+                </c:pt>
+                <c:pt idx="145" formatCode="General">
+                  <c:v>0.81360097499999995</c:v>
+                </c:pt>
+                <c:pt idx="146" formatCode="General">
+                  <c:v>0.81361468199999998</c:v>
+                </c:pt>
+                <c:pt idx="147" formatCode="General">
+                  <c:v>0.81361549</c:v>
+                </c:pt>
+                <c:pt idx="148" formatCode="General">
+                  <c:v>0.81362247700000001</c:v>
+                </c:pt>
+                <c:pt idx="149" formatCode="General">
+                  <c:v>0.813743522</c:v>
+                </c:pt>
+                <c:pt idx="150" formatCode="General">
+                  <c:v>0.81384557599999996</c:v>
+                </c:pt>
+                <c:pt idx="151" formatCode="General">
+                  <c:v>0.81385014</c:v>
+                </c:pt>
+                <c:pt idx="152" formatCode="General">
+                  <c:v>0.81405921299999995</c:v>
+                </c:pt>
+                <c:pt idx="153" formatCode="General">
+                  <c:v>0.81406846799999999</c:v>
+                </c:pt>
+                <c:pt idx="154" formatCode="General">
+                  <c:v>0.81433135199999995</c:v>
+                </c:pt>
+                <c:pt idx="155" formatCode="General">
+                  <c:v>0.814544292</c:v>
+                </c:pt>
+                <c:pt idx="156" formatCode="General">
+                  <c:v>0.81463891600000005</c:v>
+                </c:pt>
+                <c:pt idx="157" formatCode="General">
+                  <c:v>0.81564167700000001</c:v>
+                </c:pt>
+                <c:pt idx="158" formatCode="General">
+                  <c:v>0.82289343800000003</c:v>
+                </c:pt>
+                <c:pt idx="159" formatCode="General">
+                  <c:v>0.82386271300000002</c:v>
+                </c:pt>
+                <c:pt idx="160" formatCode="General">
+                  <c:v>0.82396198499999995</c:v>
+                </c:pt>
+                <c:pt idx="161" formatCode="General">
+                  <c:v>0.82473522499999996</c:v>
+                </c:pt>
+                <c:pt idx="162" formatCode="General">
+                  <c:v>0.82530178700000001</c:v>
+                </c:pt>
+                <c:pt idx="163" formatCode="General">
+                  <c:v>0.82656853399999997</c:v>
+                </c:pt>
+                <c:pt idx="164" formatCode="General">
+                  <c:v>0.82738687399999999</c:v>
+                </c:pt>
+                <c:pt idx="165" formatCode="General">
+                  <c:v>0.827753462</c:v>
+                </c:pt>
+                <c:pt idx="166" formatCode="General">
+                  <c:v>0.82802405499999998</c:v>
+                </c:pt>
+                <c:pt idx="167" formatCode="General">
+                  <c:v>0.82826630899999998</c:v>
+                </c:pt>
+                <c:pt idx="168" formatCode="General">
+                  <c:v>0.82839385099999996</c:v>
+                </c:pt>
+                <c:pt idx="169" formatCode="General">
+                  <c:v>0.82850631699999999</c:v>
+                </c:pt>
+                <c:pt idx="170" formatCode="General">
+                  <c:v>0.82853401599999998</c:v>
+                </c:pt>
+                <c:pt idx="171" formatCode="General">
+                  <c:v>0.82869673499999996</c:v>
+                </c:pt>
+                <c:pt idx="172" formatCode="General">
+                  <c:v>0.82874226600000001</c:v>
+                </c:pt>
+                <c:pt idx="173" formatCode="General">
+                  <c:v>0.82887101699999999</c:v>
+                </c:pt>
+                <c:pt idx="174" formatCode="General">
+                  <c:v>0.82904805199999998</c:v>
+                </c:pt>
+                <c:pt idx="175" formatCode="General">
+                  <c:v>0.82915189199999995</c:v>
+                </c:pt>
+                <c:pt idx="176" formatCode="General">
+                  <c:v>0.82918164100000002</c:v>
+                </c:pt>
+                <c:pt idx="177" formatCode="General">
+                  <c:v>0.82926144300000004</c:v>
+                </c:pt>
+                <c:pt idx="178" formatCode="General">
+                  <c:v>0.829301599</c:v>
+                </c:pt>
+                <c:pt idx="179" formatCode="General">
+                  <c:v>0.82930573900000004</c:v>
+                </c:pt>
+                <c:pt idx="180" formatCode="General">
+                  <c:v>0.82953141600000002</c:v>
+                </c:pt>
+                <c:pt idx="181" formatCode="General">
+                  <c:v>0.82957376800000004</c:v>
+                </c:pt>
+                <c:pt idx="182" formatCode="General">
+                  <c:v>0.829599325</c:v>
+                </c:pt>
+                <c:pt idx="183" formatCode="General">
+                  <c:v>0.82967660899999995</c:v>
+                </c:pt>
+                <c:pt idx="184" formatCode="General">
+                  <c:v>0.82972831599999997</c:v>
+                </c:pt>
+                <c:pt idx="185" formatCode="General">
+                  <c:v>0.82975084899999996</c:v>
+                </c:pt>
+                <c:pt idx="186" formatCode="General">
+                  <c:v>0.82980842499999996</c:v>
+                </c:pt>
+                <c:pt idx="187" formatCode="General">
+                  <c:v>0.82984033599999996</c:v>
+                </c:pt>
+                <c:pt idx="188" formatCode="General">
+                  <c:v>0.82987974900000006</c:v>
+                </c:pt>
+                <c:pt idx="189" formatCode="General">
+                  <c:v>0.829923407</c:v>
+                </c:pt>
+                <c:pt idx="190" formatCode="General">
+                  <c:v>0.82995755100000002</c:v>
+                </c:pt>
+                <c:pt idx="191" formatCode="General">
+                  <c:v>0.83035101200000005</c:v>
+                </c:pt>
+                <c:pt idx="192" formatCode="General">
+                  <c:v>0.83043586599999997</c:v>
+                </c:pt>
+                <c:pt idx="193" formatCode="General">
+                  <c:v>0.83105126600000001</c:v>
+                </c:pt>
+                <c:pt idx="194" formatCode="General">
+                  <c:v>0.831951153</c:v>
+                </c:pt>
+                <c:pt idx="195" formatCode="General">
+                  <c:v>0.83505381300000003</c:v>
+                </c:pt>
+                <c:pt idx="196" formatCode="General">
+                  <c:v>0.83559783499999996</c:v>
+                </c:pt>
+                <c:pt idx="197" formatCode="General">
+                  <c:v>0.83604702799999997</c:v>
+                </c:pt>
+                <c:pt idx="198" formatCode="General">
+                  <c:v>0.83623739399999997</c:v>
+                </c:pt>
+                <c:pt idx="199" formatCode="General">
+                  <c:v>0.83686336299999997</c:v>
+                </c:pt>
+                <c:pt idx="200" formatCode="General">
+                  <c:v>0.83860989399999997</c:v>
+                </c:pt>
+                <c:pt idx="201" formatCode="General">
+                  <c:v>0.838849607</c:v>
+                </c:pt>
+                <c:pt idx="202" formatCode="General">
+                  <c:v>0.83929475799999997</c:v>
+                </c:pt>
+                <c:pt idx="203" formatCode="General">
+                  <c:v>0.83938089100000002</c:v>
+                </c:pt>
+                <c:pt idx="204" formatCode="General">
+                  <c:v>0.84036545699999998</c:v>
+                </c:pt>
+                <c:pt idx="205" formatCode="General">
+                  <c:v>0.84059426800000003</c:v>
+                </c:pt>
+                <c:pt idx="206" formatCode="General">
+                  <c:v>0.84186495400000005</c:v>
+                </c:pt>
+                <c:pt idx="207" formatCode="General">
+                  <c:v>0.84288201399999996</c:v>
+                </c:pt>
+                <c:pt idx="208" formatCode="General">
+                  <c:v>0.84341316799999999</c:v>
+                </c:pt>
+                <c:pt idx="209" formatCode="General">
+                  <c:v>0.84448440700000005</c:v>
+                </c:pt>
+                <c:pt idx="210" formatCode="General">
+                  <c:v>0.84551576299999998</c:v>
+                </c:pt>
+                <c:pt idx="211" formatCode="General">
+                  <c:v>0.84587689099999996</c:v>
+                </c:pt>
+                <c:pt idx="212" formatCode="General">
+                  <c:v>0.84668937899999996</c:v>
+                </c:pt>
+                <c:pt idx="213" formatCode="General">
+                  <c:v>0.84674918700000001</c:v>
+                </c:pt>
+                <c:pt idx="214" formatCode="General">
+                  <c:v>0.84687345300000005</c:v>
+                </c:pt>
+                <c:pt idx="215" formatCode="General">
+                  <c:v>0.846885632</c:v>
+                </c:pt>
+                <c:pt idx="216" formatCode="General">
+                  <c:v>0.84708856399999999</c:v>
+                </c:pt>
+                <c:pt idx="217" formatCode="General">
+                  <c:v>0.847286345</c:v>
+                </c:pt>
+                <c:pt idx="218" formatCode="General">
+                  <c:v>0.84737381499999997</c:v>
+                </c:pt>
+                <c:pt idx="219" formatCode="General">
+                  <c:v>0.84739868500000004</c:v>
+                </c:pt>
+                <c:pt idx="220" formatCode="General">
+                  <c:v>0.84758915400000001</c:v>
+                </c:pt>
+                <c:pt idx="221" formatCode="General">
+                  <c:v>0.84777920100000004</c:v>
+                </c:pt>
+                <c:pt idx="222" formatCode="General">
+                  <c:v>0.84780069899999999</c:v>
+                </c:pt>
+                <c:pt idx="223" formatCode="General">
+                  <c:v>0.84785591999999999</c:v>
+                </c:pt>
+                <c:pt idx="224" formatCode="General">
+                  <c:v>0.84793980499999999</c:v>
+                </c:pt>
+                <c:pt idx="225" formatCode="General">
+                  <c:v>0.848046721</c:v>
+                </c:pt>
+                <c:pt idx="226" formatCode="General">
+                  <c:v>0.848066247</c:v>
+                </c:pt>
+                <c:pt idx="227" formatCode="General">
+                  <c:v>0.848087598</c:v>
+                </c:pt>
+                <c:pt idx="228" formatCode="General">
+                  <c:v>0.84819625499999995</c:v>
+                </c:pt>
+                <c:pt idx="229" formatCode="General">
+                  <c:v>0.84822169700000005</c:v>
+                </c:pt>
+                <c:pt idx="230" formatCode="General">
+                  <c:v>0.84825169899999997</c:v>
+                </c:pt>
+                <c:pt idx="231" formatCode="General">
+                  <c:v>0.91645232099999996</c:v>
+                </c:pt>
+                <c:pt idx="232" formatCode="General">
+                  <c:v>0.91729245299999995</c:v>
+                </c:pt>
+                <c:pt idx="233" formatCode="General">
+                  <c:v>0.91731302400000003</c:v>
+                </c:pt>
+                <c:pt idx="234" formatCode="General">
+                  <c:v>0.91734400400000005</c:v>
+                </c:pt>
+                <c:pt idx="235" formatCode="General">
+                  <c:v>0.92245959300000002</c:v>
+                </c:pt>
+                <c:pt idx="236" formatCode="General">
+                  <c:v>0.92479657800000004</c:v>
+                </c:pt>
+                <c:pt idx="237" formatCode="General">
+                  <c:v>0.92692567100000001</c:v>
+                </c:pt>
+                <c:pt idx="238" formatCode="General">
+                  <c:v>0.96973631900000001</c:v>
+                </c:pt>
+                <c:pt idx="239" formatCode="General">
+                  <c:v>0.971740088</c:v>
+                </c:pt>
+                <c:pt idx="240" formatCode="General">
+                  <c:v>0.97218763699999999</c:v>
+                </c:pt>
+                <c:pt idx="241" formatCode="General">
+                  <c:v>0.97268779599999999</c:v>
+                </c:pt>
+                <c:pt idx="242" formatCode="General">
+                  <c:v>0.97386477000000005</c:v>
+                </c:pt>
+                <c:pt idx="243" formatCode="General">
+                  <c:v>0.97451322500000004</c:v>
+                </c:pt>
+                <c:pt idx="244" formatCode="General">
+                  <c:v>0.97475499899999996</c:v>
+                </c:pt>
+                <c:pt idx="245" formatCode="General">
+                  <c:v>0.97482135599999997</c:v>
+                </c:pt>
+                <c:pt idx="246" formatCode="General">
+                  <c:v>0.97493401899999999</c:v>
+                </c:pt>
+                <c:pt idx="247" formatCode="General">
+                  <c:v>0.97494027400000005</c:v>
+                </c:pt>
+                <c:pt idx="248" formatCode="General">
+                  <c:v>0.97536652800000001</c:v>
+                </c:pt>
+                <c:pt idx="249" formatCode="General">
+                  <c:v>0.97600448500000003</c:v>
+                </c:pt>
+                <c:pt idx="250" formatCode="General">
+                  <c:v>0.97603033100000003</c:v>
+                </c:pt>
+                <c:pt idx="251" formatCode="General">
+                  <c:v>0.97608222899999997</c:v>
+                </c:pt>
+                <c:pt idx="252" formatCode="General">
+                  <c:v>0.976240518</c:v>
+                </c:pt>
+                <c:pt idx="253" formatCode="General">
+                  <c:v>0.97631030200000002</c:v>
+                </c:pt>
+                <c:pt idx="254" formatCode="General">
+                  <c:v>0.97661919600000002</c:v>
+                </c:pt>
+                <c:pt idx="255" formatCode="General">
+                  <c:v>0.97683930299999999</c:v>
+                </c:pt>
+                <c:pt idx="256" formatCode="General">
+                  <c:v>0.97833073999999998</c:v>
+                </c:pt>
+                <c:pt idx="257" formatCode="General">
+                  <c:v>0.979118724</c:v>
+                </c:pt>
+                <c:pt idx="258" formatCode="General">
+                  <c:v>0.97932965199999999</c:v>
+                </c:pt>
+                <c:pt idx="259" formatCode="General">
+                  <c:v>0.97934889199999997</c:v>
+                </c:pt>
+                <c:pt idx="260" formatCode="General">
+                  <c:v>0.97947764400000004</c:v>
+                </c:pt>
+                <c:pt idx="261" formatCode="General">
+                  <c:v>0.97950452399999999</c:v>
+                </c:pt>
+                <c:pt idx="262" formatCode="General">
+                  <c:v>0.97989895299999996</c:v>
+                </c:pt>
+                <c:pt idx="263" formatCode="General">
+                  <c:v>0.980060555</c:v>
+                </c:pt>
+                <c:pt idx="264" formatCode="General">
+                  <c:v>0.98009842700000005</c:v>
+                </c:pt>
+              </c:numCache>
+            </c:numRef>
+          </c:xVal>
+          <c:yVal>
+            <c:numRef>
+              <c:f>'holdoutset (1)'!$Q$2:$Q$266</c:f>
+              <c:numCache>
+                <c:formatCode>0.00%</c:formatCode>
+                <c:ptCount val="265"/>
+                <c:pt idx="0">
+                  <c:v>0</c:v>
+                </c:pt>
+                <c:pt idx="1">
+                  <c:v>0</c:v>
+                </c:pt>
+                <c:pt idx="2">
+                  <c:v>0</c:v>
+                </c:pt>
+                <c:pt idx="3">
+                  <c:v>0</c:v>
+                </c:pt>
+                <c:pt idx="4">
+                  <c:v>0</c:v>
+                </c:pt>
+                <c:pt idx="5">
+                  <c:v>0</c:v>
+                </c:pt>
+                <c:pt idx="6">
+                  <c:v>0</c:v>
+                </c:pt>
+                <c:pt idx="7">
+                  <c:v>0</c:v>
+                </c:pt>
+                <c:pt idx="8">
+                  <c:v>0</c:v>
+                </c:pt>
+                <c:pt idx="9">
+                  <c:v>0</c:v>
+                </c:pt>
+                <c:pt idx="10">
+                  <c:v>0</c:v>
+                </c:pt>
+                <c:pt idx="11">
+                  <c:v>0</c:v>
+                </c:pt>
+                <c:pt idx="12">
+                  <c:v>0</c:v>
+                </c:pt>
+                <c:pt idx="13">
+                  <c:v>0</c:v>
+                </c:pt>
+                <c:pt idx="14">
+                  <c:v>0</c:v>
+                </c:pt>
+                <c:pt idx="15">
+                  <c:v>0</c:v>
+                </c:pt>
+                <c:pt idx="16">
+                  <c:v>0</c:v>
+                </c:pt>
+                <c:pt idx="17">
+                  <c:v>0</c:v>
+                </c:pt>
+                <c:pt idx="18">
+                  <c:v>0</c:v>
+                </c:pt>
+                <c:pt idx="19">
+                  <c:v>0</c:v>
+                </c:pt>
+                <c:pt idx="20">
+                  <c:v>0</c:v>
+                </c:pt>
+                <c:pt idx="21">
+                  <c:v>0</c:v>
+                </c:pt>
+                <c:pt idx="22">
+                  <c:v>0</c:v>
+                </c:pt>
+                <c:pt idx="23">
+                  <c:v>0</c:v>
+                </c:pt>
+                <c:pt idx="24">
+                  <c:v>0</c:v>
+                </c:pt>
+                <c:pt idx="25">
+                  <c:v>0</c:v>
+                </c:pt>
+                <c:pt idx="26">
+                  <c:v>0</c:v>
+                </c:pt>
+                <c:pt idx="27">
+                  <c:v>0</c:v>
+                </c:pt>
+                <c:pt idx="28">
+                  <c:v>0</c:v>
+                </c:pt>
+                <c:pt idx="29">
+                  <c:v>0</c:v>
+                </c:pt>
+                <c:pt idx="30">
+                  <c:v>0</c:v>
+                </c:pt>
+                <c:pt idx="31">
+                  <c:v>0</c:v>
+                </c:pt>
+                <c:pt idx="32">
+                  <c:v>0</c:v>
+                </c:pt>
+                <c:pt idx="33">
+                  <c:v>0</c:v>
+                </c:pt>
+                <c:pt idx="34">
+                  <c:v>0</c:v>
+                </c:pt>
+                <c:pt idx="35">
+                  <c:v>0</c:v>
+                </c:pt>
+                <c:pt idx="36">
+                  <c:v>0</c:v>
+                </c:pt>
+                <c:pt idx="37">
+                  <c:v>0</c:v>
+                </c:pt>
+                <c:pt idx="38">
+                  <c:v>0</c:v>
+                </c:pt>
+                <c:pt idx="39">
+                  <c:v>0</c:v>
+                </c:pt>
+                <c:pt idx="40">
+                  <c:v>5.0000000000000001E-3</c:v>
+                </c:pt>
+                <c:pt idx="41">
+                  <c:v>0.01</c:v>
+                </c:pt>
+                <c:pt idx="42">
+                  <c:v>0.01</c:v>
+                </c:pt>
+                <c:pt idx="43">
+                  <c:v>1.6E-2</c:v>
+                </c:pt>
+                <c:pt idx="44">
+                  <c:v>2.1000000000000001E-2</c:v>
+                </c:pt>
+                <c:pt idx="45">
+                  <c:v>2.5999999999999999E-2</c:v>
+                </c:pt>
+                <c:pt idx="46">
+                  <c:v>3.1E-2</c:v>
+                </c:pt>
+                <c:pt idx="47">
+                  <c:v>3.1E-2</c:v>
+                </c:pt>
+                <c:pt idx="48">
+                  <c:v>3.1E-2</c:v>
+                </c:pt>
+                <c:pt idx="49">
+                  <c:v>3.6999999999999998E-2</c:v>
+                </c:pt>
+                <c:pt idx="50">
+                  <c:v>4.2000000000000003E-2</c:v>
+                </c:pt>
+                <c:pt idx="51">
+                  <c:v>4.2000000000000003E-2</c:v>
+                </c:pt>
+                <c:pt idx="52">
+                  <c:v>4.7E-2</c:v>
+                </c:pt>
+                <c:pt idx="53">
+                  <c:v>5.1999999999999998E-2</c:v>
+                </c:pt>
+                <c:pt idx="54">
+                  <c:v>5.8000000000000003E-2</c:v>
+                </c:pt>
+                <c:pt idx="55">
+                  <c:v>5.8000000000000003E-2</c:v>
+                </c:pt>
+                <c:pt idx="56">
+                  <c:v>6.3E-2</c:v>
+                </c:pt>
+                <c:pt idx="57">
+                  <c:v>6.3E-2</c:v>
+                </c:pt>
+                <c:pt idx="58">
+                  <c:v>6.8000000000000005E-2</c:v>
+                </c:pt>
+                <c:pt idx="59">
+                  <c:v>6.8000000000000005E-2</c:v>
+                </c:pt>
+                <c:pt idx="60">
+                  <c:v>7.2999999999999995E-2</c:v>
+                </c:pt>
+                <c:pt idx="61">
+                  <c:v>7.9000000000000001E-2</c:v>
+                </c:pt>
+                <c:pt idx="62">
+                  <c:v>7.9000000000000001E-2</c:v>
+                </c:pt>
+                <c:pt idx="63">
+                  <c:v>8.4000000000000005E-2</c:v>
+                </c:pt>
+                <c:pt idx="64">
+                  <c:v>8.8999999999999996E-2</c:v>
+                </c:pt>
+                <c:pt idx="65">
+                  <c:v>9.4E-2</c:v>
+                </c:pt>
+                <c:pt idx="66">
+                  <c:v>9.4E-2</c:v>
+                </c:pt>
+                <c:pt idx="67">
+                  <c:v>9.4E-2</c:v>
+                </c:pt>
+                <c:pt idx="68">
+                  <c:v>9.9000000000000005E-2</c:v>
+                </c:pt>
+                <c:pt idx="69">
+                  <c:v>9.9000000000000005E-2</c:v>
+                </c:pt>
+                <c:pt idx="70">
+                  <c:v>9.9000000000000005E-2</c:v>
+                </c:pt>
+                <c:pt idx="71">
+                  <c:v>0.105</c:v>
+                </c:pt>
+                <c:pt idx="72">
+                  <c:v>0.105</c:v>
+                </c:pt>
+                <c:pt idx="73">
+                  <c:v>0.105</c:v>
+                </c:pt>
+                <c:pt idx="74">
+                  <c:v>0.11</c:v>
+                </c:pt>
+                <c:pt idx="75">
+                  <c:v>0.115</c:v>
+                </c:pt>
+                <c:pt idx="76">
+                  <c:v>0.115</c:v>
+                </c:pt>
+                <c:pt idx="77">
+                  <c:v>0.12</c:v>
+                </c:pt>
+                <c:pt idx="78">
+                  <c:v>0.126</c:v>
+                </c:pt>
+                <c:pt idx="79">
+                  <c:v>0.13100000000000001</c:v>
+                </c:pt>
+                <c:pt idx="80">
+                  <c:v>0.13600000000000001</c:v>
+                </c:pt>
+                <c:pt idx="81">
+                  <c:v>0.14099999999999999</c:v>
+                </c:pt>
+                <c:pt idx="82">
+                  <c:v>0.14699999999999999</c:v>
+                </c:pt>
+                <c:pt idx="83">
+                  <c:v>0.152</c:v>
+                </c:pt>
+                <c:pt idx="84">
+                  <c:v>0.157</c:v>
+                </c:pt>
+                <c:pt idx="85">
+                  <c:v>0.16200000000000001</c:v>
+                </c:pt>
+                <c:pt idx="86">
+                  <c:v>0.16800000000000001</c:v>
+                </c:pt>
+                <c:pt idx="87">
+                  <c:v>0.17299999999999999</c:v>
+                </c:pt>
+                <c:pt idx="88">
+                  <c:v>0.17799999999999999</c:v>
+                </c:pt>
+                <c:pt idx="89">
+                  <c:v>0.17799999999999999</c:v>
+                </c:pt>
+                <c:pt idx="90">
+                  <c:v>0.183</c:v>
+                </c:pt>
+                <c:pt idx="91">
+                  <c:v>0.188</c:v>
+                </c:pt>
+                <c:pt idx="92">
+                  <c:v>0.19400000000000001</c:v>
+                </c:pt>
+                <c:pt idx="93">
+                  <c:v>0.19900000000000001</c:v>
+                </c:pt>
+                <c:pt idx="94">
+                  <c:v>0.20399999999999999</c:v>
+                </c:pt>
+                <c:pt idx="95">
+                  <c:v>0.20899999999999999</c:v>
+                </c:pt>
+                <c:pt idx="96">
+                  <c:v>0.215</c:v>
+                </c:pt>
+                <c:pt idx="97">
+                  <c:v>0.22</c:v>
+                </c:pt>
+                <c:pt idx="98">
+                  <c:v>0.22</c:v>
+                </c:pt>
+                <c:pt idx="99">
+                  <c:v>0.22500000000000001</c:v>
+                </c:pt>
+                <c:pt idx="100">
+                  <c:v>0.23</c:v>
+                </c:pt>
+                <c:pt idx="101">
+                  <c:v>0.23599999999999999</c:v>
+                </c:pt>
+                <c:pt idx="102">
+                  <c:v>0.24099999999999999</c:v>
+                </c:pt>
+                <c:pt idx="103">
+                  <c:v>0.246</c:v>
+                </c:pt>
+                <c:pt idx="104">
+                  <c:v>0.251</c:v>
+                </c:pt>
+                <c:pt idx="105">
+                  <c:v>0.25700000000000001</c:v>
+                </c:pt>
+                <c:pt idx="106">
+                  <c:v>0.26200000000000001</c:v>
+                </c:pt>
+                <c:pt idx="107">
+                  <c:v>0.26700000000000002</c:v>
+                </c:pt>
+                <c:pt idx="108">
+                  <c:v>0.27200000000000002</c:v>
+                </c:pt>
+                <c:pt idx="109">
+                  <c:v>0.27700000000000002</c:v>
+                </c:pt>
+                <c:pt idx="110">
+                  <c:v>0.28299999999999997</c:v>
+                </c:pt>
+                <c:pt idx="111">
+                  <c:v>0.28799999999999998</c:v>
+                </c:pt>
+                <c:pt idx="112">
+                  <c:v>0.29299999999999998</c:v>
+                </c:pt>
+                <c:pt idx="113">
+                  <c:v>0.29799999999999999</c:v>
+                </c:pt>
+                <c:pt idx="114">
+                  <c:v>0.30399999999999999</c:v>
+                </c:pt>
+                <c:pt idx="115">
+                  <c:v>0.309</c:v>
+                </c:pt>
+                <c:pt idx="116">
+                  <c:v>0.314</c:v>
+                </c:pt>
+                <c:pt idx="117">
+                  <c:v>0.31900000000000001</c:v>
+                </c:pt>
+                <c:pt idx="118">
+                  <c:v>0.32500000000000001</c:v>
+                </c:pt>
+                <c:pt idx="119">
+                  <c:v>0.33</c:v>
+                </c:pt>
+                <c:pt idx="120">
+                  <c:v>0.33</c:v>
+                </c:pt>
+                <c:pt idx="121">
+                  <c:v>0.33500000000000002</c:v>
+                </c:pt>
+                <c:pt idx="122">
+                  <c:v>0.34</c:v>
+                </c:pt>
+                <c:pt idx="123">
+                  <c:v>0.34599999999999997</c:v>
+                </c:pt>
+                <c:pt idx="124">
+                  <c:v>0.35099999999999998</c:v>
+                </c:pt>
+                <c:pt idx="125">
+                  <c:v>0.35599999999999998</c:v>
+                </c:pt>
+                <c:pt idx="126">
+                  <c:v>0.36099999999999999</c:v>
+                </c:pt>
+                <c:pt idx="127">
+                  <c:v>0.36599999999999999</c:v>
+                </c:pt>
+                <c:pt idx="128">
+                  <c:v>0.372</c:v>
+                </c:pt>
+                <c:pt idx="129">
+                  <c:v>0.377</c:v>
+                </c:pt>
+                <c:pt idx="130">
+                  <c:v>0.38200000000000001</c:v>
+                </c:pt>
+                <c:pt idx="131">
+                  <c:v>0.38700000000000001</c:v>
+                </c:pt>
+                <c:pt idx="132">
+                  <c:v>0.39300000000000002</c:v>
+                </c:pt>
+                <c:pt idx="133">
+                  <c:v>0.39800000000000002</c:v>
+                </c:pt>
+                <c:pt idx="134">
+                  <c:v>0.40300000000000002</c:v>
+                </c:pt>
+                <c:pt idx="135">
+                  <c:v>0.40799999999999997</c:v>
+                </c:pt>
+                <c:pt idx="136">
+                  <c:v>0.41399999999999998</c:v>
+                </c:pt>
+                <c:pt idx="137">
+                  <c:v>0.41899999999999998</c:v>
+                </c:pt>
+                <c:pt idx="138">
+                  <c:v>0.42399999999999999</c:v>
+                </c:pt>
+                <c:pt idx="139">
+                  <c:v>0.42899999999999999</c:v>
+                </c:pt>
+                <c:pt idx="140">
+                  <c:v>0.435</c:v>
+                </c:pt>
+                <c:pt idx="141">
+                  <c:v>0.44</c:v>
+                </c:pt>
+                <c:pt idx="142">
+                  <c:v>0.44500000000000001</c:v>
+                </c:pt>
+                <c:pt idx="143">
+                  <c:v>0.45</c:v>
+                </c:pt>
+                <c:pt idx="144">
+                  <c:v>0.45500000000000002</c:v>
+                </c:pt>
+                <c:pt idx="145">
+                  <c:v>0.46100000000000002</c:v>
+                </c:pt>
+                <c:pt idx="146">
+                  <c:v>0.46600000000000003</c:v>
+                </c:pt>
+                <c:pt idx="147">
+                  <c:v>0.47099999999999997</c:v>
+                </c:pt>
+                <c:pt idx="148">
+                  <c:v>0.47599999999999998</c:v>
+                </c:pt>
+                <c:pt idx="149">
+                  <c:v>0.48199999999999998</c:v>
+                </c:pt>
+                <c:pt idx="150">
+                  <c:v>0.48699999999999999</c:v>
+                </c:pt>
+                <c:pt idx="151">
+                  <c:v>0.49199999999999999</c:v>
+                </c:pt>
+                <c:pt idx="152">
+                  <c:v>0.497</c:v>
+                </c:pt>
+                <c:pt idx="153">
+                  <c:v>0.503</c:v>
+                </c:pt>
+                <c:pt idx="154">
+                  <c:v>0.50800000000000001</c:v>
+                </c:pt>
+                <c:pt idx="155">
+                  <c:v>0.51300000000000001</c:v>
+                </c:pt>
+                <c:pt idx="156">
+                  <c:v>0.51800000000000002</c:v>
+                </c:pt>
+                <c:pt idx="157">
+                  <c:v>0.52400000000000002</c:v>
+                </c:pt>
+                <c:pt idx="158">
+                  <c:v>0.52900000000000003</c:v>
+                </c:pt>
+                <c:pt idx="159">
+                  <c:v>0.53400000000000003</c:v>
+                </c:pt>
+                <c:pt idx="160">
+                  <c:v>0.53900000000000003</c:v>
+                </c:pt>
+                <c:pt idx="161">
+                  <c:v>0.54500000000000004</c:v>
+                </c:pt>
+                <c:pt idx="162">
+                  <c:v>0.55000000000000004</c:v>
+                </c:pt>
+                <c:pt idx="163">
+                  <c:v>0.55500000000000005</c:v>
+                </c:pt>
+                <c:pt idx="164">
+                  <c:v>0.56000000000000005</c:v>
+                </c:pt>
+                <c:pt idx="165">
+                  <c:v>0.56499999999999995</c:v>
+                </c:pt>
+                <c:pt idx="166">
+                  <c:v>0.57099999999999995</c:v>
+                </c:pt>
+                <c:pt idx="167">
+                  <c:v>0.57599999999999996</c:v>
+                </c:pt>
+                <c:pt idx="168">
+                  <c:v>0.58099999999999996</c:v>
+                </c:pt>
+                <c:pt idx="169">
+                  <c:v>0.58599999999999997</c:v>
+                </c:pt>
+                <c:pt idx="170">
+                  <c:v>0.59199999999999997</c:v>
+                </c:pt>
+                <c:pt idx="171">
+                  <c:v>0.59699999999999998</c:v>
+                </c:pt>
+                <c:pt idx="172">
+                  <c:v>0.60199999999999998</c:v>
+                </c:pt>
+                <c:pt idx="173">
+                  <c:v>0.60699999999999998</c:v>
+                </c:pt>
+                <c:pt idx="174">
+                  <c:v>0.61299999999999999</c:v>
+                </c:pt>
+                <c:pt idx="175">
+                  <c:v>0.61799999999999999</c:v>
+                </c:pt>
+                <c:pt idx="176">
+                  <c:v>0.623</c:v>
+                </c:pt>
+                <c:pt idx="177">
+                  <c:v>0.628</c:v>
+                </c:pt>
+                <c:pt idx="178">
+                  <c:v>0.63400000000000001</c:v>
+                </c:pt>
+                <c:pt idx="179">
+                  <c:v>0.63900000000000001</c:v>
+                </c:pt>
+                <c:pt idx="180">
+                  <c:v>0.64400000000000002</c:v>
+                </c:pt>
+                <c:pt idx="181">
+                  <c:v>0.64900000000000002</c:v>
+                </c:pt>
+                <c:pt idx="182">
+                  <c:v>0.65400000000000003</c:v>
+                </c:pt>
+                <c:pt idx="183">
+                  <c:v>0.66</c:v>
+                </c:pt>
+                <c:pt idx="184">
+                  <c:v>0.66500000000000004</c:v>
+                </c:pt>
+                <c:pt idx="185">
+                  <c:v>0.67</c:v>
+                </c:pt>
+                <c:pt idx="186">
+                  <c:v>0.67500000000000004</c:v>
+                </c:pt>
+                <c:pt idx="187">
+                  <c:v>0.68100000000000005</c:v>
+                </c:pt>
+                <c:pt idx="188">
+                  <c:v>0.68600000000000005</c:v>
+                </c:pt>
+                <c:pt idx="189">
+                  <c:v>0.69099999999999995</c:v>
+                </c:pt>
+                <c:pt idx="190">
+                  <c:v>0.69599999999999995</c:v>
+                </c:pt>
+                <c:pt idx="191">
+                  <c:v>0.70199999999999996</c:v>
+                </c:pt>
+                <c:pt idx="192">
+                  <c:v>0.70699999999999996</c:v>
+                </c:pt>
+                <c:pt idx="193">
+                  <c:v>0.70699999999999996</c:v>
+                </c:pt>
+                <c:pt idx="194">
+                  <c:v>0.71199999999999997</c:v>
+                </c:pt>
+                <c:pt idx="195">
+                  <c:v>0.71699999999999997</c:v>
+                </c:pt>
+                <c:pt idx="196">
+                  <c:v>0.72299999999999998</c:v>
+                </c:pt>
+                <c:pt idx="197">
+                  <c:v>0.72799999999999998</c:v>
+                </c:pt>
+                <c:pt idx="198">
+                  <c:v>0.72799999999999998</c:v>
+                </c:pt>
+                <c:pt idx="199">
+                  <c:v>0.73299999999999998</c:v>
+                </c:pt>
+                <c:pt idx="200">
+                  <c:v>0.73799999999999999</c:v>
+                </c:pt>
+                <c:pt idx="201">
+                  <c:v>0.74299999999999999</c:v>
+                </c:pt>
+                <c:pt idx="202">
+                  <c:v>0.74299999999999999</c:v>
+                </c:pt>
+                <c:pt idx="203">
+                  <c:v>0.749</c:v>
+                </c:pt>
+                <c:pt idx="204">
+                  <c:v>0.754</c:v>
+                </c:pt>
+                <c:pt idx="205">
+                  <c:v>0.75900000000000001</c:v>
+                </c:pt>
+                <c:pt idx="206">
+                  <c:v>0.75900000000000001</c:v>
+                </c:pt>
+                <c:pt idx="207">
+                  <c:v>0.76400000000000001</c:v>
+                </c:pt>
+                <c:pt idx="208">
+                  <c:v>0.76400000000000001</c:v>
+                </c:pt>
+                <c:pt idx="209">
+                  <c:v>0.77</c:v>
+                </c:pt>
+                <c:pt idx="210">
+                  <c:v>0.77500000000000002</c:v>
+                </c:pt>
+                <c:pt idx="211">
+                  <c:v>0.77500000000000002</c:v>
+                </c:pt>
+                <c:pt idx="212">
+                  <c:v>0.77500000000000002</c:v>
+                </c:pt>
+                <c:pt idx="213">
+                  <c:v>0.78</c:v>
+                </c:pt>
+                <c:pt idx="214">
+                  <c:v>0.78</c:v>
+                </c:pt>
+                <c:pt idx="215">
+                  <c:v>0.78</c:v>
+                </c:pt>
+                <c:pt idx="216">
+                  <c:v>0.78500000000000003</c:v>
+                </c:pt>
+                <c:pt idx="217">
+                  <c:v>0.79100000000000004</c:v>
+                </c:pt>
+                <c:pt idx="218">
+                  <c:v>0.79600000000000004</c:v>
+                </c:pt>
+                <c:pt idx="219">
+                  <c:v>0.79600000000000004</c:v>
+                </c:pt>
+                <c:pt idx="220">
+                  <c:v>0.79600000000000004</c:v>
+                </c:pt>
+                <c:pt idx="221">
+                  <c:v>0.80100000000000005</c:v>
+                </c:pt>
+                <c:pt idx="222">
+                  <c:v>0.80100000000000005</c:v>
+                </c:pt>
+                <c:pt idx="223">
+                  <c:v>0.80600000000000005</c:v>
+                </c:pt>
+                <c:pt idx="224">
+                  <c:v>0.80600000000000005</c:v>
+                </c:pt>
+                <c:pt idx="225">
+                  <c:v>0.81200000000000006</c:v>
+                </c:pt>
+                <c:pt idx="226">
+                  <c:v>0.81200000000000006</c:v>
+                </c:pt>
+                <c:pt idx="227">
+                  <c:v>0.81699999999999995</c:v>
+                </c:pt>
+                <c:pt idx="228">
+                  <c:v>0.82199999999999995</c:v>
+                </c:pt>
+                <c:pt idx="229">
+                  <c:v>0.82699999999999996</c:v>
+                </c:pt>
+                <c:pt idx="230">
+                  <c:v>0.83199999999999996</c:v>
+                </c:pt>
+                <c:pt idx="231">
+                  <c:v>0.83799999999999997</c:v>
+                </c:pt>
+                <c:pt idx="232">
+                  <c:v>0.84299999999999997</c:v>
+                </c:pt>
+                <c:pt idx="233">
+                  <c:v>0.84799999999999998</c:v>
+                </c:pt>
+                <c:pt idx="234">
+                  <c:v>0.85299999999999998</c:v>
+                </c:pt>
+                <c:pt idx="235">
+                  <c:v>0.85299999999999998</c:v>
+                </c:pt>
+                <c:pt idx="236">
+                  <c:v>0.85299999999999998</c:v>
+                </c:pt>
+                <c:pt idx="237">
+                  <c:v>0.85899999999999999</c:v>
+                </c:pt>
+                <c:pt idx="238">
+                  <c:v>0.86399999999999999</c:v>
+                </c:pt>
+                <c:pt idx="239">
+                  <c:v>0.86899999999999999</c:v>
+                </c:pt>
+                <c:pt idx="240">
+                  <c:v>0.874</c:v>
+                </c:pt>
+                <c:pt idx="241">
+                  <c:v>0.88</c:v>
+                </c:pt>
+                <c:pt idx="242">
+                  <c:v>0.88500000000000001</c:v>
+                </c:pt>
+                <c:pt idx="243">
+                  <c:v>0.89</c:v>
+                </c:pt>
+                <c:pt idx="244">
+                  <c:v>0.89500000000000002</c:v>
+                </c:pt>
+                <c:pt idx="245">
+                  <c:v>0.90100000000000002</c:v>
+                </c:pt>
+                <c:pt idx="246">
+                  <c:v>0.90600000000000003</c:v>
+                </c:pt>
+                <c:pt idx="247">
+                  <c:v>0.91100000000000003</c:v>
+                </c:pt>
+                <c:pt idx="248">
+                  <c:v>0.91600000000000004</c:v>
+                </c:pt>
+                <c:pt idx="249">
+                  <c:v>0.92100000000000004</c:v>
+                </c:pt>
+                <c:pt idx="250">
+                  <c:v>0.92700000000000005</c:v>
+                </c:pt>
+                <c:pt idx="251">
+                  <c:v>0.93200000000000005</c:v>
+                </c:pt>
+                <c:pt idx="252">
+                  <c:v>0.93700000000000006</c:v>
+                </c:pt>
+                <c:pt idx="253">
+                  <c:v>0.94199999999999995</c:v>
+                </c:pt>
+                <c:pt idx="254">
+                  <c:v>0.94799999999999995</c:v>
+                </c:pt>
+                <c:pt idx="255">
+                  <c:v>0.95299999999999996</c:v>
+                </c:pt>
+                <c:pt idx="256">
+                  <c:v>0.95799999999999996</c:v>
+                </c:pt>
+                <c:pt idx="257">
+                  <c:v>0.96299999999999997</c:v>
+                </c:pt>
+                <c:pt idx="258">
+                  <c:v>0.96899999999999997</c:v>
+                </c:pt>
+                <c:pt idx="259">
+                  <c:v>0.97399999999999998</c:v>
+                </c:pt>
+                <c:pt idx="260">
+                  <c:v>0.97899999999999998</c:v>
+                </c:pt>
+                <c:pt idx="261">
+                  <c:v>0.98399999999999999</c:v>
+                </c:pt>
+                <c:pt idx="262">
+                  <c:v>0.99</c:v>
+                </c:pt>
+                <c:pt idx="263">
+                  <c:v>0.995</c:v>
+                </c:pt>
+                <c:pt idx="264">
+                  <c:v>1</c:v>
+                </c:pt>
+              </c:numCache>
+            </c:numRef>
+          </c:yVal>
+          <c:smooth val="1"/>
+          <c:extLst>
+            <c:ext xmlns:c16="http://schemas.microsoft.com/office/drawing/2014/chart" uri="{C3380CC4-5D6E-409C-BE32-E72D297353CC}">
+              <c16:uniqueId val="{00000000-CD93-4029-AB18-099EC1A6D5A7}"/>
+            </c:ext>
+          </c:extLst>
+        </c:ser>
+        <c:ser>
+          <c:idx val="1"/>
+          <c:order val="1"/>
+          <c:tx>
+            <c:v>Fake</c:v>
+          </c:tx>
+          <c:spPr>
+            <a:ln w="19050" cap="rnd">
+              <a:solidFill>
+                <a:schemeClr val="accent2"/>
+              </a:solidFill>
+              <a:round/>
+            </a:ln>
+            <a:effectLst/>
+          </c:spPr>
+          <c:marker>
+            <c:symbol val="none"/>
+          </c:marker>
+          <c:xVal>
+            <c:numRef>
+              <c:f>'holdoutset (1)'!$N$2:$N$266</c:f>
+              <c:numCache>
+                <c:formatCode>0.00E+00</c:formatCode>
+                <c:ptCount val="265"/>
+                <c:pt idx="0">
+                  <c:v>7.1399999999999999E-12</c:v>
+                </c:pt>
+                <c:pt idx="1">
+                  <c:v>9.9999999999999994E-12</c:v>
+                </c:pt>
+                <c:pt idx="2">
+                  <c:v>1.24E-11</c:v>
+                </c:pt>
+                <c:pt idx="3">
+                  <c:v>1.28E-11</c:v>
+                </c:pt>
+                <c:pt idx="4">
+                  <c:v>1.28E-11</c:v>
+                </c:pt>
+                <c:pt idx="5">
+                  <c:v>1.45E-11</c:v>
+                </c:pt>
+                <c:pt idx="6">
+                  <c:v>1.48E-11</c:v>
+                </c:pt>
+                <c:pt idx="7">
+                  <c:v>1.5300000000000001E-11</c:v>
+                </c:pt>
+                <c:pt idx="8">
+                  <c:v>1.6100000000000001E-11</c:v>
+                </c:pt>
+                <c:pt idx="9">
+                  <c:v>1.7500000000000001E-11</c:v>
+                </c:pt>
+                <c:pt idx="10">
+                  <c:v>1.7500000000000001E-11</c:v>
+                </c:pt>
+                <c:pt idx="11">
+                  <c:v>1.8700000000000001E-11</c:v>
+                </c:pt>
+                <c:pt idx="12">
+                  <c:v>1.9399999999999999E-11</c:v>
+                </c:pt>
+                <c:pt idx="13">
+                  <c:v>2.0599999999999999E-11</c:v>
+                </c:pt>
+                <c:pt idx="14">
+                  <c:v>2.0799999999999999E-11</c:v>
+                </c:pt>
+                <c:pt idx="15">
+                  <c:v>2.09E-11</c:v>
+                </c:pt>
+                <c:pt idx="16">
+                  <c:v>2.09E-11</c:v>
+                </c:pt>
+                <c:pt idx="17">
+                  <c:v>2.11E-11</c:v>
+                </c:pt>
+                <c:pt idx="18">
+                  <c:v>2.11E-11</c:v>
+                </c:pt>
+                <c:pt idx="19">
+                  <c:v>2.11E-11</c:v>
+                </c:pt>
+                <c:pt idx="20">
+                  <c:v>2.11E-11</c:v>
+                </c:pt>
+                <c:pt idx="21">
+                  <c:v>2.1199999999999999E-11</c:v>
+                </c:pt>
+                <c:pt idx="22">
+                  <c:v>2.1199999999999999E-11</c:v>
+                </c:pt>
+                <c:pt idx="23">
+                  <c:v>2.1199999999999999E-11</c:v>
+                </c:pt>
+                <c:pt idx="24">
+                  <c:v>2.1199999999999999E-11</c:v>
+                </c:pt>
+                <c:pt idx="25">
+                  <c:v>4.6299999999999998E-11</c:v>
+                </c:pt>
+                <c:pt idx="26">
+                  <c:v>4.6900000000000001E-11</c:v>
+                </c:pt>
+                <c:pt idx="27">
+                  <c:v>4.7300000000000001E-11</c:v>
+                </c:pt>
+                <c:pt idx="28">
+                  <c:v>4.7399999999999999E-11</c:v>
+                </c:pt>
+                <c:pt idx="29">
+                  <c:v>4.7399999999999999E-11</c:v>
+                </c:pt>
+                <c:pt idx="30">
+                  <c:v>4.7799999999999999E-11</c:v>
+                </c:pt>
+                <c:pt idx="31">
+                  <c:v>4.7899999999999997E-11</c:v>
+                </c:pt>
+                <c:pt idx="32">
+                  <c:v>4.7899999999999997E-11</c:v>
+                </c:pt>
+                <c:pt idx="33">
+                  <c:v>6.9899999999999999E-11</c:v>
+                </c:pt>
+                <c:pt idx="34">
+                  <c:v>1.5E-10</c:v>
+                </c:pt>
+                <c:pt idx="35">
+                  <c:v>1.8500000000000001E-10</c:v>
+                </c:pt>
+                <c:pt idx="36">
+                  <c:v>1.86E-10</c:v>
+                </c:pt>
+                <c:pt idx="37">
+                  <c:v>1.87E-10</c:v>
+                </c:pt>
+                <c:pt idx="38">
+                  <c:v>2.0600000000000001E-10</c:v>
+                </c:pt>
+                <c:pt idx="39">
+                  <c:v>2.1400000000000001E-10</c:v>
+                </c:pt>
+                <c:pt idx="40" formatCode="General">
+                  <c:v>0.45474852199999999</c:v>
+                </c:pt>
+                <c:pt idx="41" formatCode="General">
+                  <c:v>0.490812478</c:v>
+                </c:pt>
+                <c:pt idx="42" formatCode="General">
+                  <c:v>0.50983926000000002</c:v>
+                </c:pt>
+                <c:pt idx="43" formatCode="General">
+                  <c:v>0.53019640899999998</c:v>
+                </c:pt>
+                <c:pt idx="44" formatCode="General">
+                  <c:v>0.55902164499999996</c:v>
+                </c:pt>
+                <c:pt idx="45" formatCode="General">
+                  <c:v>0.55902164499999996</c:v>
+                </c:pt>
+                <c:pt idx="46" formatCode="General">
+                  <c:v>0.56990706599999996</c:v>
+                </c:pt>
+                <c:pt idx="47" formatCode="General">
+                  <c:v>0.57252015499999998</c:v>
+                </c:pt>
+                <c:pt idx="48" formatCode="General">
+                  <c:v>0.59755135400000003</c:v>
+                </c:pt>
+                <c:pt idx="49" formatCode="General">
+                  <c:v>0.60874382800000004</c:v>
+                </c:pt>
+                <c:pt idx="50" formatCode="General">
+                  <c:v>0.61033481199999995</c:v>
+                </c:pt>
+                <c:pt idx="51" formatCode="General">
+                  <c:v>0.61782263599999998</c:v>
+                </c:pt>
+                <c:pt idx="52" formatCode="General">
+                  <c:v>0.62734414599999999</c:v>
+                </c:pt>
+                <c:pt idx="53" formatCode="General">
+                  <c:v>0.63736424599999997</c:v>
+                </c:pt>
+                <c:pt idx="54" formatCode="General">
+                  <c:v>0.63860794099999996</c:v>
+                </c:pt>
+                <c:pt idx="55" formatCode="General">
+                  <c:v>0.65830154399999996</c:v>
+                </c:pt>
+                <c:pt idx="56" formatCode="General">
+                  <c:v>0.65888498699999998</c:v>
+                </c:pt>
+                <c:pt idx="57" formatCode="General">
+                  <c:v>0.65949805800000005</c:v>
+                </c:pt>
+                <c:pt idx="58" formatCode="General">
+                  <c:v>0.66400495100000001</c:v>
+                </c:pt>
+                <c:pt idx="59" formatCode="General">
+                  <c:v>0.66629712699999999</c:v>
+                </c:pt>
+                <c:pt idx="60" formatCode="General">
+                  <c:v>0.66672219700000002</c:v>
+                </c:pt>
+                <c:pt idx="61" formatCode="General">
+                  <c:v>0.68171102900000002</c:v>
+                </c:pt>
+                <c:pt idx="62" formatCode="General">
+                  <c:v>0.68515391299999995</c:v>
+                </c:pt>
+                <c:pt idx="63" formatCode="General">
+                  <c:v>0.68546929099999998</c:v>
+                </c:pt>
+                <c:pt idx="64" formatCode="General">
+                  <c:v>0.68658746100000001</c:v>
+                </c:pt>
+                <c:pt idx="65" formatCode="General">
+                  <c:v>0.68888631099999997</c:v>
+                </c:pt>
+                <c:pt idx="66" formatCode="General">
+                  <c:v>0.692049727</c:v>
+                </c:pt>
+                <c:pt idx="67" formatCode="General">
+                  <c:v>0.69376979400000005</c:v>
+                </c:pt>
+                <c:pt idx="68" formatCode="General">
+                  <c:v>0.69659135900000002</c:v>
+                </c:pt>
+                <c:pt idx="69" formatCode="General">
+                  <c:v>0.69748400399999999</c:v>
+                </c:pt>
+                <c:pt idx="70" formatCode="General">
+                  <c:v>0.69907282900000001</c:v>
+                </c:pt>
+                <c:pt idx="71" formatCode="General">
+                  <c:v>0.70032204200000003</c:v>
+                </c:pt>
+                <c:pt idx="72" formatCode="General">
+                  <c:v>0.70204582800000004</c:v>
+                </c:pt>
+                <c:pt idx="73" formatCode="General">
+                  <c:v>0.70289872799999997</c:v>
+                </c:pt>
+                <c:pt idx="74" formatCode="General">
+                  <c:v>0.70297237300000004</c:v>
+                </c:pt>
+                <c:pt idx="75" formatCode="General">
+                  <c:v>0.70305005399999998</c:v>
+                </c:pt>
+                <c:pt idx="76" formatCode="General">
+                  <c:v>0.71076593300000002</c:v>
+                </c:pt>
+                <c:pt idx="77" formatCode="General">
+                  <c:v>0.72452450700000004</c:v>
+                </c:pt>
+                <c:pt idx="78" formatCode="General">
+                  <c:v>0.72690575800000001</c:v>
+                </c:pt>
+                <c:pt idx="79" formatCode="General">
+                  <c:v>0.72941494399999995</c:v>
+                </c:pt>
+                <c:pt idx="80" formatCode="General">
+                  <c:v>0.730449652</c:v>
+                </c:pt>
+                <c:pt idx="81" formatCode="General">
+                  <c:v>0.73129682399999996</c:v>
+                </c:pt>
+                <c:pt idx="82" formatCode="General">
+                  <c:v>0.73738789299999996</c:v>
+                </c:pt>
+                <c:pt idx="83" formatCode="General">
+                  <c:v>0.75621511600000002</c:v>
+                </c:pt>
+                <c:pt idx="84" formatCode="General">
+                  <c:v>0.75949816999999997</c:v>
+                </c:pt>
+                <c:pt idx="85" formatCode="General">
+                  <c:v>0.76619686200000003</c:v>
+                </c:pt>
+                <c:pt idx="86" formatCode="General">
+                  <c:v>0.78008354700000004</c:v>
+                </c:pt>
+                <c:pt idx="87" formatCode="General">
+                  <c:v>0.78325554900000005</c:v>
+                </c:pt>
+                <c:pt idx="88" formatCode="General">
+                  <c:v>0.78401082499999997</c:v>
+                </c:pt>
+                <c:pt idx="89" formatCode="General">
+                  <c:v>0.785010341</c:v>
+                </c:pt>
+                <c:pt idx="90" formatCode="General">
+                  <c:v>0.78834918399999998</c:v>
+                </c:pt>
+                <c:pt idx="91" formatCode="General">
+                  <c:v>0.79018946800000001</c:v>
+                </c:pt>
+                <c:pt idx="92" formatCode="General">
+                  <c:v>0.79123676099999996</c:v>
+                </c:pt>
+                <c:pt idx="93" formatCode="General">
+                  <c:v>0.79447932799999998</c:v>
+                </c:pt>
+                <c:pt idx="94" formatCode="General">
+                  <c:v>0.79489644500000001</c:v>
+                </c:pt>
+                <c:pt idx="95" formatCode="General">
+                  <c:v>0.79534394600000002</c:v>
+                </c:pt>
+                <c:pt idx="96" formatCode="General">
+                  <c:v>0.79596524199999996</c:v>
+                </c:pt>
+                <c:pt idx="97" formatCode="General">
+                  <c:v>0.79722589200000005</c:v>
+                </c:pt>
+                <c:pt idx="98" formatCode="General">
+                  <c:v>0.79738242100000001</c:v>
+                </c:pt>
+                <c:pt idx="99" formatCode="General">
+                  <c:v>0.79763787399999997</c:v>
+                </c:pt>
+                <c:pt idx="100" formatCode="General">
+                  <c:v>0.79803677699999997</c:v>
+                </c:pt>
+                <c:pt idx="101" formatCode="General">
+                  <c:v>0.80029791500000003</c:v>
+                </c:pt>
+                <c:pt idx="102" formatCode="General">
+                  <c:v>0.80074253399999995</c:v>
+                </c:pt>
+                <c:pt idx="103" formatCode="General">
+                  <c:v>0.80076331000000001</c:v>
+                </c:pt>
+                <c:pt idx="104" formatCode="General">
+                  <c:v>0.801466503</c:v>
+                </c:pt>
+                <c:pt idx="105" formatCode="General">
+                  <c:v>0.80159910700000003</c:v>
+                </c:pt>
+                <c:pt idx="106" formatCode="General">
+                  <c:v>0.80187012199999996</c:v>
+                </c:pt>
+                <c:pt idx="107" formatCode="General">
+                  <c:v>0.80215098299999998</c:v>
+                </c:pt>
+                <c:pt idx="108" formatCode="General">
+                  <c:v>0.80298910400000001</c:v>
+                </c:pt>
+                <c:pt idx="109" formatCode="General">
+                  <c:v>0.80391899499999997</c:v>
+                </c:pt>
+                <c:pt idx="110" formatCode="General">
+                  <c:v>0.80478055400000004</c:v>
+                </c:pt>
+                <c:pt idx="111" formatCode="General">
+                  <c:v>0.80495978599999995</c:v>
+                </c:pt>
+                <c:pt idx="112" formatCode="General">
+                  <c:v>0.80517355000000002</c:v>
+                </c:pt>
+                <c:pt idx="113" formatCode="General">
+                  <c:v>0.80551695700000003</c:v>
+                </c:pt>
+                <c:pt idx="114" formatCode="General">
+                  <c:v>0.80604063000000004</c:v>
+                </c:pt>
+                <c:pt idx="115" formatCode="General">
+                  <c:v>0.80655146899999997</c:v>
+                </c:pt>
+                <c:pt idx="116" formatCode="General">
+                  <c:v>0.80658756200000004</c:v>
+                </c:pt>
+                <c:pt idx="117" formatCode="General">
+                  <c:v>0.80686872600000004</c:v>
+                </c:pt>
+                <c:pt idx="118" formatCode="General">
+                  <c:v>0.80695888900000001</c:v>
+                </c:pt>
+                <c:pt idx="119" formatCode="General">
+                  <c:v>0.80701492500000005</c:v>
+                </c:pt>
+                <c:pt idx="120" formatCode="General">
+                  <c:v>0.80818107100000003</c:v>
+                </c:pt>
+                <c:pt idx="121" formatCode="General">
+                  <c:v>0.80827642099999997</c:v>
+                </c:pt>
+                <c:pt idx="122" formatCode="General">
+                  <c:v>0.80845524700000004</c:v>
+                </c:pt>
+                <c:pt idx="123" formatCode="General">
+                  <c:v>0.80869733300000002</c:v>
+                </c:pt>
+                <c:pt idx="124" formatCode="General">
+                  <c:v>0.80898574899999998</c:v>
+                </c:pt>
+                <c:pt idx="125" formatCode="General">
+                  <c:v>0.80960912799999996</c:v>
+                </c:pt>
+                <c:pt idx="126" formatCode="General">
+                  <c:v>0.81075618699999996</c:v>
+                </c:pt>
+                <c:pt idx="127" formatCode="General">
+                  <c:v>0.81086575100000002</c:v>
+                </c:pt>
+                <c:pt idx="128" formatCode="General">
+                  <c:v>0.81097105300000005</c:v>
+                </c:pt>
+                <c:pt idx="129" formatCode="General">
+                  <c:v>0.81135763599999999</c:v>
+                </c:pt>
+                <c:pt idx="130" formatCode="General">
+                  <c:v>0.81161818100000005</c:v>
+                </c:pt>
+                <c:pt idx="131" formatCode="General">
+                  <c:v>0.81173900700000001</c:v>
+                </c:pt>
+                <c:pt idx="132" formatCode="General">
+                  <c:v>0.81195829500000005</c:v>
+                </c:pt>
+                <c:pt idx="133" formatCode="General">
+                  <c:v>0.812190089</c:v>
+                </c:pt>
+                <c:pt idx="134" formatCode="General">
+                  <c:v>0.81223388100000005</c:v>
+                </c:pt>
+                <c:pt idx="135" formatCode="General">
+                  <c:v>0.81242490499999997</c:v>
+                </c:pt>
+                <c:pt idx="136" formatCode="General">
+                  <c:v>0.81249092999999994</c:v>
+                </c:pt>
+                <c:pt idx="137" formatCode="General">
+                  <c:v>0.81255140699999995</c:v>
+                </c:pt>
+                <c:pt idx="138" formatCode="General">
+                  <c:v>0.81275000500000005</c:v>
+                </c:pt>
+                <c:pt idx="139" formatCode="General">
+                  <c:v>0.81301567200000002</c:v>
+                </c:pt>
+                <c:pt idx="140" formatCode="General">
+                  <c:v>0.81305446699999995</c:v>
+                </c:pt>
+                <c:pt idx="141" formatCode="General">
+                  <c:v>0.81319881599999999</c:v>
+                </c:pt>
+                <c:pt idx="142" formatCode="General">
+                  <c:v>0.81335908800000001</c:v>
+                </c:pt>
+                <c:pt idx="143" formatCode="General">
+                  <c:v>0.81337038800000006</c:v>
+                </c:pt>
+                <c:pt idx="144" formatCode="General">
+                  <c:v>0.81355863799999995</c:v>
+                </c:pt>
+                <c:pt idx="145" formatCode="General">
+                  <c:v>0.81360097499999995</c:v>
+                </c:pt>
+                <c:pt idx="146" formatCode="General">
+                  <c:v>0.81361468199999998</c:v>
+                </c:pt>
+                <c:pt idx="147" formatCode="General">
+                  <c:v>0.81361549</c:v>
+                </c:pt>
+                <c:pt idx="148" formatCode="General">
+                  <c:v>0.81362247700000001</c:v>
+                </c:pt>
+                <c:pt idx="149" formatCode="General">
+                  <c:v>0.813743522</c:v>
+                </c:pt>
+                <c:pt idx="150" formatCode="General">
+                  <c:v>0.81384557599999996</c:v>
+                </c:pt>
+                <c:pt idx="151" formatCode="General">
+                  <c:v>0.81385014</c:v>
+                </c:pt>
+                <c:pt idx="152" formatCode="General">
+                  <c:v>0.81405921299999995</c:v>
+                </c:pt>
+                <c:pt idx="153" formatCode="General">
+                  <c:v>0.81406846799999999</c:v>
+                </c:pt>
+                <c:pt idx="154" formatCode="General">
+                  <c:v>0.81433135199999995</c:v>
+                </c:pt>
+                <c:pt idx="155" formatCode="General">
+                  <c:v>0.814544292</c:v>
+                </c:pt>
+                <c:pt idx="156" formatCode="General">
+                  <c:v>0.81463891600000005</c:v>
+                </c:pt>
+                <c:pt idx="157" formatCode="General">
+                  <c:v>0.81564167700000001</c:v>
+                </c:pt>
+                <c:pt idx="158" formatCode="General">
+                  <c:v>0.82289343800000003</c:v>
+                </c:pt>
+                <c:pt idx="159" formatCode="General">
+                  <c:v>0.82386271300000002</c:v>
+                </c:pt>
+                <c:pt idx="160" formatCode="General">
+                  <c:v>0.82396198499999995</c:v>
+                </c:pt>
+                <c:pt idx="161" formatCode="General">
+                  <c:v>0.82473522499999996</c:v>
+                </c:pt>
+                <c:pt idx="162" formatCode="General">
+                  <c:v>0.82530178700000001</c:v>
+                </c:pt>
+                <c:pt idx="163" formatCode="General">
+                  <c:v>0.82656853399999997</c:v>
+                </c:pt>
+                <c:pt idx="164" formatCode="General">
+                  <c:v>0.82738687399999999</c:v>
+                </c:pt>
+                <c:pt idx="165" formatCode="General">
+                  <c:v>0.827753462</c:v>
+                </c:pt>
+                <c:pt idx="166" formatCode="General">
+                  <c:v>0.82802405499999998</c:v>
+                </c:pt>
+                <c:pt idx="167" formatCode="General">
+                  <c:v>0.82826630899999998</c:v>
+                </c:pt>
+                <c:pt idx="168" formatCode="General">
+                  <c:v>0.82839385099999996</c:v>
+                </c:pt>
+                <c:pt idx="169" formatCode="General">
+                  <c:v>0.82850631699999999</c:v>
+                </c:pt>
+                <c:pt idx="170" formatCode="General">
+                  <c:v>0.82853401599999998</c:v>
+                </c:pt>
+                <c:pt idx="171" formatCode="General">
+                  <c:v>0.82869673499999996</c:v>
+                </c:pt>
+                <c:pt idx="172" formatCode="General">
+                  <c:v>0.82874226600000001</c:v>
+                </c:pt>
+                <c:pt idx="173" formatCode="General">
+                  <c:v>0.82887101699999999</c:v>
+                </c:pt>
+                <c:pt idx="174" formatCode="General">
+                  <c:v>0.82904805199999998</c:v>
+                </c:pt>
+                <c:pt idx="175" formatCode="General">
+                  <c:v>0.82915189199999995</c:v>
+                </c:pt>
+                <c:pt idx="176" formatCode="General">
+                  <c:v>0.82918164100000002</c:v>
+                </c:pt>
+                <c:pt idx="177" formatCode="General">
+                  <c:v>0.82926144300000004</c:v>
+                </c:pt>
+                <c:pt idx="178" formatCode="General">
+                  <c:v>0.829301599</c:v>
+                </c:pt>
+                <c:pt idx="179" formatCode="General">
+                  <c:v>0.82930573900000004</c:v>
+                </c:pt>
+                <c:pt idx="180" formatCode="General">
+                  <c:v>0.82953141600000002</c:v>
+                </c:pt>
+                <c:pt idx="181" formatCode="General">
+                  <c:v>0.82957376800000004</c:v>
+                </c:pt>
+                <c:pt idx="182" formatCode="General">
+                  <c:v>0.829599325</c:v>
+                </c:pt>
+                <c:pt idx="183" formatCode="General">
+                  <c:v>0.82967660899999995</c:v>
+                </c:pt>
+                <c:pt idx="184" formatCode="General">
+                  <c:v>0.82972831599999997</c:v>
+                </c:pt>
+                <c:pt idx="185" formatCode="General">
+                  <c:v>0.82975084899999996</c:v>
+                </c:pt>
+                <c:pt idx="186" formatCode="General">
+                  <c:v>0.82980842499999996</c:v>
+                </c:pt>
+                <c:pt idx="187" formatCode="General">
+                  <c:v>0.82984033599999996</c:v>
+                </c:pt>
+                <c:pt idx="188" formatCode="General">
+                  <c:v>0.82987974900000006</c:v>
+                </c:pt>
+                <c:pt idx="189" formatCode="General">
+                  <c:v>0.829923407</c:v>
+                </c:pt>
+                <c:pt idx="190" formatCode="General">
+                  <c:v>0.82995755100000002</c:v>
+                </c:pt>
+                <c:pt idx="191" formatCode="General">
+                  <c:v>0.83035101200000005</c:v>
+                </c:pt>
+                <c:pt idx="192" formatCode="General">
+                  <c:v>0.83043586599999997</c:v>
+                </c:pt>
+                <c:pt idx="193" formatCode="General">
+                  <c:v>0.83105126600000001</c:v>
+                </c:pt>
+                <c:pt idx="194" formatCode="General">
+                  <c:v>0.831951153</c:v>
+                </c:pt>
+                <c:pt idx="195" formatCode="General">
+                  <c:v>0.83505381300000003</c:v>
+                </c:pt>
+                <c:pt idx="196" formatCode="General">
+                  <c:v>0.83559783499999996</c:v>
+                </c:pt>
+                <c:pt idx="197" formatCode="General">
+                  <c:v>0.83604702799999997</c:v>
+                </c:pt>
+                <c:pt idx="198" formatCode="General">
+                  <c:v>0.83623739399999997</c:v>
+                </c:pt>
+                <c:pt idx="199" formatCode="General">
+                  <c:v>0.83686336299999997</c:v>
+                </c:pt>
+                <c:pt idx="200" formatCode="General">
+                  <c:v>0.83860989399999997</c:v>
+                </c:pt>
+                <c:pt idx="201" formatCode="General">
+                  <c:v>0.838849607</c:v>
+                </c:pt>
+                <c:pt idx="202" formatCode="General">
+                  <c:v>0.83929475799999997</c:v>
+                </c:pt>
+                <c:pt idx="203" formatCode="General">
+                  <c:v>0.83938089100000002</c:v>
+                </c:pt>
+                <c:pt idx="204" formatCode="General">
+                  <c:v>0.84036545699999998</c:v>
+                </c:pt>
+                <c:pt idx="205" formatCode="General">
+                  <c:v>0.84059426800000003</c:v>
+                </c:pt>
+                <c:pt idx="206" formatCode="General">
+                  <c:v>0.84186495400000005</c:v>
+                </c:pt>
+                <c:pt idx="207" formatCode="General">
+                  <c:v>0.84288201399999996</c:v>
+                </c:pt>
+                <c:pt idx="208" formatCode="General">
+                  <c:v>0.84341316799999999</c:v>
+                </c:pt>
+                <c:pt idx="209" formatCode="General">
+                  <c:v>0.84448440700000005</c:v>
+                </c:pt>
+                <c:pt idx="210" formatCode="General">
+                  <c:v>0.84551576299999998</c:v>
+                </c:pt>
+                <c:pt idx="211" formatCode="General">
+                  <c:v>0.84587689099999996</c:v>
+                </c:pt>
+                <c:pt idx="212" formatCode="General">
+                  <c:v>0.84668937899999996</c:v>
+                </c:pt>
+                <c:pt idx="213" formatCode="General">
+                  <c:v>0.84674918700000001</c:v>
+                </c:pt>
+                <c:pt idx="214" formatCode="General">
+                  <c:v>0.84687345300000005</c:v>
+                </c:pt>
+                <c:pt idx="215" formatCode="General">
+                  <c:v>0.846885632</c:v>
+                </c:pt>
+                <c:pt idx="216" formatCode="General">
+                  <c:v>0.84708856399999999</c:v>
+                </c:pt>
+                <c:pt idx="217" formatCode="General">
+                  <c:v>0.847286345</c:v>
+                </c:pt>
+                <c:pt idx="218" formatCode="General">
+                  <c:v>0.84737381499999997</c:v>
+                </c:pt>
+                <c:pt idx="219" formatCode="General">
+                  <c:v>0.84739868500000004</c:v>
+                </c:pt>
+                <c:pt idx="220" formatCode="General">
+                  <c:v>0.84758915400000001</c:v>
+                </c:pt>
+                <c:pt idx="221" formatCode="General">
+                  <c:v>0.84777920100000004</c:v>
+                </c:pt>
+                <c:pt idx="222" formatCode="General">
+                  <c:v>0.84780069899999999</c:v>
+                </c:pt>
+                <c:pt idx="223" formatCode="General">
+                  <c:v>0.84785591999999999</c:v>
+                </c:pt>
+                <c:pt idx="224" formatCode="General">
+                  <c:v>0.84793980499999999</c:v>
+                </c:pt>
+                <c:pt idx="225" formatCode="General">
+                  <c:v>0.848046721</c:v>
+                </c:pt>
+                <c:pt idx="226" formatCode="General">
+                  <c:v>0.848066247</c:v>
+                </c:pt>
+                <c:pt idx="227" formatCode="General">
+                  <c:v>0.848087598</c:v>
+                </c:pt>
+                <c:pt idx="228" formatCode="General">
+                  <c:v>0.84819625499999995</c:v>
+                </c:pt>
+                <c:pt idx="229" formatCode="General">
+                  <c:v>0.84822169700000005</c:v>
+                </c:pt>
+                <c:pt idx="230" formatCode="General">
+                  <c:v>0.84825169899999997</c:v>
+                </c:pt>
+                <c:pt idx="231" formatCode="General">
+                  <c:v>0.91645232099999996</c:v>
+                </c:pt>
+                <c:pt idx="232" formatCode="General">
+                  <c:v>0.91729245299999995</c:v>
+                </c:pt>
+                <c:pt idx="233" formatCode="General">
+                  <c:v>0.91731302400000003</c:v>
+                </c:pt>
+                <c:pt idx="234" formatCode="General">
+                  <c:v>0.91734400400000005</c:v>
+                </c:pt>
+                <c:pt idx="235" formatCode="General">
+                  <c:v>0.92245959300000002</c:v>
+                </c:pt>
+                <c:pt idx="236" formatCode="General">
+                  <c:v>0.92479657800000004</c:v>
+                </c:pt>
+                <c:pt idx="237" formatCode="General">
+                  <c:v>0.92692567100000001</c:v>
+                </c:pt>
+                <c:pt idx="238" formatCode="General">
+                  <c:v>0.96973631900000001</c:v>
+                </c:pt>
+                <c:pt idx="239" formatCode="General">
+                  <c:v>0.971740088</c:v>
+                </c:pt>
+                <c:pt idx="240" formatCode="General">
+                  <c:v>0.97218763699999999</c:v>
+                </c:pt>
+                <c:pt idx="241" formatCode="General">
+                  <c:v>0.97268779599999999</c:v>
+                </c:pt>
+                <c:pt idx="242" formatCode="General">
+                  <c:v>0.97386477000000005</c:v>
+                </c:pt>
+                <c:pt idx="243" formatCode="General">
+                  <c:v>0.97451322500000004</c:v>
+                </c:pt>
+                <c:pt idx="244" formatCode="General">
+                  <c:v>0.97475499899999996</c:v>
+                </c:pt>
+                <c:pt idx="245" formatCode="General">
+                  <c:v>0.97482135599999997</c:v>
+                </c:pt>
+                <c:pt idx="246" formatCode="General">
+                  <c:v>0.97493401899999999</c:v>
+                </c:pt>
+                <c:pt idx="247" formatCode="General">
+                  <c:v>0.97494027400000005</c:v>
+                </c:pt>
+                <c:pt idx="248" formatCode="General">
+                  <c:v>0.97536652800000001</c:v>
+                </c:pt>
+                <c:pt idx="249" formatCode="General">
+                  <c:v>0.97600448500000003</c:v>
+                </c:pt>
+                <c:pt idx="250" formatCode="General">
+                  <c:v>0.97603033100000003</c:v>
+                </c:pt>
+                <c:pt idx="251" formatCode="General">
+                  <c:v>0.97608222899999997</c:v>
+                </c:pt>
+                <c:pt idx="252" formatCode="General">
+                  <c:v>0.976240518</c:v>
+                </c:pt>
+                <c:pt idx="253" formatCode="General">
+                  <c:v>0.97631030200000002</c:v>
+                </c:pt>
+                <c:pt idx="254" formatCode="General">
+                  <c:v>0.97661919600000002</c:v>
+                </c:pt>
+                <c:pt idx="255" formatCode="General">
+                  <c:v>0.97683930299999999</c:v>
+                </c:pt>
+                <c:pt idx="256" formatCode="General">
+                  <c:v>0.97833073999999998</c:v>
+                </c:pt>
+                <c:pt idx="257" formatCode="General">
+                  <c:v>0.979118724</c:v>
+                </c:pt>
+                <c:pt idx="258" formatCode="General">
+                  <c:v>0.97932965199999999</c:v>
+                </c:pt>
+                <c:pt idx="259" formatCode="General">
+                  <c:v>0.97934889199999997</c:v>
+                </c:pt>
+                <c:pt idx="260" formatCode="General">
+                  <c:v>0.97947764400000004</c:v>
+                </c:pt>
+                <c:pt idx="261" formatCode="General">
+                  <c:v>0.97950452399999999</c:v>
+                </c:pt>
+                <c:pt idx="262" formatCode="General">
+                  <c:v>0.97989895299999996</c:v>
+                </c:pt>
+                <c:pt idx="263" formatCode="General">
+                  <c:v>0.980060555</c:v>
+                </c:pt>
+                <c:pt idx="264" formatCode="General">
+                  <c:v>0.98009842700000005</c:v>
+                </c:pt>
+              </c:numCache>
+            </c:numRef>
+          </c:xVal>
+          <c:yVal>
+            <c:numRef>
+              <c:f>'holdoutset (1)'!$R$2:$R$266</c:f>
+              <c:numCache>
+                <c:formatCode>0.00%</c:formatCode>
+                <c:ptCount val="265"/>
+                <c:pt idx="0">
+                  <c:v>1.4E-2</c:v>
+                </c:pt>
+                <c:pt idx="1">
+                  <c:v>2.7E-2</c:v>
+                </c:pt>
+                <c:pt idx="2">
+                  <c:v>4.1000000000000002E-2</c:v>
+                </c:pt>
+                <c:pt idx="3">
+                  <c:v>5.3999999999999999E-2</c:v>
+                </c:pt>
+                <c:pt idx="4">
+                  <c:v>6.8000000000000005E-2</c:v>
+                </c:pt>
+                <c:pt idx="5">
+                  <c:v>8.1000000000000003E-2</c:v>
+                </c:pt>
+                <c:pt idx="6">
+                  <c:v>9.5000000000000001E-2</c:v>
+                </c:pt>
+                <c:pt idx="7">
+                  <c:v>0.108</c:v>
+                </c:pt>
+                <c:pt idx="8">
+                  <c:v>0.122</c:v>
+                </c:pt>
+                <c:pt idx="9">
+                  <c:v>0.13500000000000001</c:v>
+                </c:pt>
+                <c:pt idx="10">
+                  <c:v>0.14899999999999999</c:v>
+                </c:pt>
+                <c:pt idx="11">
+                  <c:v>0.16200000000000001</c:v>
+                </c:pt>
+                <c:pt idx="12">
+                  <c:v>0.17599999999999999</c:v>
+                </c:pt>
+                <c:pt idx="13">
+                  <c:v>0.189</c:v>
+                </c:pt>
+                <c:pt idx="14">
+                  <c:v>0.20300000000000001</c:v>
+                </c:pt>
+                <c:pt idx="15">
+                  <c:v>0.216</c:v>
+                </c:pt>
+                <c:pt idx="16">
+                  <c:v>0.23</c:v>
+                </c:pt>
+                <c:pt idx="17">
+                  <c:v>0.24299999999999999</c:v>
+                </c:pt>
+                <c:pt idx="18">
+                  <c:v>0.25700000000000001</c:v>
+                </c:pt>
+                <c:pt idx="19">
+                  <c:v>0.27</c:v>
+                </c:pt>
+                <c:pt idx="20">
+                  <c:v>0.28399999999999997</c:v>
+                </c:pt>
+                <c:pt idx="21">
+                  <c:v>0.29699999999999999</c:v>
+                </c:pt>
+                <c:pt idx="22">
+                  <c:v>0.311</c:v>
+                </c:pt>
+                <c:pt idx="23">
+                  <c:v>0.32400000000000001</c:v>
+                </c:pt>
+                <c:pt idx="24">
+                  <c:v>0.33800000000000002</c:v>
+                </c:pt>
+                <c:pt idx="25">
+                  <c:v>0.35099999999999998</c:v>
+                </c:pt>
+                <c:pt idx="26">
+                  <c:v>0.36499999999999999</c:v>
+                </c:pt>
+                <c:pt idx="27">
+                  <c:v>0.378</c:v>
+                </c:pt>
+                <c:pt idx="28">
+                  <c:v>0.39200000000000002</c:v>
+                </c:pt>
+                <c:pt idx="29">
+                  <c:v>0.40500000000000003</c:v>
+                </c:pt>
+                <c:pt idx="30">
+                  <c:v>0.41899999999999998</c:v>
+                </c:pt>
+                <c:pt idx="31">
+                  <c:v>0.432</c:v>
+                </c:pt>
+                <c:pt idx="32">
+                  <c:v>0.44600000000000001</c:v>
+                </c:pt>
+                <c:pt idx="33">
+                  <c:v>0.45900000000000002</c:v>
+                </c:pt>
+                <c:pt idx="34">
+                  <c:v>0.47299999999999998</c:v>
+                </c:pt>
+                <c:pt idx="35">
+                  <c:v>0.48599999999999999</c:v>
+                </c:pt>
+                <c:pt idx="36">
+                  <c:v>0.5</c:v>
+                </c:pt>
+                <c:pt idx="37">
+                  <c:v>0.51400000000000001</c:v>
+                </c:pt>
+                <c:pt idx="38">
+                  <c:v>0.52700000000000002</c:v>
+                </c:pt>
+                <c:pt idx="39">
+                  <c:v>0.54100000000000004</c:v>
+                </c:pt>
+                <c:pt idx="40">
+                  <c:v>0.54100000000000004</c:v>
+                </c:pt>
+                <c:pt idx="41">
+                  <c:v>0.54100000000000004</c:v>
+                </c:pt>
+                <c:pt idx="42">
+                  <c:v>0.55400000000000005</c:v>
+                </c:pt>
+                <c:pt idx="43">
+                  <c:v>0.55400000000000005</c:v>
+                </c:pt>
+                <c:pt idx="44">
+                  <c:v>0.55400000000000005</c:v>
+                </c:pt>
+                <c:pt idx="45">
+                  <c:v>0.55400000000000005</c:v>
+                </c:pt>
+                <c:pt idx="46">
+                  <c:v>0.55400000000000005</c:v>
+                </c:pt>
+                <c:pt idx="47">
+                  <c:v>0.56799999999999995</c:v>
+                </c:pt>
+                <c:pt idx="48">
+                  <c:v>0.58099999999999996</c:v>
+                </c:pt>
+                <c:pt idx="49">
+                  <c:v>0.58099999999999996</c:v>
+                </c:pt>
+                <c:pt idx="50">
+                  <c:v>0.58099999999999996</c:v>
+                </c:pt>
+                <c:pt idx="51">
+                  <c:v>0.59499999999999997</c:v>
+                </c:pt>
+                <c:pt idx="52">
+                  <c:v>0.59499999999999997</c:v>
+                </c:pt>
+                <c:pt idx="53">
+                  <c:v>0.59499999999999997</c:v>
+                </c:pt>
+                <c:pt idx="54">
+                  <c:v>0.59499999999999997</c:v>
+                </c:pt>
+                <c:pt idx="55">
+                  <c:v>0.60799999999999998</c:v>
+                </c:pt>
+                <c:pt idx="56">
+                  <c:v>0.60799999999999998</c:v>
+                </c:pt>
+                <c:pt idx="57">
+                  <c:v>0.622</c:v>
+                </c:pt>
+                <c:pt idx="58">
+                  <c:v>0.622</c:v>
+                </c:pt>
+                <c:pt idx="59">
+                  <c:v>0.63500000000000001</c:v>
+                </c:pt>
+                <c:pt idx="60">
+                  <c:v>0.63500000000000001</c:v>
+                </c:pt>
+                <c:pt idx="61">
+                  <c:v>0.63500000000000001</c:v>
+                </c:pt>
+                <c:pt idx="62">
+                  <c:v>0.64900000000000002</c:v>
+                </c:pt>
+                <c:pt idx="63">
+                  <c:v>0.64900000000000002</c:v>
+                </c:pt>
+                <c:pt idx="64">
+                  <c:v>0.64900000000000002</c:v>
+                </c:pt>
+                <c:pt idx="65">
+                  <c:v>0.64900000000000002</c:v>
+                </c:pt>
+                <c:pt idx="66">
+                  <c:v>0.66200000000000003</c:v>
+                </c:pt>
+                <c:pt idx="67">
+                  <c:v>0.67600000000000005</c:v>
+                </c:pt>
+                <c:pt idx="68">
+                  <c:v>0.67600000000000005</c:v>
+                </c:pt>
+                <c:pt idx="69">
+                  <c:v>0.68899999999999995</c:v>
+                </c:pt>
+                <c:pt idx="70">
+                  <c:v>0.70299999999999996</c:v>
+                </c:pt>
+                <c:pt idx="71">
+                  <c:v>0.70299999999999996</c:v>
+                </c:pt>
+                <c:pt idx="72">
+                  <c:v>0.71599999999999997</c:v>
+                </c:pt>
+                <c:pt idx="73">
+                  <c:v>0.73</c:v>
+                </c:pt>
+                <c:pt idx="74">
+                  <c:v>0.73</c:v>
+                </c:pt>
+                <c:pt idx="75">
+                  <c:v>0.73</c:v>
+                </c:pt>
+                <c:pt idx="76">
+                  <c:v>0.74299999999999999</c:v>
+                </c:pt>
+                <c:pt idx="77">
+                  <c:v>0.74299999999999999</c:v>
+                </c:pt>
+                <c:pt idx="78">
+                  <c:v>0.74299999999999999</c:v>
+                </c:pt>
+                <c:pt idx="79">
+                  <c:v>0.74299999999999999</c:v>
+                </c:pt>
+                <c:pt idx="80">
+                  <c:v>0.74299999999999999</c:v>
+                </c:pt>
+                <c:pt idx="81">
+                  <c:v>0.74299999999999999</c:v>
+                </c:pt>
+                <c:pt idx="82">
+                  <c:v>0.74299999999999999</c:v>
+                </c:pt>
+                <c:pt idx="83">
+                  <c:v>0.74299999999999999</c:v>
+                </c:pt>
+                <c:pt idx="84">
+                  <c:v>0.74299999999999999</c:v>
+                </c:pt>
+                <c:pt idx="85">
+                  <c:v>0.74299999999999999</c:v>
+                </c:pt>
+                <c:pt idx="86">
+                  <c:v>0.74299999999999999</c:v>
+                </c:pt>
+                <c:pt idx="87">
+                  <c:v>0.74299999999999999</c:v>
+                </c:pt>
+                <c:pt idx="88">
+                  <c:v>0.74299999999999999</c:v>
+                </c:pt>
+                <c:pt idx="89">
+                  <c:v>0.75700000000000001</c:v>
+                </c:pt>
+                <c:pt idx="90">
+                  <c:v>0.75700000000000001</c:v>
+                </c:pt>
+                <c:pt idx="91">
+                  <c:v>0.75700000000000001</c:v>
+                </c:pt>
+                <c:pt idx="92">
+                  <c:v>0.75700000000000001</c:v>
+                </c:pt>
+                <c:pt idx="93">
+                  <c:v>0.75700000000000001</c:v>
+                </c:pt>
+                <c:pt idx="94">
+                  <c:v>0.75700000000000001</c:v>
+                </c:pt>
+                <c:pt idx="95">
+                  <c:v>0.75700000000000001</c:v>
+                </c:pt>
+                <c:pt idx="96">
+                  <c:v>0.75700000000000001</c:v>
+                </c:pt>
+                <c:pt idx="97">
+                  <c:v>0.75700000000000001</c:v>
+                </c:pt>
+                <c:pt idx="98">
+                  <c:v>0.77</c:v>
+                </c:pt>
+                <c:pt idx="99">
+                  <c:v>0.77</c:v>
+                </c:pt>
+                <c:pt idx="100">
+                  <c:v>0.77</c:v>
+                </c:pt>
+                <c:pt idx="101">
+                  <c:v>0.77</c:v>
+                </c:pt>
+                <c:pt idx="102">
+                  <c:v>0.77</c:v>
+                </c:pt>
+                <c:pt idx="103">
+                  <c:v>0.77</c:v>
+                </c:pt>
+                <c:pt idx="104">
+                  <c:v>0.77</c:v>
+                </c:pt>
+                <c:pt idx="105">
+                  <c:v>0.77</c:v>
+                </c:pt>
+                <c:pt idx="106">
+                  <c:v>0.77</c:v>
+                </c:pt>
+                <c:pt idx="107">
+                  <c:v>0.77</c:v>
+                </c:pt>
+                <c:pt idx="108">
+                  <c:v>0.77</c:v>
+                </c:pt>
+                <c:pt idx="109">
+                  <c:v>0.77</c:v>
+                </c:pt>
+                <c:pt idx="110">
+                  <c:v>0.77</c:v>
+                </c:pt>
+                <c:pt idx="111">
+                  <c:v>0.77</c:v>
+                </c:pt>
+                <c:pt idx="112">
+                  <c:v>0.77</c:v>
+                </c:pt>
+                <c:pt idx="113">
+                  <c:v>0.77</c:v>
+                </c:pt>
+                <c:pt idx="114">
+                  <c:v>0.77</c:v>
+                </c:pt>
+                <c:pt idx="115">
+                  <c:v>0.77</c:v>
+                </c:pt>
+                <c:pt idx="116">
+                  <c:v>0.77</c:v>
+                </c:pt>
+                <c:pt idx="117">
+                  <c:v>0.77</c:v>
+                </c:pt>
+                <c:pt idx="118">
+                  <c:v>0.77</c:v>
+                </c:pt>
+                <c:pt idx="119">
+                  <c:v>0.77</c:v>
+                </c:pt>
+                <c:pt idx="120">
+                  <c:v>0.78400000000000003</c:v>
+                </c:pt>
+                <c:pt idx="121">
+                  <c:v>0.78400000000000003</c:v>
+                </c:pt>
+                <c:pt idx="122">
+                  <c:v>0.78400000000000003</c:v>
+                </c:pt>
+                <c:pt idx="123">
+                  <c:v>0.78400000000000003</c:v>
+                </c:pt>
+                <c:pt idx="124">
+                  <c:v>0.78400000000000003</c:v>
+                </c:pt>
+                <c:pt idx="125">
+                  <c:v>0.78400000000000003</c:v>
+                </c:pt>
+                <c:pt idx="126">
+                  <c:v>0.78400000000000003</c:v>
+                </c:pt>
+                <c:pt idx="127">
+                  <c:v>0.78400000000000003</c:v>
+                </c:pt>
+                <c:pt idx="128">
+                  <c:v>0.78400000000000003</c:v>
+                </c:pt>
+                <c:pt idx="129">
+                  <c:v>0.78400000000000003</c:v>
+                </c:pt>
+                <c:pt idx="130">
+                  <c:v>0.78400000000000003</c:v>
+                </c:pt>
+                <c:pt idx="131">
+                  <c:v>0.78400000000000003</c:v>
+                </c:pt>
+                <c:pt idx="132">
+                  <c:v>0.78400000000000003</c:v>
+                </c:pt>
+                <c:pt idx="133">
+                  <c:v>0.78400000000000003</c:v>
+                </c:pt>
+                <c:pt idx="134">
+                  <c:v>0.78400000000000003</c:v>
+                </c:pt>
+                <c:pt idx="135">
+                  <c:v>0.78400000000000003</c:v>
+                </c:pt>
+                <c:pt idx="136">
+                  <c:v>0.78400000000000003</c:v>
+                </c:pt>
+                <c:pt idx="137">
+                  <c:v>0.78400000000000003</c:v>
+                </c:pt>
+                <c:pt idx="138">
+                  <c:v>0.78400000000000003</c:v>
+                </c:pt>
+                <c:pt idx="139">
+                  <c:v>0.78400000000000003</c:v>
+                </c:pt>
+                <c:pt idx="140">
+                  <c:v>0.78400000000000003</c:v>
+                </c:pt>
+                <c:pt idx="141">
+                  <c:v>0.78400000000000003</c:v>
+                </c:pt>
+                <c:pt idx="142">
+                  <c:v>0.78400000000000003</c:v>
+                </c:pt>
+                <c:pt idx="143">
+                  <c:v>0.78400000000000003</c:v>
+                </c:pt>
+                <c:pt idx="144">
+                  <c:v>0.78400000000000003</c:v>
+                </c:pt>
+                <c:pt idx="145">
+                  <c:v>0.78400000000000003</c:v>
+                </c:pt>
+                <c:pt idx="146">
+                  <c:v>0.78400000000000003</c:v>
+                </c:pt>
+                <c:pt idx="147">
+                  <c:v>0.78400000000000003</c:v>
+                </c:pt>
+                <c:pt idx="148">
+                  <c:v>0.78400000000000003</c:v>
+                </c:pt>
+                <c:pt idx="149">
+                  <c:v>0.78400000000000003</c:v>
+                </c:pt>
+                <c:pt idx="150">
+                  <c:v>0.78400000000000003</c:v>
+                </c:pt>
+                <c:pt idx="151">
+                  <c:v>0.78400000000000003</c:v>
+                </c:pt>
+                <c:pt idx="152">
+                  <c:v>0.78400000000000003</c:v>
+                </c:pt>
+                <c:pt idx="153">
+                  <c:v>0.78400000000000003</c:v>
+                </c:pt>
+                <c:pt idx="154">
+                  <c:v>0.78400000000000003</c:v>
+                </c:pt>
+                <c:pt idx="155">
+                  <c:v>0.78400000000000003</c:v>
+                </c:pt>
+                <c:pt idx="156">
+                  <c:v>0.78400000000000003</c:v>
+                </c:pt>
+                <c:pt idx="157">
+                  <c:v>0.78400000000000003</c:v>
+                </c:pt>
+                <c:pt idx="158">
+                  <c:v>0.78400000000000003</c:v>
+                </c:pt>
+                <c:pt idx="159">
+                  <c:v>0.78400000000000003</c:v>
+                </c:pt>
+                <c:pt idx="160">
+                  <c:v>0.78400000000000003</c:v>
+                </c:pt>
+                <c:pt idx="161">
+                  <c:v>0.78400000000000003</c:v>
+                </c:pt>
+                <c:pt idx="162">
+                  <c:v>0.78400000000000003</c:v>
+                </c:pt>
+                <c:pt idx="163">
+                  <c:v>0.78400000000000003</c:v>
+                </c:pt>
+                <c:pt idx="164">
+                  <c:v>0.78400000000000003</c:v>
+                </c:pt>
+                <c:pt idx="165">
+                  <c:v>0.78400000000000003</c:v>
+                </c:pt>
+                <c:pt idx="166">
+                  <c:v>0.78400000000000003</c:v>
+                </c:pt>
+                <c:pt idx="167">
+                  <c:v>0.78400000000000003</c:v>
+                </c:pt>
+                <c:pt idx="168">
+                  <c:v>0.78400000000000003</c:v>
+                </c:pt>
+                <c:pt idx="169">
+                  <c:v>0.78400000000000003</c:v>
+                </c:pt>
+                <c:pt idx="170">
+                  <c:v>0.78400000000000003</c:v>
+                </c:pt>
+                <c:pt idx="171">
+                  <c:v>0.78400000000000003</c:v>
+                </c:pt>
+                <c:pt idx="172">
+                  <c:v>0.78400000000000003</c:v>
+                </c:pt>
+                <c:pt idx="173">
+                  <c:v>0.78400000000000003</c:v>
+                </c:pt>
+                <c:pt idx="174">
+                  <c:v>0.78400000000000003</c:v>
+                </c:pt>
+                <c:pt idx="175">
+                  <c:v>0.78400000000000003</c:v>
+                </c:pt>
+                <c:pt idx="176">
+                  <c:v>0.78400000000000003</c:v>
+                </c:pt>
+                <c:pt idx="177">
+                  <c:v>0.78400000000000003</c:v>
+                </c:pt>
+                <c:pt idx="178">
+                  <c:v>0.78400000000000003</c:v>
+                </c:pt>
+                <c:pt idx="179">
+                  <c:v>0.78400000000000003</c:v>
+                </c:pt>
+                <c:pt idx="180">
+                  <c:v>0.78400000000000003</c:v>
+                </c:pt>
+                <c:pt idx="181">
+                  <c:v>0.78400000000000003</c:v>
+                </c:pt>
+                <c:pt idx="182">
+                  <c:v>0.78400000000000003</c:v>
+                </c:pt>
+                <c:pt idx="183">
+                  <c:v>0.78400000000000003</c:v>
+                </c:pt>
+                <c:pt idx="184">
+                  <c:v>0.78400000000000003</c:v>
+                </c:pt>
+                <c:pt idx="185">
+                  <c:v>0.78400000000000003</c:v>
+                </c:pt>
+                <c:pt idx="186">
+                  <c:v>0.78400000000000003</c:v>
+                </c:pt>
+                <c:pt idx="187">
+                  <c:v>0.78400000000000003</c:v>
+                </c:pt>
+                <c:pt idx="188">
+                  <c:v>0.78400000000000003</c:v>
+                </c:pt>
+                <c:pt idx="189">
+                  <c:v>0.78400000000000003</c:v>
+                </c:pt>
+                <c:pt idx="190">
+                  <c:v>0.78400000000000003</c:v>
+                </c:pt>
+                <c:pt idx="191">
+                  <c:v>0.78400000000000003</c:v>
+                </c:pt>
+                <c:pt idx="192">
+                  <c:v>0.78400000000000003</c:v>
+                </c:pt>
+                <c:pt idx="193">
+                  <c:v>0.79700000000000004</c:v>
+                </c:pt>
+                <c:pt idx="194">
+                  <c:v>0.79700000000000004</c:v>
+                </c:pt>
+                <c:pt idx="195">
+                  <c:v>0.79700000000000004</c:v>
+                </c:pt>
+                <c:pt idx="196">
+                  <c:v>0.79700000000000004</c:v>
+                </c:pt>
+                <c:pt idx="197">
+                  <c:v>0.79700000000000004</c:v>
+                </c:pt>
+                <c:pt idx="198">
+                  <c:v>0.81100000000000005</c:v>
+                </c:pt>
+                <c:pt idx="199">
+                  <c:v>0.81100000000000005</c:v>
+                </c:pt>
+                <c:pt idx="200">
+                  <c:v>0.81100000000000005</c:v>
+                </c:pt>
+                <c:pt idx="201">
+                  <c:v>0.81100000000000005</c:v>
+                </c:pt>
+                <c:pt idx="202">
+                  <c:v>0.82399999999999995</c:v>
+                </c:pt>
+                <c:pt idx="203">
+                  <c:v>0.82399999999999995</c:v>
+                </c:pt>
+                <c:pt idx="204">
+                  <c:v>0.82399999999999995</c:v>
+                </c:pt>
+                <c:pt idx="205">
+                  <c:v>0.82399999999999995</c:v>
+                </c:pt>
+                <c:pt idx="206">
+                  <c:v>0.83799999999999997</c:v>
+                </c:pt>
+                <c:pt idx="207">
+                  <c:v>0.83799999999999997</c:v>
+                </c:pt>
+                <c:pt idx="208">
+                  <c:v>0.85099999999999998</c:v>
+                </c:pt>
+                <c:pt idx="209">
+                  <c:v>0.85099999999999998</c:v>
+                </c:pt>
+                <c:pt idx="210">
+                  <c:v>0.85099999999999998</c:v>
+                </c:pt>
+                <c:pt idx="211">
+                  <c:v>0.86499999999999999</c:v>
+                </c:pt>
+                <c:pt idx="212">
+                  <c:v>0.878</c:v>
+                </c:pt>
+                <c:pt idx="213">
+                  <c:v>0.878</c:v>
+                </c:pt>
+                <c:pt idx="214">
+                  <c:v>0.89200000000000002</c:v>
+                </c:pt>
+                <c:pt idx="215">
+                  <c:v>0.90500000000000003</c:v>
+                </c:pt>
+                <c:pt idx="216">
+                  <c:v>0.90500000000000003</c:v>
+                </c:pt>
+                <c:pt idx="217">
+                  <c:v>0.90500000000000003</c:v>
+                </c:pt>
+                <c:pt idx="218">
+                  <c:v>0.90500000000000003</c:v>
+                </c:pt>
+                <c:pt idx="219">
+                  <c:v>0.91900000000000004</c:v>
+                </c:pt>
+                <c:pt idx="220">
+                  <c:v>0.93200000000000005</c:v>
+                </c:pt>
+                <c:pt idx="221">
+                  <c:v>0.93200000000000005</c:v>
+                </c:pt>
+                <c:pt idx="222">
+                  <c:v>0.94599999999999995</c:v>
+                </c:pt>
+                <c:pt idx="223">
+                  <c:v>0.94599999999999995</c:v>
+                </c:pt>
+                <c:pt idx="224">
+                  <c:v>0.95899999999999996</c:v>
+                </c:pt>
+                <c:pt idx="225">
+                  <c:v>0.95899999999999996</c:v>
+                </c:pt>
+                <c:pt idx="226">
+                  <c:v>0.97299999999999998</c:v>
+                </c:pt>
+                <c:pt idx="227">
+                  <c:v>0.97299999999999998</c:v>
+                </c:pt>
+                <c:pt idx="228">
+                  <c:v>0.97299999999999998</c:v>
+                </c:pt>
+                <c:pt idx="229">
+                  <c:v>0.97299999999999998</c:v>
+                </c:pt>
+                <c:pt idx="230">
+                  <c:v>0.97299999999999998</c:v>
+                </c:pt>
+                <c:pt idx="231">
+                  <c:v>0.97299999999999998</c:v>
+                </c:pt>
+                <c:pt idx="232">
+                  <c:v>0.97299999999999998</c:v>
+                </c:pt>
+                <c:pt idx="233">
+                  <c:v>0.97299999999999998</c:v>
+                </c:pt>
+                <c:pt idx="234">
+                  <c:v>0.97299999999999998</c:v>
+                </c:pt>
+                <c:pt idx="235">
+                  <c:v>0.98599999999999999</c:v>
+                </c:pt>
+                <c:pt idx="236">
+                  <c:v>1</c:v>
+                </c:pt>
+                <c:pt idx="237">
+                  <c:v>1</c:v>
+                </c:pt>
+                <c:pt idx="238">
+                  <c:v>1</c:v>
+                </c:pt>
+                <c:pt idx="239">
+                  <c:v>1</c:v>
+                </c:pt>
+                <c:pt idx="240">
+                  <c:v>1</c:v>
+                </c:pt>
+                <c:pt idx="241">
+                  <c:v>1</c:v>
+                </c:pt>
+                <c:pt idx="242">
+                  <c:v>1</c:v>
+                </c:pt>
+                <c:pt idx="243">
+                  <c:v>1</c:v>
+                </c:pt>
+                <c:pt idx="244">
+                  <c:v>1</c:v>
+                </c:pt>
+                <c:pt idx="245">
+                  <c:v>1</c:v>
+                </c:pt>
+                <c:pt idx="246">
+                  <c:v>1</c:v>
+                </c:pt>
+                <c:pt idx="247">
+                  <c:v>1</c:v>
+                </c:pt>
+                <c:pt idx="248">
+                  <c:v>1</c:v>
+                </c:pt>
+                <c:pt idx="249">
+                  <c:v>1</c:v>
+                </c:pt>
+                <c:pt idx="250">
+                  <c:v>1</c:v>
+                </c:pt>
+                <c:pt idx="251">
+                  <c:v>1</c:v>
+                </c:pt>
+                <c:pt idx="252">
+                  <c:v>1</c:v>
+                </c:pt>
+                <c:pt idx="253">
+                  <c:v>1</c:v>
+                </c:pt>
+                <c:pt idx="254">
+                  <c:v>1</c:v>
+                </c:pt>
+                <c:pt idx="255">
+                  <c:v>1</c:v>
+                </c:pt>
+                <c:pt idx="256">
+                  <c:v>1</c:v>
+                </c:pt>
+                <c:pt idx="257">
+                  <c:v>1</c:v>
+                </c:pt>
+                <c:pt idx="258">
+                  <c:v>1</c:v>
+                </c:pt>
+                <c:pt idx="259">
+                  <c:v>1</c:v>
+                </c:pt>
+                <c:pt idx="260">
+                  <c:v>1</c:v>
+                </c:pt>
+                <c:pt idx="261">
+                  <c:v>1</c:v>
+                </c:pt>
+                <c:pt idx="262">
+                  <c:v>1</c:v>
+                </c:pt>
+                <c:pt idx="263">
+                  <c:v>1</c:v>
+                </c:pt>
+                <c:pt idx="264">
+                  <c:v>1</c:v>
+                </c:pt>
+              </c:numCache>
+            </c:numRef>
+          </c:yVal>
+          <c:smooth val="1"/>
+          <c:extLst>
+            <c:ext xmlns:c16="http://schemas.microsoft.com/office/drawing/2014/chart" uri="{C3380CC4-5D6E-409C-BE32-E72D297353CC}">
+              <c16:uniqueId val="{00000001-CD93-4029-AB18-099EC1A6D5A7}"/>
+            </c:ext>
+          </c:extLst>
+        </c:ser>
+        <c:dLbls>
+          <c:showLegendKey val="0"/>
+          <c:showVal val="0"/>
+          <c:showCatName val="0"/>
+          <c:showSerName val="0"/>
+          <c:showPercent val="0"/>
+          <c:showBubbleSize val="0"/>
+        </c:dLbls>
+        <c:axId val="5397471"/>
+        <c:axId val="5384991"/>
+      </c:scatterChart>
+      <c:valAx>
+        <c:axId val="5397471"/>
+        <c:scaling>
+          <c:orientation val="minMax"/>
+          <c:max val="1"/>
+          <c:min val="0"/>
+        </c:scaling>
+        <c:delete val="0"/>
+        <c:axPos val="b"/>
+        <c:majorGridlines>
+          <c:spPr>
+            <a:ln w="9525" cap="flat" cmpd="sng" algn="ctr">
+              <a:solidFill>
+                <a:schemeClr val="tx1">
+                  <a:lumMod val="15000"/>
+                  <a:lumOff val="85000"/>
+                </a:schemeClr>
+              </a:solidFill>
+              <a:round/>
+            </a:ln>
+            <a:effectLst/>
+          </c:spPr>
+        </c:majorGridlines>
+        <c:title>
+          <c:tx>
+            <c:rich>
+              <a:bodyPr rot="0" spcFirstLastPara="1" vertOverflow="ellipsis" vert="horz" wrap="square" anchor="ctr" anchorCtr="1"/>
+              <a:lstStyle/>
+              <a:p>
+                <a:pPr>
+                  <a:defRPr sz="1000" b="0" i="0" u="none" strike="noStrike" kern="1200" baseline="0">
+                    <a:solidFill>
+                      <a:schemeClr val="tx1">
+                        <a:lumMod val="65000"/>
+                        <a:lumOff val="35000"/>
+                      </a:schemeClr>
+                    </a:solidFill>
+                    <a:latin typeface="+mn-lt"/>
+                    <a:ea typeface="+mn-ea"/>
+                    <a:cs typeface="+mn-cs"/>
+                  </a:defRPr>
+                </a:pPr>
+                <a:r>
+                  <a:rPr lang="en-US"/>
+                  <a:t>Score Threshold</a:t>
+                </a:r>
+              </a:p>
+            </c:rich>
+          </c:tx>
+          <c:layout>
+            <c:manualLayout>
+              <c:xMode val="edge"/>
+              <c:yMode val="edge"/>
+              <c:x val="0.41143611277208453"/>
+              <c:y val="0.92309945172322971"/>
+            </c:manualLayout>
+          </c:layout>
+          <c:overlay val="0"/>
+          <c:spPr>
+            <a:noFill/>
+            <a:ln>
+              <a:noFill/>
+            </a:ln>
+            <a:effectLst/>
+          </c:spPr>
+          <c:txPr>
+            <a:bodyPr rot="0" spcFirstLastPara="1" vertOverflow="ellipsis" vert="horz" wrap="square" anchor="ctr" anchorCtr="1"/>
+            <a:lstStyle/>
+            <a:p>
+              <a:pPr>
+                <a:defRPr sz="1000" b="0" i="0" u="none" strike="noStrike" kern="1200" baseline="0">
+                  <a:solidFill>
+                    <a:schemeClr val="tx1">
+                      <a:lumMod val="65000"/>
+                      <a:lumOff val="35000"/>
+                    </a:schemeClr>
+                  </a:solidFill>
+                  <a:latin typeface="+mn-lt"/>
+                  <a:ea typeface="+mn-ea"/>
+                  <a:cs typeface="+mn-cs"/>
+                </a:defRPr>
+              </a:pPr>
+              <a:endParaRPr lang="en-US"/>
+            </a:p>
+          </c:txPr>
+        </c:title>
+        <c:numFmt formatCode="#,##0.00" sourceLinked="0"/>
+        <c:majorTickMark val="none"/>
+        <c:minorTickMark val="none"/>
+        <c:tickLblPos val="nextTo"/>
+        <c:spPr>
+          <a:noFill/>
+          <a:ln w="9525" cap="flat" cmpd="sng" algn="ctr">
+            <a:solidFill>
+              <a:schemeClr val="tx1">
+                <a:lumMod val="25000"/>
+                <a:lumOff val="75000"/>
+              </a:schemeClr>
+            </a:solidFill>
+            <a:round/>
+          </a:ln>
+          <a:effectLst/>
+        </c:spPr>
+        <c:txPr>
+          <a:bodyPr rot="-60000000" spcFirstLastPara="1" vertOverflow="ellipsis" vert="horz" wrap="square" anchor="ctr" anchorCtr="1"/>
+          <a:lstStyle/>
+          <a:p>
+            <a:pPr>
+              <a:defRPr sz="900" b="0" i="0" u="none" strike="noStrike" kern="1200" baseline="0">
+                <a:solidFill>
+                  <a:schemeClr val="tx1">
+                    <a:lumMod val="65000"/>
+                    <a:lumOff val="35000"/>
+                  </a:schemeClr>
+                </a:solidFill>
+                <a:latin typeface="+mn-lt"/>
+                <a:ea typeface="+mn-ea"/>
+                <a:cs typeface="+mn-cs"/>
+              </a:defRPr>
+            </a:pPr>
+            <a:endParaRPr lang="en-US"/>
+          </a:p>
+        </c:txPr>
+        <c:crossAx val="5384991"/>
+        <c:crosses val="autoZero"/>
+        <c:crossBetween val="midCat"/>
+      </c:valAx>
+      <c:valAx>
+        <c:axId val="5384991"/>
+        <c:scaling>
+          <c:orientation val="minMax"/>
+          <c:max val="1"/>
+          <c:min val="0"/>
+        </c:scaling>
+        <c:delete val="0"/>
+        <c:axPos val="l"/>
+        <c:majorGridlines>
+          <c:spPr>
+            <a:ln w="9525" cap="flat" cmpd="sng" algn="ctr">
+              <a:solidFill>
+                <a:schemeClr val="tx1">
+                  <a:lumMod val="15000"/>
+                  <a:lumOff val="85000"/>
+                </a:schemeClr>
+              </a:solidFill>
+              <a:round/>
+            </a:ln>
+            <a:effectLst/>
+          </c:spPr>
+        </c:majorGridlines>
+        <c:title>
+          <c:tx>
+            <c:rich>
+              <a:bodyPr rot="-5400000" spcFirstLastPara="1" vertOverflow="ellipsis" vert="horz" wrap="square" anchor="ctr" anchorCtr="1"/>
+              <a:lstStyle/>
+              <a:p>
+                <a:pPr>
+                  <a:defRPr sz="1000" b="0" i="0" u="none" strike="noStrike" kern="1200" baseline="0">
+                    <a:solidFill>
+                      <a:schemeClr val="tx1">
+                        <a:lumMod val="65000"/>
+                        <a:lumOff val="35000"/>
+                      </a:schemeClr>
+                    </a:solidFill>
+                    <a:latin typeface="+mn-lt"/>
+                    <a:ea typeface="+mn-ea"/>
+                    <a:cs typeface="+mn-cs"/>
+                  </a:defRPr>
+                </a:pPr>
+                <a:r>
+                  <a:rPr lang="en-US"/>
+                  <a:t>Score Below</a:t>
+                </a:r>
+                <a:r>
+                  <a:rPr lang="en-US" baseline="0"/>
+                  <a:t> Threshold</a:t>
+                </a:r>
+                <a:endParaRPr lang="en-US"/>
+              </a:p>
+            </c:rich>
+          </c:tx>
+          <c:layout>
+            <c:manualLayout>
+              <c:xMode val="edge"/>
+              <c:yMode val="edge"/>
+              <c:x val="1.1396009935167086E-2"/>
+              <c:y val="0.29453258763215345"/>
+            </c:manualLayout>
+          </c:layout>
+          <c:overlay val="0"/>
+          <c:spPr>
+            <a:noFill/>
+            <a:ln>
+              <a:noFill/>
+            </a:ln>
+            <a:effectLst/>
+          </c:spPr>
+          <c:txPr>
+            <a:bodyPr rot="-5400000" spcFirstLastPara="1" vertOverflow="ellipsis" vert="horz" wrap="square" anchor="ctr" anchorCtr="1"/>
+            <a:lstStyle/>
+            <a:p>
+              <a:pPr>
+                <a:defRPr sz="1000" b="0" i="0" u="none" strike="noStrike" kern="1200" baseline="0">
+                  <a:solidFill>
+                    <a:schemeClr val="tx1">
+                      <a:lumMod val="65000"/>
+                      <a:lumOff val="35000"/>
+                    </a:schemeClr>
+                  </a:solidFill>
+                  <a:latin typeface="+mn-lt"/>
+                  <a:ea typeface="+mn-ea"/>
+                  <a:cs typeface="+mn-cs"/>
+                </a:defRPr>
+              </a:pPr>
+              <a:endParaRPr lang="en-US"/>
+            </a:p>
+          </c:txPr>
+        </c:title>
+        <c:numFmt formatCode="0%" sourceLinked="0"/>
+        <c:majorTickMark val="none"/>
+        <c:minorTickMark val="none"/>
+        <c:tickLblPos val="nextTo"/>
+        <c:spPr>
+          <a:noFill/>
+          <a:ln w="9525" cap="flat" cmpd="sng" algn="ctr">
+            <a:solidFill>
+              <a:schemeClr val="tx1">
+                <a:lumMod val="25000"/>
+                <a:lumOff val="75000"/>
+              </a:schemeClr>
+            </a:solidFill>
+            <a:round/>
+          </a:ln>
+          <a:effectLst/>
+        </c:spPr>
+        <c:txPr>
+          <a:bodyPr rot="-60000000" spcFirstLastPara="1" vertOverflow="ellipsis" vert="horz" wrap="square" anchor="ctr" anchorCtr="1"/>
+          <a:lstStyle/>
+          <a:p>
+            <a:pPr>
+              <a:defRPr sz="900" b="0" i="0" u="none" strike="noStrike" kern="1200" baseline="0">
+                <a:solidFill>
+                  <a:schemeClr val="tx1">
+                    <a:lumMod val="65000"/>
+                    <a:lumOff val="35000"/>
+                  </a:schemeClr>
+                </a:solidFill>
+                <a:latin typeface="+mn-lt"/>
+                <a:ea typeface="+mn-ea"/>
+                <a:cs typeface="+mn-cs"/>
+              </a:defRPr>
+            </a:pPr>
+            <a:endParaRPr lang="en-US"/>
+          </a:p>
+        </c:txPr>
+        <c:crossAx val="5397471"/>
+        <c:crosses val="autoZero"/>
+        <c:crossBetween val="midCat"/>
+      </c:valAx>
+      <c:spPr>
+        <a:noFill/>
+        <a:ln>
+          <a:noFill/>
+        </a:ln>
+        <a:effectLst/>
+      </c:spPr>
+    </c:plotArea>
+    <c:legend>
+      <c:legendPos val="r"/>
+      <c:layout>
+        <c:manualLayout>
+          <c:xMode val="edge"/>
+          <c:yMode val="edge"/>
+          <c:x val="0.88649817299126421"/>
+          <c:y val="0.37591290836475216"/>
+          <c:w val="9.2225234234484532E-2"/>
+          <c:h val="0.15497913079616027"/>
+        </c:manualLayout>
+      </c:layout>
+      <c:overlay val="0"/>
+      <c:spPr>
+        <a:noFill/>
+        <a:ln>
+          <a:noFill/>
+        </a:ln>
+        <a:effectLst/>
+      </c:spPr>
+      <c:txPr>
+        <a:bodyPr rot="0" spcFirstLastPara="1" vertOverflow="ellipsis" vert="horz" wrap="square" anchor="ctr" anchorCtr="1"/>
+        <a:lstStyle/>
+        <a:p>
+          <a:pPr>
+            <a:defRPr sz="900" b="0" i="0" u="none" strike="noStrike" kern="1200" baseline="0">
+              <a:solidFill>
+                <a:schemeClr val="tx1">
+                  <a:lumMod val="65000"/>
+                  <a:lumOff val="35000"/>
+                </a:schemeClr>
+              </a:solidFill>
+              <a:latin typeface="+mn-lt"/>
+              <a:ea typeface="+mn-ea"/>
+              <a:cs typeface="+mn-cs"/>
+            </a:defRPr>
+          </a:pPr>
+          <a:endParaRPr lang="en-US"/>
+        </a:p>
+      </c:txPr>
+    </c:legend>
+    <c:plotVisOnly val="1"/>
+    <c:dispBlanksAs val="gap"/>
+    <c:showDLblsOverMax val="0"/>
+  </c:chart>
+  <c:spPr>
+    <a:noFill/>
+    <a:ln>
+      <a:noFill/>
+    </a:ln>
+    <a:effectLst/>
+  </c:spPr>
+  <c:txPr>
+    <a:bodyPr/>
+    <a:lstStyle/>
+    <a:p>
+      <a:pPr>
+        <a:defRPr/>
+      </a:pPr>
+      <a:endParaRPr lang="en-US"/>
+    </a:p>
+  </c:txPr>
+  <c:externalData r:id="rId3">
+    <c:autoUpdate val="0"/>
+  </c:externalData>
+</c:chartSpace>
+</file>
+
+<file path=ppt/charts/colors1.xml><?xml version="1.0" encoding="utf-8"?>
+<cs:colorStyle xmlns:cs="http://schemas.microsoft.com/office/drawing/2012/chartStyle" xmlns:a="http://schemas.openxmlformats.org/drawingml/2006/main" meth="cycle" id="10">
+  <a:schemeClr val="accent1"/>
+  <a:schemeClr val="accent2"/>
+  <a:schemeClr val="accent3"/>
+  <a:schemeClr val="accent4"/>
+  <a:schemeClr val="accent5"/>
+  <a:schemeClr val="accent6"/>
+  <cs:variation/>
+  <cs:variation>
+    <a:lumMod val="60000"/>
+  </cs:variation>
+  <cs:variation>
+    <a:lumMod val="80000"/>
+    <a:lumOff val="20000"/>
+  </cs:variation>
+  <cs:variation>
+    <a:lumMod val="80000"/>
+  </cs:variation>
+  <cs:variation>
+    <a:lumMod val="60000"/>
+    <a:lumOff val="40000"/>
+  </cs:variation>
+  <cs:variation>
+    <a:lumMod val="50000"/>
+  </cs:variation>
+  <cs:variation>
+    <a:lumMod val="70000"/>
+    <a:lumOff val="30000"/>
+  </cs:variation>
+  <cs:variation>
+    <a:lumMod val="70000"/>
+  </cs:variation>
+  <cs:variation>
+    <a:lumMod val="50000"/>
+    <a:lumOff val="50000"/>
+  </cs:variation>
+</cs:colorStyle>
+</file>
+
+<file path=ppt/charts/style1.xml><?xml version="1.0" encoding="utf-8"?>
+<cs:chartStyle xmlns:cs="http://schemas.microsoft.com/office/drawing/2012/chartStyle" xmlns:a="http://schemas.openxmlformats.org/drawingml/2006/main" id="240">
+  <cs:axisTitle>
+    <cs:lnRef idx="0"/>
+    <cs:fillRef idx="0"/>
+    <cs:effectRef idx="0"/>
+    <cs:fontRef idx="minor">
+      <a:schemeClr val="tx1">
+        <a:lumMod val="65000"/>
+        <a:lumOff val="35000"/>
+      </a:schemeClr>
+    </cs:fontRef>
+    <cs:defRPr sz="1000" kern="1200"/>
+  </cs:axisTitle>
+  <cs:categoryAxis>
+    <cs:lnRef idx="0"/>
+    <cs:fillRef idx="0"/>
+    <cs:effectRef idx="0"/>
+    <cs:fontRef idx="minor">
+      <a:schemeClr val="tx1">
+        <a:lumMod val="65000"/>
+        <a:lumOff val="35000"/>
+      </a:schemeClr>
+    </cs:fontRef>
+    <cs:spPr>
+      <a:ln w="9525" cap="flat" cmpd="sng" algn="ctr">
+        <a:solidFill>
+          <a:schemeClr val="tx1">
+            <a:lumMod val="25000"/>
+            <a:lumOff val="75000"/>
+          </a:schemeClr>
+        </a:solidFill>
+        <a:round/>
+      </a:ln>
+    </cs:spPr>
+    <cs:defRPr sz="900" kern="1200"/>
+  </cs:categoryAxis>
+  <cs:chartArea mods="allowNoFillOverride allowNoLineOverride">
+    <cs:lnRef idx="0"/>
+    <cs:fillRef idx="0"/>
+    <cs:effectRef idx="0"/>
+    <cs:fontRef idx="minor">
+      <a:schemeClr val="tx1"/>
+    </cs:fontRef>
+    <cs:spPr>
+      <a:solidFill>
+        <a:schemeClr val="bg1"/>
+      </a:solidFill>
+      <a:ln w="9525" cap="flat" cmpd="sng" algn="ctr">
+        <a:solidFill>
+          <a:schemeClr val="tx1">
+            <a:lumMod val="15000"/>
+            <a:lumOff val="85000"/>
+          </a:schemeClr>
+        </a:solidFill>
+        <a:round/>
+      </a:ln>
+    </cs:spPr>
+    <cs:defRPr sz="1000" kern="1200"/>
+  </cs:chartArea>
+  <cs:dataLabel>
+    <cs:lnRef idx="0"/>
+    <cs:fillRef idx="0"/>
+    <cs:effectRef idx="0"/>
+    <cs:fontRef idx="minor">
+      <a:schemeClr val="tx1">
+        <a:lumMod val="75000"/>
+        <a:lumOff val="25000"/>
+      </a:schemeClr>
+    </cs:fontRef>
+    <cs:defRPr sz="900" kern="1200"/>
+  </cs:dataLabel>
+  <cs:dataLabelCallout>
+    <cs:lnRef idx="0"/>
+    <cs:fillRef idx="0"/>
+    <cs:effectRef idx="0"/>
+    <cs:fontRef idx="minor">
+      <a:schemeClr val="dk1">
+        <a:lumMod val="65000"/>
+        <a:lumOff val="35000"/>
+      </a:schemeClr>
+    </cs:fontRef>
+    <cs:spPr>
+      <a:solidFill>
+        <a:schemeClr val="lt1"/>
+      </a:solidFill>
+      <a:ln>
+        <a:solidFill>
+          <a:schemeClr val="dk1">
+            <a:lumMod val="25000"/>
+            <a:lumOff val="75000"/>
+          </a:schemeClr>
+        </a:solidFill>
+      </a:ln>
+    </cs:spPr>
+    <cs:defRPr sz="900" kern="1200"/>
+    <cs:bodyPr rot="0" spcFirstLastPara="1" vertOverflow="clip" horzOverflow="clip" vert="horz" wrap="square" lIns="36576" tIns="18288" rIns="36576" bIns="18288" anchor="ctr" anchorCtr="1">
+      <a:spAutoFit/>
+    </cs:bodyPr>
+  </cs:dataLabelCallout>
+  <cs:dataPoint>
+    <cs:lnRef idx="0"/>
+    <cs:fillRef idx="1">
+      <cs:styleClr val="auto"/>
+    </cs:fillRef>
+    <cs:effectRef idx="0"/>
+    <cs:fontRef idx="minor">
+      <a:schemeClr val="tx1"/>
+    </cs:fontRef>
+  </cs:dataPoint>
+  <cs:dataPoint3D>
+    <cs:lnRef idx="0"/>
+    <cs:fillRef idx="1">
+      <cs:styleClr val="auto"/>
+    </cs:fillRef>
+    <cs:effectRef idx="0"/>
+    <cs:fontRef idx="minor">
+      <a:schemeClr val="tx1"/>
+    </cs:fontRef>
+  </cs:dataPoint3D>
+  <cs:dataPointLine>
+    <cs:lnRef idx="0">
+      <cs:styleClr val="auto"/>
+    </cs:lnRef>
+    <cs:fillRef idx="1"/>
+    <cs:effectRef idx="0"/>
+    <cs:fontRef idx="minor">
+      <a:schemeClr val="tx1"/>
+    </cs:fontRef>
+    <cs:spPr>
+      <a:ln w="19050" cap="rnd">
+        <a:solidFill>
+          <a:schemeClr val="phClr"/>
+        </a:solidFill>
+        <a:round/>
+      </a:ln>
+    </cs:spPr>
+  </cs:dataPointLine>
+  <cs:dataPointMarker>
+    <cs:lnRef idx="0">
+      <cs:styleClr val="auto"/>
+    </cs:lnRef>
+    <cs:fillRef idx="1">
+      <cs:styleClr val="auto"/>
+    </cs:fillRef>
+    <cs:effectRef idx="0"/>
+    <cs:fontRef idx="minor">
+      <a:schemeClr val="tx1"/>
+    </cs:fontRef>
+    <cs:spPr>
+      <a:ln w="9525">
+        <a:solidFill>
+          <a:schemeClr val="phClr"/>
+        </a:solidFill>
+      </a:ln>
+    </cs:spPr>
+  </cs:dataPointMarker>
+  <cs:dataPointMarkerLayout symbol="circle" size="5"/>
+  <cs:dataPointWireframe>
+    <cs:lnRef idx="0">
+      <cs:styleClr val="auto"/>
+    </cs:lnRef>
+    <cs:fillRef idx="0"/>
+    <cs:effectRef idx="0"/>
+    <cs:fontRef idx="minor">
+      <a:schemeClr val="dk1"/>
+    </cs:fontRef>
+    <cs:spPr>
+      <a:ln w="9525" cap="rnd">
+        <a:solidFill>
+          <a:schemeClr val="phClr"/>
+        </a:solidFill>
+        <a:round/>
+      </a:ln>
+    </cs:spPr>
+  </cs:dataPointWireframe>
+  <cs:dataTable>
+    <cs:lnRef idx="0"/>
+    <cs:fillRef idx="0"/>
+    <cs:effectRef idx="0"/>
+    <cs:fontRef idx="minor">
+      <a:schemeClr val="tx1">
+        <a:lumMod val="65000"/>
+        <a:lumOff val="35000"/>
+      </a:schemeClr>
+    </cs:fontRef>
+    <cs:spPr>
+      <a:noFill/>
+      <a:ln w="9525" cap="flat" cmpd="sng" algn="ctr">
+        <a:solidFill>
+          <a:schemeClr val="tx1">
+            <a:lumMod val="15000"/>
+            <a:lumOff val="85000"/>
+          </a:schemeClr>
+        </a:solidFill>
+        <a:round/>
+      </a:ln>
+    </cs:spPr>
+    <cs:defRPr sz="900" kern="1200"/>
+  </cs:dataTable>
+  <cs:downBar>
+    <cs:lnRef idx="0"/>
+    <cs:fillRef idx="0"/>
+    <cs:effectRef idx="0"/>
+    <cs:fontRef idx="minor">
+      <a:schemeClr val="tx1"/>
+    </cs:fontRef>
+    <cs:spPr>
+      <a:solidFill>
+        <a:schemeClr val="dk1">
+          <a:lumMod val="75000"/>
+          <a:lumOff val="25000"/>
+        </a:schemeClr>
+      </a:solidFill>
+      <a:ln w="9525" cap="flat" cmpd="sng" algn="ctr">
+        <a:solidFill>
+          <a:schemeClr val="tx1">
+            <a:lumMod val="65000"/>
+            <a:lumOff val="35000"/>
+          </a:schemeClr>
+        </a:solidFill>
+        <a:round/>
+      </a:ln>
+    </cs:spPr>
+  </cs:downBar>
+  <cs:dropLine>
+    <cs:lnRef idx="0"/>
+    <cs:fillRef idx="0"/>
+    <cs:effectRef idx="0"/>
+    <cs:fontRef idx="minor">
+      <a:schemeClr val="tx1"/>
+    </cs:fontRef>
+    <cs:spPr>
+      <a:ln w="9525" cap="flat" cmpd="sng" algn="ctr">
+        <a:solidFill>
+          <a:schemeClr val="tx1">
+            <a:lumMod val="35000"/>
+            <a:lumOff val="65000"/>
+          </a:schemeClr>
+        </a:solidFill>
+        <a:round/>
+      </a:ln>
+    </cs:spPr>
+  </cs:dropLine>
+  <cs:errorBar>
+    <cs:lnRef idx="0"/>
+    <cs:fillRef idx="0"/>
+    <cs:effectRef idx="0"/>
+    <cs:fontRef idx="minor">
+      <a:schemeClr val="tx1"/>
+    </cs:fontRef>
+    <cs:spPr>
+      <a:ln w="9525" cap="flat" cmpd="sng" algn="ctr">
+        <a:solidFill>
+          <a:schemeClr val="tx1">
+            <a:lumMod val="65000"/>
+            <a:lumOff val="35000"/>
+          </a:schemeClr>
+        </a:solidFill>
+        <a:round/>
+      </a:ln>
+    </cs:spPr>
+  </cs:errorBar>
+  <cs:floor>
+    <cs:lnRef idx="0"/>
+    <cs:fillRef idx="0"/>
+    <cs:effectRef idx="0"/>
+    <cs:fontRef idx="minor">
+      <a:schemeClr val="tx1"/>
+    </cs:fontRef>
+    <cs:spPr>
+      <a:noFill/>
+      <a:ln>
+        <a:noFill/>
+      </a:ln>
+    </cs:spPr>
+  </cs:floor>
+  <cs:gridlineMajor>
+    <cs:lnRef idx="0"/>
+    <cs:fillRef idx="0"/>
+    <cs:effectRef idx="0"/>
+    <cs:fontRef idx="minor">
+      <a:schemeClr val="tx1"/>
+    </cs:fontRef>
+    <cs:spPr>
+      <a:ln w="9525" cap="flat" cmpd="sng" algn="ctr">
+        <a:solidFill>
+          <a:schemeClr val="tx1">
+            <a:lumMod val="15000"/>
+            <a:lumOff val="85000"/>
+          </a:schemeClr>
+        </a:solidFill>
+        <a:round/>
+      </a:ln>
+    </cs:spPr>
+  </cs:gridlineMajor>
+  <cs:gridlineMinor>
+    <cs:lnRef idx="0"/>
+    <cs:fillRef idx="0"/>
+    <cs:effectRef idx="0"/>
+    <cs:fontRef idx="minor">
+      <a:schemeClr val="tx1"/>
+    </cs:fontRef>
+    <cs:spPr>
+      <a:ln w="9525" cap="flat" cmpd="sng" algn="ctr">
+        <a:solidFill>
+          <a:schemeClr val="tx1">
+            <a:lumMod val="5000"/>
+            <a:lumOff val="95000"/>
+          </a:schemeClr>
+        </a:solidFill>
+        <a:round/>
+      </a:ln>
+    </cs:spPr>
+  </cs:gridlineMinor>
+  <cs:hiLoLine>
+    <cs:lnRef idx="0"/>
+    <cs:fillRef idx="0"/>
+    <cs:effectRef idx="0"/>
+    <cs:fontRef idx="minor">
+      <a:schemeClr val="tx1"/>
+    </cs:fontRef>
+    <cs:spPr>
+      <a:ln w="9525" cap="flat" cmpd="sng" algn="ctr">
+        <a:solidFill>
+          <a:schemeClr val="tx1">
+            <a:lumMod val="50000"/>
+            <a:lumOff val="50000"/>
+          </a:schemeClr>
+        </a:solidFill>
+        <a:round/>
+      </a:ln>
+    </cs:spPr>
+  </cs:hiLoLine>
+  <cs:leaderLine>
+    <cs:lnRef idx="0"/>
+    <cs:fillRef idx="0"/>
+    <cs:effectRef idx="0"/>
+    <cs:fontRef idx="minor">
+      <a:schemeClr val="tx1"/>
+    </cs:fontRef>
+    <cs:spPr>
+      <a:ln w="9525" cap="flat" cmpd="sng" algn="ctr">
+        <a:solidFill>
+          <a:schemeClr val="tx1">
+            <a:lumMod val="35000"/>
+            <a:lumOff val="65000"/>
+          </a:schemeClr>
+        </a:solidFill>
+        <a:round/>
+      </a:ln>
+    </cs:spPr>
+  </cs:leaderLine>
+  <cs:legend>
+    <cs:lnRef idx="0"/>
+    <cs:fillRef idx="0"/>
+    <cs:effectRef idx="0"/>
+    <cs:fontRef idx="minor">
+      <a:schemeClr val="tx1">
+        <a:lumMod val="65000"/>
+        <a:lumOff val="35000"/>
+      </a:schemeClr>
+    </cs:fontRef>
+    <cs:defRPr sz="900" kern="1200"/>
+  </cs:legend>
+  <cs:plotArea mods="allowNoFillOverride allowNoLineOverride">
+    <cs:lnRef idx="0"/>
+    <cs:fillRef idx="0"/>
+    <cs:effectRef idx="0"/>
+    <cs:fontRef idx="minor">
+      <a:schemeClr val="tx1"/>
+    </cs:fontRef>
+  </cs:plotArea>
+  <cs:plotArea3D mods="allowNoFillOverride allowNoLineOverride">
+    <cs:lnRef idx="0"/>
+    <cs:fillRef idx="0"/>
+    <cs:effectRef idx="0"/>
+    <cs:fontRef idx="minor">
+      <a:schemeClr val="tx1"/>
+    </cs:fontRef>
+  </cs:plotArea3D>
+  <cs:seriesAxis>
+    <cs:lnRef idx="0"/>
+    <cs:fillRef idx="0"/>
+    <cs:effectRef idx="0"/>
+    <cs:fontRef idx="minor">
+      <a:schemeClr val="tx1">
+        <a:lumMod val="65000"/>
+        <a:lumOff val="35000"/>
+      </a:schemeClr>
+    </cs:fontRef>
+    <cs:defRPr sz="900" kern="1200"/>
+  </cs:seriesAxis>
+  <cs:seriesLine>
+    <cs:lnRef idx="0"/>
+    <cs:fillRef idx="0"/>
+    <cs:effectRef idx="0"/>
+    <cs:fontRef idx="minor">
+      <a:schemeClr val="tx1"/>
+    </cs:fontRef>
+    <cs:spPr>
+      <a:ln w="9525" cap="flat" cmpd="sng" algn="ctr">
+        <a:solidFill>
+          <a:schemeClr val="tx1">
+            <a:lumMod val="35000"/>
+            <a:lumOff val="65000"/>
+          </a:schemeClr>
+        </a:solidFill>
+        <a:round/>
+      </a:ln>
+    </cs:spPr>
+  </cs:seriesLine>
+  <cs:title>
+    <cs:lnRef idx="0"/>
+    <cs:fillRef idx="0"/>
+    <cs:effectRef idx="0"/>
+    <cs:fontRef idx="minor">
+      <a:schemeClr val="tx1">
+        <a:lumMod val="65000"/>
+        <a:lumOff val="35000"/>
+      </a:schemeClr>
+    </cs:fontRef>
+    <cs:defRPr sz="1400" b="0" kern="1200" spc="0" baseline="0"/>
+  </cs:title>
+  <cs:trendline>
+    <cs:lnRef idx="0">
+      <cs:styleClr val="auto"/>
+    </cs:lnRef>
+    <cs:fillRef idx="0"/>
+    <cs:effectRef idx="0"/>
+    <cs:fontRef idx="minor">
+      <a:schemeClr val="tx1"/>
+    </cs:fontRef>
+    <cs:spPr>
+      <a:ln w="19050" cap="rnd">
+        <a:solidFill>
+          <a:schemeClr val="phClr"/>
+        </a:solidFill>
+        <a:prstDash val="sysDot"/>
+      </a:ln>
+    </cs:spPr>
+  </cs:trendline>
+  <cs:trendlineLabel>
+    <cs:lnRef idx="0"/>
+    <cs:fillRef idx="0"/>
+    <cs:effectRef idx="0"/>
+    <cs:fontRef idx="minor">
+      <a:schemeClr val="tx1">
+        <a:lumMod val="65000"/>
+        <a:lumOff val="35000"/>
+      </a:schemeClr>
+    </cs:fontRef>
+    <cs:defRPr sz="900" kern="1200"/>
+  </cs:trendlineLabel>
+  <cs:upBar>
+    <cs:lnRef idx="0"/>
+    <cs:fillRef idx="0"/>
+    <cs:effectRef idx="0"/>
+    <cs:fontRef idx="minor">
+      <a:schemeClr val="tx1"/>
+    </cs:fontRef>
+    <cs:spPr>
+      <a:solidFill>
+        <a:schemeClr val="lt1"/>
+      </a:solidFill>
+      <a:ln w="9525" cap="flat" cmpd="sng" algn="ctr">
+        <a:solidFill>
+          <a:schemeClr val="tx1">
+            <a:lumMod val="65000"/>
+            <a:lumOff val="35000"/>
+          </a:schemeClr>
+        </a:solidFill>
+        <a:round/>
+      </a:ln>
+    </cs:spPr>
+  </cs:upBar>
+  <cs:valueAxis>
+    <cs:lnRef idx="0"/>
+    <cs:fillRef idx="0"/>
+    <cs:effectRef idx="0"/>
+    <cs:fontRef idx="minor">
+      <a:schemeClr val="tx1">
+        <a:lumMod val="65000"/>
+        <a:lumOff val="35000"/>
+      </a:schemeClr>
+    </cs:fontRef>
+    <cs:spPr>
+      <a:ln w="9525" cap="flat" cmpd="sng" algn="ctr">
+        <a:solidFill>
+          <a:schemeClr val="tx1">
+            <a:lumMod val="25000"/>
+            <a:lumOff val="75000"/>
+          </a:schemeClr>
+        </a:solidFill>
+        <a:round/>
+      </a:ln>
+    </cs:spPr>
+    <cs:defRPr sz="900" kern="1200"/>
+  </cs:valueAxis>
+  <cs:wall>
+    <cs:lnRef idx="0"/>
+    <cs:fillRef idx="0"/>
+    <cs:effectRef idx="0"/>
+    <cs:fontRef idx="minor">
+      <a:schemeClr val="tx1"/>
+    </cs:fontRef>
+    <cs:spPr>
+      <a:noFill/>
+      <a:ln>
+        <a:noFill/>
+      </a:ln>
+    </cs:spPr>
+  </cs:wall>
+</cs:chartStyle>
 </file>
 
 <file path=ppt/slideLayouts/slideLayout1.xml><?xml version="1.0" encoding="utf-8"?>
@@ -3051,7 +7309,7 @@
         </p:nvSpPr>
         <p:spPr>
           <a:xfrm>
-            <a:off x="535577" y="1346667"/>
+            <a:off x="535577" y="1318672"/>
             <a:ext cx="6505303" cy="969496"/>
           </a:xfrm>
           <a:prstGeom prst="rect">
@@ -3072,16 +7330,7 @@
                 </a:solidFill>
                 <a:latin typeface="Book Antiqua" panose="02040602050305030304" pitchFamily="18" charset="0"/>
               </a:rPr>
-              <a:t>Fake News </a:t>
-            </a:r>
-            <a:r>
-              <a:rPr lang="en-US" sz="5700" b="1" dirty="0" smtClean="0">
-                <a:solidFill>
-                  <a:schemeClr val="accent4"/>
-                </a:solidFill>
-                <a:latin typeface="Book Antiqua" panose="02040602050305030304" pitchFamily="18" charset="0"/>
-              </a:rPr>
-              <a:t>JEDI!</a:t>
+              <a:t>Fake News JEDI!</a:t>
             </a:r>
             <a:endParaRPr lang="en-US" sz="5700" b="1" dirty="0">
               <a:solidFill>
@@ -3415,7 +7664,7 @@
         </p:nvSpPr>
         <p:spPr>
           <a:xfrm>
-            <a:off x="783771" y="574767"/>
+            <a:off x="235132" y="490086"/>
             <a:ext cx="6113417" cy="784830"/>
           </a:xfrm>
           <a:prstGeom prst="rect">
@@ -3434,7 +7683,7 @@
                 <a:solidFill>
                   <a:schemeClr val="bg1"/>
                 </a:solidFill>
-                <a:latin typeface="Lucida Handwriting" panose="03010101010101010101" pitchFamily="66" charset="0"/>
+                <a:latin typeface="Book Antiqua" panose="02040602050305030304" pitchFamily="18" charset="0"/>
               </a:rPr>
               <a:t>The Challenge!</a:t>
             </a:r>
@@ -3442,7 +7691,7 @@
               <a:solidFill>
                 <a:schemeClr val="bg1"/>
               </a:solidFill>
-              <a:latin typeface="Lucida Handwriting" panose="03010101010101010101" pitchFamily="66" charset="0"/>
+              <a:latin typeface="Book Antiqua" panose="02040602050305030304" pitchFamily="18" charset="0"/>
             </a:endParaRPr>
           </a:p>
         </p:txBody>
@@ -3455,8 +7704,8 @@
         </p:nvSpPr>
         <p:spPr>
           <a:xfrm>
-            <a:off x="535577" y="1261854"/>
-            <a:ext cx="9052560" cy="3785652"/>
+            <a:off x="235132" y="1536174"/>
+            <a:ext cx="9261566" cy="4247317"/>
           </a:xfrm>
           <a:prstGeom prst="rect">
             <a:avLst/>
@@ -3469,13 +7718,12 @@
           </a:bodyPr>
           <a:lstStyle/>
           <a:p>
-            <a:pPr algn="ctr"/>
             <a:r>
               <a:rPr lang="en-US" sz="3000" dirty="0" smtClean="0">
                 <a:solidFill>
                   <a:schemeClr val="bg1"/>
                 </a:solidFill>
-                <a:latin typeface="Arial Narrow" panose="020B0606020202030204" pitchFamily="34" charset="0"/>
+                <a:latin typeface="Book Antiqua" panose="02040602050305030304" pitchFamily="18" charset="0"/>
               </a:rPr>
               <a:t>Sniffing out </a:t>
             </a:r>
@@ -3484,7 +7732,7 @@
                 <a:solidFill>
                   <a:srgbClr val="FF0000"/>
                 </a:solidFill>
-                <a:latin typeface="Arial Narrow" panose="020B0606020202030204" pitchFamily="34" charset="0"/>
+                <a:latin typeface="Arial Rounded MT Bold" panose="020F0704030504030204" pitchFamily="34" charset="0"/>
               </a:rPr>
               <a:t>FAKE</a:t>
             </a:r>
@@ -3493,7 +7741,7 @@
                 <a:solidFill>
                   <a:schemeClr val="bg1"/>
                 </a:solidFill>
-                <a:latin typeface="Arial Narrow" panose="020B0606020202030204" pitchFamily="34" charset="0"/>
+                <a:latin typeface="Book Antiqua" panose="02040602050305030304" pitchFamily="18" charset="0"/>
               </a:rPr>
               <a:t> news isn’t easy, because </a:t>
             </a:r>
@@ -3502,18 +7750,24 @@
                 <a:solidFill>
                   <a:srgbClr val="FF0000"/>
                 </a:solidFill>
-                <a:latin typeface="Arial Narrow" panose="020B0606020202030204" pitchFamily="34" charset="0"/>
+                <a:latin typeface="Arial Rounded MT Bold" panose="020F0704030504030204" pitchFamily="34" charset="0"/>
               </a:rPr>
-              <a:t>FAKERS:</a:t>
-            </a:r>
-          </a:p>
-          <a:p>
-            <a:pPr algn="ctr"/>
+              <a:t>FAKERS</a:t>
+            </a:r>
+            <a:r>
+              <a:rPr lang="en-US" sz="3000" b="1" dirty="0">
+                <a:solidFill>
+                  <a:schemeClr val="bg1"/>
+                </a:solidFill>
+                <a:latin typeface="Book Antiqua" panose="02040602050305030304" pitchFamily="18" charset="0"/>
+              </a:rPr>
+              <a:t>:</a:t>
+            </a:r>
             <a:endParaRPr lang="en-US" sz="3000" b="1" dirty="0">
               <a:solidFill>
-                <a:srgbClr val="FF0000"/>
+                <a:schemeClr val="bg1"/>
               </a:solidFill>
-              <a:latin typeface="Arial Narrow" panose="020B0606020202030204" pitchFamily="34" charset="0"/>
+              <a:latin typeface="Book Antiqua" panose="02040602050305030304" pitchFamily="18" charset="0"/>
             </a:endParaRPr>
           </a:p>
           <a:p>
@@ -3521,68 +7775,71 @@
               <a:buFont typeface="Wingdings" panose="05000000000000000000" pitchFamily="2" charset="2"/>
               <a:buChar char="q"/>
             </a:pPr>
-            <a:r>
-              <a:rPr lang="en-US" sz="3000" dirty="0">
-                <a:solidFill>
-                  <a:schemeClr val="bg1"/>
-                </a:solidFill>
-                <a:latin typeface="Arial Narrow" panose="020B0606020202030204" pitchFamily="34" charset="0"/>
-              </a:rPr>
-              <a:t>A</a:t>
-            </a:r>
+            <a:endParaRPr lang="en-US" sz="3000" dirty="0" smtClean="0">
+              <a:solidFill>
+                <a:schemeClr val="bg1"/>
+              </a:solidFill>
+              <a:latin typeface="Book Antiqua" panose="02040602050305030304" pitchFamily="18" charset="0"/>
+            </a:endParaRPr>
+          </a:p>
+          <a:p>
+            <a:pPr marL="457200" indent="-457200">
+              <a:buFont typeface="Arial" panose="020B0604020202020204" pitchFamily="34" charset="0"/>
+              <a:buChar char="•"/>
+            </a:pPr>
             <a:r>
               <a:rPr lang="en-US" sz="3000" dirty="0" smtClean="0">
                 <a:solidFill>
                   <a:schemeClr val="bg1"/>
                 </a:solidFill>
-                <a:latin typeface="Arial Narrow" panose="020B0606020202030204" pitchFamily="34" charset="0"/>
+                <a:latin typeface="Book Antiqua" panose="02040602050305030304" pitchFamily="18" charset="0"/>
               </a:rPr>
-              <a:t>re smart and reactive!</a:t>
+              <a:t>Are smart and reactive</a:t>
             </a:r>
           </a:p>
           <a:p>
             <a:pPr marL="457200" indent="-457200">
-              <a:buFont typeface="Wingdings" panose="05000000000000000000" pitchFamily="2" charset="2"/>
-              <a:buChar char="q"/>
+              <a:buFont typeface="Arial" panose="020B0604020202020204" pitchFamily="34" charset="0"/>
+              <a:buChar char="•"/>
             </a:pPr>
             <a:r>
               <a:rPr lang="en-US" sz="3000" dirty="0" smtClean="0">
                 <a:solidFill>
                   <a:schemeClr val="bg1"/>
                 </a:solidFill>
-                <a:latin typeface="Arial Narrow" panose="020B0606020202030204" pitchFamily="34" charset="0"/>
+                <a:latin typeface="Book Antiqua" panose="02040602050305030304" pitchFamily="18" charset="0"/>
               </a:rPr>
               <a:t>Change URL’s </a:t>
             </a:r>
           </a:p>
           <a:p>
             <a:pPr marL="457200" indent="-457200">
-              <a:buFont typeface="Wingdings" panose="05000000000000000000" pitchFamily="2" charset="2"/>
-              <a:buChar char="q"/>
+              <a:buFont typeface="Arial" panose="020B0604020202020204" pitchFamily="34" charset="0"/>
+              <a:buChar char="•"/>
             </a:pPr>
             <a:r>
               <a:rPr lang="en-US" sz="3000" dirty="0" smtClean="0">
                 <a:solidFill>
                   <a:schemeClr val="bg1"/>
                 </a:solidFill>
-                <a:latin typeface="Arial Narrow" panose="020B0606020202030204" pitchFamily="34" charset="0"/>
+                <a:latin typeface="Book Antiqua" panose="02040602050305030304" pitchFamily="18" charset="0"/>
               </a:rPr>
               <a:t>Emulate Real News</a:t>
             </a:r>
           </a:p>
           <a:p>
             <a:pPr marL="457200" indent="-457200">
-              <a:buFont typeface="Wingdings" panose="05000000000000000000" pitchFamily="2" charset="2"/>
-              <a:buChar char="q"/>
+              <a:buFont typeface="Arial" panose="020B0604020202020204" pitchFamily="34" charset="0"/>
+              <a:buChar char="•"/>
             </a:pPr>
             <a:r>
               <a:rPr lang="en-US" sz="3000" dirty="0" smtClean="0">
                 <a:solidFill>
                   <a:schemeClr val="bg1"/>
                 </a:solidFill>
-                <a:latin typeface="Arial Narrow" panose="020B0606020202030204" pitchFamily="34" charset="0"/>
+                <a:latin typeface="Book Antiqua" panose="02040602050305030304" pitchFamily="18" charset="0"/>
               </a:rPr>
-              <a:t>Have Agendas!  </a:t>
+              <a:t>Have Agendas</a:t>
             </a:r>
           </a:p>
           <a:p>
@@ -3590,7 +7847,7 @@
               <a:solidFill>
                 <a:schemeClr val="bg1"/>
               </a:solidFill>
-              <a:latin typeface="Arial Narrow" panose="020B0606020202030204" pitchFamily="34" charset="0"/>
+              <a:latin typeface="Book Antiqua" panose="02040602050305030304" pitchFamily="18" charset="0"/>
             </a:endParaRPr>
           </a:p>
           <a:p>
@@ -3599,7 +7856,7 @@
                 <a:solidFill>
                   <a:schemeClr val="bg1"/>
                 </a:solidFill>
-                <a:latin typeface="Arial Narrow" panose="020B0606020202030204" pitchFamily="34" charset="0"/>
+                <a:latin typeface="Book Antiqua" panose="02040602050305030304" pitchFamily="18" charset="0"/>
               </a:rPr>
               <a:t>We need the </a:t>
             </a:r>
@@ -3608,7 +7865,7 @@
                 <a:solidFill>
                   <a:srgbClr val="FFFF00"/>
                 </a:solidFill>
-                <a:latin typeface="Arial Narrow" panose="020B0606020202030204" pitchFamily="34" charset="0"/>
+                <a:latin typeface="Book Antiqua" panose="02040602050305030304" pitchFamily="18" charset="0"/>
               </a:rPr>
               <a:t>Jedi</a:t>
             </a:r>
@@ -3617,7 +7874,7 @@
                 <a:solidFill>
                   <a:schemeClr val="bg1"/>
                 </a:solidFill>
-                <a:latin typeface="Arial Narrow" panose="020B0606020202030204" pitchFamily="34" charset="0"/>
+                <a:latin typeface="Book Antiqua" panose="02040602050305030304" pitchFamily="18" charset="0"/>
               </a:rPr>
               <a:t> power of </a:t>
             </a:r>
@@ -3626,7 +7883,7 @@
                 <a:solidFill>
                   <a:srgbClr val="FFFF00"/>
                 </a:solidFill>
-                <a:latin typeface="Arial Narrow" panose="020B0606020202030204" pitchFamily="34" charset="0"/>
+                <a:latin typeface="Book Antiqua" panose="02040602050305030304" pitchFamily="18" charset="0"/>
               </a:rPr>
               <a:t>AI</a:t>
             </a:r>
@@ -3635,30 +7892,59 @@
                 <a:solidFill>
                   <a:schemeClr val="bg1"/>
                 </a:solidFill>
-                <a:latin typeface="Arial Narrow" panose="020B0606020202030204" pitchFamily="34" charset="0"/>
+                <a:latin typeface="Book Antiqua" panose="02040602050305030304" pitchFamily="18" charset="0"/>
               </a:rPr>
-              <a:t> to combat the </a:t>
-            </a:r>
-            <a:r>
-              <a:rPr lang="en-US" sz="3000" b="1" dirty="0" smtClean="0">
-                <a:latin typeface="Arial Narrow" panose="020B0606020202030204" pitchFamily="34" charset="0"/>
-              </a:rPr>
-              <a:t>Fakers</a:t>
+              <a:t> </a:t>
             </a:r>
             <a:r>
               <a:rPr lang="en-US" sz="3000" dirty="0" smtClean="0">
                 <a:solidFill>
                   <a:schemeClr val="bg1"/>
                 </a:solidFill>
-                <a:latin typeface="Arial Narrow" panose="020B0606020202030204" pitchFamily="34" charset="0"/>
+                <a:latin typeface="Book Antiqua" panose="02040602050305030304" pitchFamily="18" charset="0"/>
               </a:rPr>
-              <a:t>!!</a:t>
+              <a:t>to </a:t>
+            </a:r>
+            <a:r>
+              <a:rPr lang="en-US" sz="3000" dirty="0" smtClean="0">
+                <a:solidFill>
+                  <a:schemeClr val="bg1"/>
+                </a:solidFill>
+                <a:latin typeface="Book Antiqua" panose="02040602050305030304" pitchFamily="18" charset="0"/>
+              </a:rPr>
+              <a:t>combat </a:t>
             </a:r>
             <a:endParaRPr lang="en-US" sz="3000" dirty="0">
               <a:solidFill>
                 <a:schemeClr val="bg1"/>
               </a:solidFill>
-              <a:latin typeface="Arial Narrow" panose="020B0606020202030204" pitchFamily="34" charset="0"/>
+              <a:latin typeface="Book Antiqua" panose="02040602050305030304" pitchFamily="18" charset="0"/>
+            </a:endParaRPr>
+          </a:p>
+          <a:p>
+            <a:r>
+              <a:rPr lang="en-US" sz="3000" dirty="0" smtClean="0">
+                <a:solidFill>
+                  <a:schemeClr val="bg1"/>
+                </a:solidFill>
+                <a:latin typeface="Book Antiqua" panose="02040602050305030304" pitchFamily="18" charset="0"/>
+              </a:rPr>
+              <a:t>	the </a:t>
+            </a:r>
+            <a:r>
+              <a:rPr lang="en-US" sz="3000" b="1" dirty="0" smtClean="0">
+                <a:solidFill>
+                  <a:srgbClr val="FF0000"/>
+                </a:solidFill>
+                <a:latin typeface="Arial Rounded MT Bold" panose="020F0704030504030204" pitchFamily="34" charset="0"/>
+              </a:rPr>
+              <a:t>FAKERS</a:t>
+            </a:r>
+            <a:endParaRPr lang="en-US" sz="3000" dirty="0">
+              <a:solidFill>
+                <a:srgbClr val="FF0000"/>
+              </a:solidFill>
+              <a:latin typeface="Arial Rounded MT Bold" panose="020F0704030504030204" pitchFamily="34" charset="0"/>
             </a:endParaRPr>
           </a:p>
         </p:txBody>
@@ -3738,8 +8024,8 @@
         </p:nvSpPr>
         <p:spPr>
           <a:xfrm>
-            <a:off x="3898122" y="287651"/>
-            <a:ext cx="4395755" cy="784830"/>
+            <a:off x="5178282" y="287651"/>
+            <a:ext cx="3501280" cy="784830"/>
           </a:xfrm>
           <a:prstGeom prst="rect">
             <a:avLst/>
@@ -3757,7 +8043,7 @@
                 <a:solidFill>
                   <a:srgbClr val="FFFF00"/>
                 </a:solidFill>
-                <a:latin typeface="Lucida Handwriting" panose="03010101010101010101" pitchFamily="66" charset="0"/>
+                <a:latin typeface="Book Antiqua" panose="02040602050305030304" pitchFamily="18" charset="0"/>
               </a:rPr>
               <a:t>Our Solution</a:t>
             </a:r>
@@ -3765,7 +8051,7 @@
               <a:solidFill>
                 <a:srgbClr val="FFFF00"/>
               </a:solidFill>
-              <a:latin typeface="Lucida Handwriting" panose="03010101010101010101" pitchFamily="66" charset="0"/>
+              <a:latin typeface="Book Antiqua" panose="02040602050305030304" pitchFamily="18" charset="0"/>
             </a:endParaRPr>
           </a:p>
         </p:txBody>
@@ -3778,8 +8064,8 @@
         </p:nvSpPr>
         <p:spPr>
           <a:xfrm>
-            <a:off x="4232366" y="1359066"/>
-            <a:ext cx="7959634" cy="2862322"/>
+            <a:off x="4467497" y="1359067"/>
+            <a:ext cx="7959634" cy="3046988"/>
           </a:xfrm>
           <a:prstGeom prst="rect">
             <a:avLst/>
@@ -3794,89 +8080,141 @@
           <a:p>
             <a:pPr algn="ctr"/>
             <a:r>
-              <a:rPr lang="en-US" sz="3600" dirty="0" smtClean="0">
+              <a:rPr lang="en-US" sz="3200" dirty="0" smtClean="0">
+                <a:solidFill>
+                  <a:schemeClr val="accent4">
+                    <a:lumMod val="20000"/>
+                    <a:lumOff val="80000"/>
+                  </a:schemeClr>
+                </a:solidFill>
+                <a:latin typeface="Book Antiqua" panose="02040602050305030304" pitchFamily="18" charset="0"/>
+              </a:rPr>
+              <a:t>Multi Front </a:t>
+            </a:r>
+            <a:r>
+              <a:rPr lang="en-US" sz="3200" dirty="0" smtClean="0">
+                <a:solidFill>
+                  <a:schemeClr val="accent4">
+                    <a:lumMod val="20000"/>
+                    <a:lumOff val="80000"/>
+                  </a:schemeClr>
+                </a:solidFill>
+                <a:latin typeface="Book Antiqua" panose="02040602050305030304" pitchFamily="18" charset="0"/>
+              </a:rPr>
+              <a:t>Strategy</a:t>
+            </a:r>
+          </a:p>
+          <a:p>
+            <a:pPr algn="ctr"/>
+            <a:endParaRPr lang="en-US" sz="3200" dirty="0" smtClean="0">
+              <a:solidFill>
+                <a:schemeClr val="bg1"/>
+              </a:solidFill>
+              <a:latin typeface="Book Antiqua" panose="02040602050305030304" pitchFamily="18" charset="0"/>
+            </a:endParaRPr>
+          </a:p>
+          <a:p>
+            <a:r>
+              <a:rPr lang="en-US" sz="3200" b="1" dirty="0" smtClean="0">
                 <a:solidFill>
                   <a:schemeClr val="bg1"/>
                 </a:solidFill>
+                <a:latin typeface="Book Antiqua" panose="02040602050305030304" pitchFamily="18" charset="0"/>
               </a:rPr>
-              <a:t>Multi Front Strategy</a:t>
-            </a:r>
-          </a:p>
-          <a:p>
-            <a:r>
-              <a:rPr lang="en-US" sz="3600" b="1" dirty="0" smtClean="0">
+              <a:t>URL		  </a:t>
+            </a:r>
+            <a:r>
+              <a:rPr lang="en-US" sz="3200" dirty="0" smtClean="0">
                 <a:solidFill>
                   <a:schemeClr val="bg1"/>
                 </a:solidFill>
+                <a:latin typeface="Book Antiqua" panose="02040602050305030304" pitchFamily="18" charset="0"/>
               </a:rPr>
-              <a:t>URL		  </a:t>
-            </a:r>
-            <a:r>
-              <a:rPr lang="en-US" sz="3600" dirty="0" smtClean="0">
+              <a:t>: Blacklist bad URL’s</a:t>
+            </a:r>
+          </a:p>
+          <a:p>
+            <a:r>
+              <a:rPr lang="en-US" sz="3200" b="1" dirty="0" smtClean="0">
                 <a:solidFill>
                   <a:schemeClr val="bg1"/>
                 </a:solidFill>
+                <a:latin typeface="Book Antiqua" panose="02040602050305030304" pitchFamily="18" charset="0"/>
               </a:rPr>
-              <a:t>: Blacklist bad URL’s</a:t>
-            </a:r>
-          </a:p>
-          <a:p>
-            <a:r>
-              <a:rPr lang="en-US" sz="3600" b="1" dirty="0" smtClean="0">
+              <a:t>Meta </a:t>
+            </a:r>
+            <a:r>
+              <a:rPr lang="en-US" sz="3200" b="1" dirty="0" smtClean="0">
                 <a:solidFill>
                   <a:schemeClr val="bg1"/>
                 </a:solidFill>
+                <a:latin typeface="Book Antiqua" panose="02040602050305030304" pitchFamily="18" charset="0"/>
               </a:rPr>
-              <a:t>Meta Data</a:t>
-            </a:r>
-            <a:r>
-              <a:rPr lang="en-US" sz="3600" dirty="0" smtClean="0">
+              <a:t>Data </a:t>
+            </a:r>
+            <a:r>
+              <a:rPr lang="en-US" sz="3200" dirty="0" smtClean="0">
                 <a:solidFill>
                   <a:schemeClr val="bg1"/>
                 </a:solidFill>
+                <a:latin typeface="Book Antiqua" panose="02040602050305030304" pitchFamily="18" charset="0"/>
               </a:rPr>
-              <a:t>: Predictive Models</a:t>
-            </a:r>
-          </a:p>
-          <a:p>
-            <a:r>
-              <a:rPr lang="en-US" sz="3600" b="1" dirty="0" smtClean="0">
+              <a:t>: </a:t>
+            </a:r>
+            <a:r>
+              <a:rPr lang="en-US" sz="3200" dirty="0" smtClean="0">
                 <a:solidFill>
                   <a:schemeClr val="bg1"/>
                 </a:solidFill>
+                <a:latin typeface="Book Antiqua" panose="02040602050305030304" pitchFamily="18" charset="0"/>
               </a:rPr>
-              <a:t>Headline</a:t>
-            </a:r>
-            <a:r>
-              <a:rPr lang="en-US" sz="3600" dirty="0" smtClean="0">
+              <a:t>Predictive Models</a:t>
+            </a:r>
+          </a:p>
+          <a:p>
+            <a:r>
+              <a:rPr lang="en-US" sz="3200" b="1" dirty="0" smtClean="0">
                 <a:solidFill>
                   <a:schemeClr val="bg1"/>
                 </a:solidFill>
+                <a:latin typeface="Book Antiqua" panose="02040602050305030304" pitchFamily="18" charset="0"/>
               </a:rPr>
-              <a:t>	  : Text and Symbol Analytics</a:t>
-            </a:r>
-          </a:p>
-          <a:p>
-            <a:r>
-              <a:rPr lang="en-US" sz="3600" b="1" dirty="0" smtClean="0">
+              <a:t>Headline</a:t>
+            </a:r>
+            <a:r>
+              <a:rPr lang="en-US" sz="3200" dirty="0" smtClean="0">
                 <a:solidFill>
                   <a:schemeClr val="bg1"/>
                 </a:solidFill>
+                <a:latin typeface="Book Antiqua" panose="02040602050305030304" pitchFamily="18" charset="0"/>
               </a:rPr>
-              <a:t>Content</a:t>
-            </a:r>
-            <a:r>
-              <a:rPr lang="en-US" sz="3600" dirty="0" smtClean="0">
+              <a:t>	  : Text and Symbol Analytics</a:t>
+            </a:r>
+          </a:p>
+          <a:p>
+            <a:r>
+              <a:rPr lang="en-US" sz="3200" b="1" dirty="0" smtClean="0">
                 <a:solidFill>
                   <a:schemeClr val="bg1"/>
                 </a:solidFill>
+                <a:latin typeface="Book Antiqua" panose="02040602050305030304" pitchFamily="18" charset="0"/>
+              </a:rPr>
+              <a:t>Content</a:t>
+            </a:r>
+            <a:r>
+              <a:rPr lang="en-US" sz="3200" dirty="0" smtClean="0">
+                <a:solidFill>
+                  <a:schemeClr val="bg1"/>
+                </a:solidFill>
+                <a:latin typeface="Book Antiqua" panose="02040602050305030304" pitchFamily="18" charset="0"/>
               </a:rPr>
               <a:t>	  : Natural Language Processing</a:t>
             </a:r>
-            <a:endParaRPr lang="en-US" sz="3600" dirty="0">
+            <a:endParaRPr lang="en-US" sz="3200" dirty="0">
               <a:solidFill>
                 <a:schemeClr val="bg1"/>
               </a:solidFill>
+              <a:latin typeface="Book Antiqua" panose="02040602050305030304" pitchFamily="18" charset="0"/>
             </a:endParaRPr>
           </a:p>
         </p:txBody>
@@ -3940,8 +8278,8 @@
         </p:blipFill>
         <p:spPr>
           <a:xfrm>
-            <a:off x="8210386" y="1973037"/>
-            <a:ext cx="3361508" cy="3361508"/>
+            <a:off x="7903029" y="1559381"/>
+            <a:ext cx="4036423" cy="4036423"/>
           </a:xfrm>
           <a:prstGeom prst="rect">
             <a:avLst/>
@@ -3956,8 +8294,8 @@
         </p:nvSpPr>
         <p:spPr>
           <a:xfrm>
-            <a:off x="639083" y="509451"/>
-            <a:ext cx="4596130" cy="784830"/>
+            <a:off x="2448872" y="359843"/>
+            <a:ext cx="3951723" cy="784830"/>
           </a:xfrm>
           <a:prstGeom prst="rect">
             <a:avLst/>
@@ -3970,24 +8308,25 @@
           </a:bodyPr>
           <a:lstStyle/>
           <a:p>
-            <a:r>
-              <a:rPr lang="en-US" sz="4500" dirty="0" smtClean="0">
+            <a:pPr algn="ctr"/>
+            <a:r>
+              <a:rPr lang="en-US" sz="4500" b="1" dirty="0" smtClean="0">
                 <a:solidFill>
-                  <a:schemeClr val="tx2">
-                    <a:lumMod val="75000"/>
+                  <a:schemeClr val="accent2">
+                    <a:lumMod val="50000"/>
                   </a:schemeClr>
                 </a:solidFill>
-                <a:latin typeface="Lucida Handwriting" panose="03010101010101010101" pitchFamily="66" charset="0"/>
+                <a:latin typeface="Book Antiqua" panose="02040602050305030304" pitchFamily="18" charset="0"/>
               </a:rPr>
               <a:t>The Approach</a:t>
             </a:r>
-            <a:endParaRPr lang="en-US" sz="4500" dirty="0">
+            <a:endParaRPr lang="en-US" sz="4500" b="1" dirty="0">
               <a:solidFill>
-                <a:schemeClr val="tx2">
-                  <a:lumMod val="75000"/>
+                <a:schemeClr val="accent2">
+                  <a:lumMod val="50000"/>
                 </a:schemeClr>
               </a:solidFill>
-              <a:latin typeface="Lucida Handwriting" panose="03010101010101010101" pitchFamily="66" charset="0"/>
+              <a:latin typeface="Book Antiqua" panose="02040602050305030304" pitchFamily="18" charset="0"/>
             </a:endParaRPr>
           </a:p>
         </p:txBody>
@@ -4001,7 +8340,7 @@
         <p:spPr>
           <a:xfrm>
             <a:off x="639083" y="1449977"/>
-            <a:ext cx="7571303" cy="6017032"/>
+            <a:ext cx="7106433" cy="5632311"/>
           </a:xfrm>
           <a:prstGeom prst="rect">
             <a:avLst/>
@@ -4015,8 +8354,19 @@
           <a:lstStyle/>
           <a:p>
             <a:r>
-              <a:rPr lang="en-US" sz="3500" b="1" dirty="0" smtClean="0"/>
-              <a:t>Data	</a:t>
+              <a:rPr lang="en-US" sz="3000" b="1" dirty="0" smtClean="0">
+                <a:solidFill>
+                  <a:srgbClr val="7030A0"/>
+                </a:solidFill>
+                <a:latin typeface="Book Antiqua" panose="02040602050305030304" pitchFamily="18" charset="0"/>
+              </a:rPr>
+              <a:t>Data</a:t>
+            </a:r>
+            <a:r>
+              <a:rPr lang="en-US" sz="3000" b="1" dirty="0" smtClean="0">
+                <a:latin typeface="Book Antiqua" panose="02040602050305030304" pitchFamily="18" charset="0"/>
+              </a:rPr>
+              <a:t>	</a:t>
             </a:r>
           </a:p>
           <a:p>
@@ -4025,8 +8375,28 @@
               <a:buChar char="•"/>
             </a:pPr>
             <a:r>
-              <a:rPr lang="en-US" sz="3500" dirty="0" smtClean="0"/>
-              <a:t>Fake:	Kaggle + Facebook</a:t>
+              <a:rPr lang="en-US" sz="3000" dirty="0" smtClean="0">
+                <a:latin typeface="Book Antiqua" panose="02040602050305030304" pitchFamily="18" charset="0"/>
+              </a:rPr>
+              <a:t>Fake:</a:t>
+            </a:r>
+            <a:r>
+              <a:rPr lang="en-US" sz="3000" dirty="0" smtClean="0">
+                <a:latin typeface="Book Antiqua" panose="02040602050305030304" pitchFamily="18" charset="0"/>
+              </a:rPr>
+              <a:t> 	</a:t>
+            </a:r>
+            <a:r>
+              <a:rPr lang="en-US" sz="3000" dirty="0" smtClean="0">
+                <a:latin typeface="Book Antiqua" panose="02040602050305030304" pitchFamily="18" charset="0"/>
+              </a:rPr>
+              <a:t>Kaggle </a:t>
+            </a:r>
+            <a:r>
+              <a:rPr lang="en-US" sz="3000" dirty="0" smtClean="0">
+                <a:latin typeface="Book Antiqua" panose="02040602050305030304" pitchFamily="18" charset="0"/>
+              </a:rPr>
+              <a:t>+ Facebook</a:t>
             </a:r>
           </a:p>
           <a:p>
@@ -4035,13 +8405,40 @@
               <a:buChar char="•"/>
             </a:pPr>
             <a:r>
-              <a:rPr lang="en-US" sz="3500" dirty="0" smtClean="0"/>
-              <a:t>Real:	UCI ML Repository + Reuters	</a:t>
-            </a:r>
-          </a:p>
-          <a:p>
-            <a:r>
-              <a:rPr lang="en-US" sz="3500" b="1" dirty="0" smtClean="0"/>
+              <a:rPr lang="en-US" sz="3000" dirty="0" smtClean="0">
+                <a:latin typeface="Book Antiqua" panose="02040602050305030304" pitchFamily="18" charset="0"/>
+              </a:rPr>
+              <a:t>Real: 	UCI </a:t>
+            </a:r>
+            <a:r>
+              <a:rPr lang="en-US" sz="3000" dirty="0" smtClean="0">
+                <a:latin typeface="Book Antiqua" panose="02040602050305030304" pitchFamily="18" charset="0"/>
+              </a:rPr>
+              <a:t>ML Repository + </a:t>
+            </a:r>
+            <a:r>
+              <a:rPr lang="en-US" sz="3000" dirty="0" smtClean="0">
+                <a:latin typeface="Book Antiqua" panose="02040602050305030304" pitchFamily="18" charset="0"/>
+              </a:rPr>
+              <a:t>Reuters</a:t>
+            </a:r>
+          </a:p>
+          <a:p>
+            <a:r>
+              <a:rPr lang="en-US" sz="3000" dirty="0" smtClean="0">
+                <a:latin typeface="Book Antiqua" panose="02040602050305030304" pitchFamily="18" charset="0"/>
+              </a:rPr>
+              <a:t>	</a:t>
+            </a:r>
+          </a:p>
+          <a:p>
+            <a:r>
+              <a:rPr lang="en-US" sz="3000" b="1" dirty="0" smtClean="0">
+                <a:solidFill>
+                  <a:srgbClr val="7030A0"/>
+                </a:solidFill>
+                <a:latin typeface="Book Antiqua" panose="02040602050305030304" pitchFamily="18" charset="0"/>
+              </a:rPr>
               <a:t>Analysis</a:t>
             </a:r>
           </a:p>
@@ -4051,7 +8448,9 @@
               <a:buChar char="•"/>
             </a:pPr>
             <a:r>
-              <a:rPr lang="en-US" sz="3500" dirty="0" smtClean="0"/>
+              <a:rPr lang="en-US" sz="3000" dirty="0" smtClean="0">
+                <a:latin typeface="Book Antiqua" panose="02040602050305030304" pitchFamily="18" charset="0"/>
+              </a:rPr>
               <a:t>Creating Training and Hold-out sets</a:t>
             </a:r>
           </a:p>
@@ -4061,7 +8460,9 @@
               <a:buChar char="•"/>
             </a:pPr>
             <a:r>
-              <a:rPr lang="en-US" sz="3500" dirty="0" smtClean="0"/>
+              <a:rPr lang="en-US" sz="3000" dirty="0" smtClean="0">
+                <a:latin typeface="Book Antiqua" panose="02040602050305030304" pitchFamily="18" charset="0"/>
+              </a:rPr>
               <a:t>Text analytics and NLP</a:t>
             </a:r>
           </a:p>
@@ -4071,7 +8472,9 @@
               <a:buChar char="•"/>
             </a:pPr>
             <a:r>
-              <a:rPr lang="en-US" sz="3500" dirty="0" smtClean="0"/>
+              <a:rPr lang="en-US" sz="3000" dirty="0" smtClean="0">
+                <a:latin typeface="Book Antiqua" panose="02040602050305030304" pitchFamily="18" charset="0"/>
+              </a:rPr>
               <a:t>Python Coded Feature Engineering</a:t>
             </a:r>
           </a:p>
@@ -4081,7 +8484,9 @@
               <a:buChar char="•"/>
             </a:pPr>
             <a:r>
-              <a:rPr lang="en-US" sz="3500" dirty="0" smtClean="0"/>
+              <a:rPr lang="en-US" sz="3000" dirty="0" smtClean="0">
+                <a:latin typeface="Book Antiqua" panose="02040602050305030304" pitchFamily="18" charset="0"/>
+              </a:rPr>
               <a:t>DataRobot Model building </a:t>
             </a:r>
           </a:p>
@@ -4091,24 +8496,32 @@
               <a:buChar char="•"/>
             </a:pPr>
             <a:r>
-              <a:rPr lang="en-US" sz="3500" dirty="0" smtClean="0"/>
+              <a:rPr lang="en-US" sz="3000" dirty="0" smtClean="0">
+                <a:latin typeface="Book Antiqua" panose="02040602050305030304" pitchFamily="18" charset="0"/>
+              </a:rPr>
               <a:t>Excel Visualization</a:t>
             </a:r>
-            <a:endParaRPr lang="en-US" sz="3500" dirty="0"/>
+            <a:endParaRPr lang="en-US" sz="3000" dirty="0">
+              <a:latin typeface="Book Antiqua" panose="02040602050305030304" pitchFamily="18" charset="0"/>
+            </a:endParaRPr>
           </a:p>
           <a:p>
             <a:pPr marL="285750" indent="-285750">
               <a:buFont typeface="Arial" panose="020B0604020202020204" pitchFamily="34" charset="0"/>
               <a:buChar char="•"/>
             </a:pPr>
-            <a:endParaRPr lang="en-US" sz="3500" dirty="0" smtClean="0"/>
+            <a:endParaRPr lang="en-US" sz="3000" dirty="0" smtClean="0">
+              <a:latin typeface="Book Antiqua" panose="02040602050305030304" pitchFamily="18" charset="0"/>
+            </a:endParaRPr>
           </a:p>
           <a:p>
             <a:pPr marL="285750" indent="-285750">
               <a:buFont typeface="Arial" panose="020B0604020202020204" pitchFamily="34" charset="0"/>
               <a:buChar char="•"/>
             </a:pPr>
-            <a:endParaRPr lang="en-US" sz="3500" dirty="0" smtClean="0"/>
+            <a:endParaRPr lang="en-US" sz="3000" dirty="0" smtClean="0">
+              <a:latin typeface="Book Antiqua" panose="02040602050305030304" pitchFamily="18" charset="0"/>
+            </a:endParaRPr>
           </a:p>
         </p:txBody>
       </p:sp>
@@ -4217,8 +8630,8 @@
         </p:nvSpPr>
         <p:spPr>
           <a:xfrm>
-            <a:off x="4640313" y="0"/>
-            <a:ext cx="2911374" cy="754053"/>
+            <a:off x="4110446" y="0"/>
+            <a:ext cx="3971108" cy="1015663"/>
           </a:xfrm>
           <a:prstGeom prst="rect">
             <a:avLst/>
@@ -4226,23 +8639,29 @@
           <a:noFill/>
         </p:spPr>
         <p:txBody>
-          <a:bodyPr wrap="none" rtlCol="0">
+          <a:bodyPr wrap="square" rtlCol="0">
             <a:spAutoFit/>
           </a:bodyPr>
           <a:lstStyle/>
           <a:p>
             <a:r>
-              <a:rPr lang="en-US" sz="2500" b="1" dirty="0">
+              <a:rPr lang="en-US" sz="3000" b="1" dirty="0" smtClean="0">
                 <a:solidFill>
-                  <a:srgbClr val="002060"/>
+                  <a:srgbClr val="C00000"/>
                 </a:solidFill>
-                <a:latin typeface="Lucida Handwriting" panose="03010101010101010101" pitchFamily="66" charset="0"/>
+                <a:latin typeface="Book Antiqua" panose="02040602050305030304" pitchFamily="18" charset="0"/>
               </a:rPr>
               <a:t>Modelling Tool</a:t>
             </a:r>
-          </a:p>
-          <a:p>
-            <a:endParaRPr lang="en-US" dirty="0"/>
+            <a:endParaRPr lang="en-US" sz="3000" b="1" dirty="0">
+              <a:solidFill>
+                <a:srgbClr val="C00000"/>
+              </a:solidFill>
+              <a:latin typeface="Book Antiqua" panose="02040602050305030304" pitchFamily="18" charset="0"/>
+            </a:endParaRPr>
+          </a:p>
+          <a:p>
+            <a:endParaRPr lang="en-US" sz="3000" dirty="0"/>
           </a:p>
         </p:txBody>
       </p:sp>
@@ -4291,8 +8710,8 @@
         </p:nvSpPr>
         <p:spPr>
           <a:xfrm>
-            <a:off x="4950823" y="182880"/>
-            <a:ext cx="1928733" cy="1092607"/>
+            <a:off x="4254988" y="91440"/>
+            <a:ext cx="3386783" cy="784830"/>
           </a:xfrm>
           <a:prstGeom prst="rect">
             <a:avLst/>
@@ -4300,39 +8719,67 @@
           <a:noFill/>
         </p:spPr>
         <p:txBody>
-          <a:bodyPr wrap="none" rtlCol="0">
+          <a:bodyPr wrap="square" rtlCol="0">
             <a:spAutoFit/>
           </a:bodyPr>
           <a:lstStyle/>
           <a:p>
             <a:r>
-              <a:rPr lang="en-US" sz="6500" dirty="0" smtClean="0">
+              <a:rPr lang="en-US" sz="4500" b="1" dirty="0" smtClean="0">
                 <a:solidFill>
-                  <a:srgbClr val="002060"/>
+                  <a:schemeClr val="tx2">
+                    <a:lumMod val="50000"/>
+                  </a:schemeClr>
                 </a:solidFill>
-                <a:latin typeface="Chiller" panose="04020404031007020602" pitchFamily="82" charset="0"/>
+                <a:latin typeface="Book Antiqua" panose="02040602050305030304" pitchFamily="18" charset="0"/>
               </a:rPr>
-              <a:t>Results</a:t>
-            </a:r>
-            <a:endParaRPr lang="en-US" sz="6500" dirty="0">
+              <a:t>Our Results</a:t>
+            </a:r>
+            <a:endParaRPr lang="en-US" sz="4500" b="1" dirty="0">
               <a:solidFill>
-                <a:srgbClr val="002060"/>
+                <a:schemeClr val="tx2">
+                  <a:lumMod val="50000"/>
+                </a:schemeClr>
               </a:solidFill>
-              <a:latin typeface="Chiller" panose="04020404031007020602" pitchFamily="82" charset="0"/>
+              <a:latin typeface="Book Antiqua" panose="02040602050305030304" pitchFamily="18" charset="0"/>
             </a:endParaRPr>
           </a:p>
         </p:txBody>
       </p:sp>
+      <p:graphicFrame>
+        <p:nvGraphicFramePr>
+          <p:cNvPr id="5" name="Chart 4"/>
+          <p:cNvGraphicFramePr>
+            <a:graphicFrameLocks/>
+          </p:cNvGraphicFramePr>
+          <p:nvPr>
+            <p:extLst>
+              <p:ext uri="{D42A27DB-BD31-4B8C-83A1-F6EECF244321}">
+                <p14:modId xmlns:p14="http://schemas.microsoft.com/office/powerpoint/2010/main" val="2434306316"/>
+              </p:ext>
+            </p:extLst>
+          </p:nvPr>
+        </p:nvGraphicFramePr>
+        <p:xfrm>
+          <a:off x="6113416" y="1096387"/>
+          <a:ext cx="5877809" cy="2495898"/>
+        </p:xfrm>
+        <a:graphic>
+          <a:graphicData uri="http://schemas.openxmlformats.org/drawingml/2006/chart">
+            <c:chart xmlns:c="http://schemas.openxmlformats.org/drawingml/2006/chart" xmlns:r="http://schemas.openxmlformats.org/officeDocument/2006/relationships" r:id="rId2"/>
+          </a:graphicData>
+        </a:graphic>
+      </p:graphicFrame>
       <p:pic>
         <p:nvPicPr>
-          <p:cNvPr id="4" name="Picture 3"/>
+          <p:cNvPr id="2" name="Picture 1"/>
           <p:cNvPicPr>
             <a:picLocks noChangeAspect="1"/>
           </p:cNvPicPr>
           <p:nvPr/>
         </p:nvPicPr>
         <p:blipFill>
-          <a:blip r:embed="rId2">
+          <a:blip r:embed="rId3">
             <a:extLst>
               <a:ext uri="{28A0092B-C50C-407E-A947-70E740481C1C}">
                 <a14:useLocalDpi xmlns:a14="http://schemas.microsoft.com/office/drawing/2010/main" val="0"/>
@@ -4345,14 +8792,323 @@
         </p:blipFill>
         <p:spPr>
           <a:xfrm>
-            <a:off x="1958844" y="1495936"/>
-            <a:ext cx="7912689" cy="4434737"/>
+            <a:off x="352697" y="1096387"/>
+            <a:ext cx="5381897" cy="2495898"/>
           </a:xfrm>
           <a:prstGeom prst="rect">
             <a:avLst/>
           </a:prstGeom>
         </p:spPr>
       </p:pic>
+      <p:pic>
+        <p:nvPicPr>
+          <p:cNvPr id="6" name="Picture 5"/>
+          <p:cNvPicPr>
+            <a:picLocks noChangeAspect="1"/>
+          </p:cNvPicPr>
+          <p:nvPr/>
+        </p:nvPicPr>
+        <p:blipFill>
+          <a:blip r:embed="rId4">
+            <a:extLst>
+              <a:ext uri="{28A0092B-C50C-407E-A947-70E740481C1C}">
+                <a14:useLocalDpi xmlns:a14="http://schemas.microsoft.com/office/drawing/2010/main" val="0"/>
+              </a:ext>
+            </a:extLst>
+          </a:blip>
+          <a:stretch>
+            <a:fillRect/>
+          </a:stretch>
+        </p:blipFill>
+        <p:spPr>
+          <a:xfrm>
+            <a:off x="352698" y="3592285"/>
+            <a:ext cx="5381896" cy="2992874"/>
+          </a:xfrm>
+          <a:prstGeom prst="rect">
+            <a:avLst/>
+          </a:prstGeom>
+        </p:spPr>
+      </p:pic>
+      <p:graphicFrame>
+        <p:nvGraphicFramePr>
+          <p:cNvPr id="7" name="Table 6"/>
+          <p:cNvGraphicFramePr>
+            <a:graphicFrameLocks noGrp="1"/>
+          </p:cNvGraphicFramePr>
+          <p:nvPr>
+            <p:extLst>
+              <p:ext uri="{D42A27DB-BD31-4B8C-83A1-F6EECF244321}">
+                <p14:modId xmlns:p14="http://schemas.microsoft.com/office/powerpoint/2010/main" val="4182460981"/>
+              </p:ext>
+            </p:extLst>
+          </p:nvPr>
+        </p:nvGraphicFramePr>
+        <p:xfrm>
+          <a:off x="6113415" y="4114799"/>
+          <a:ext cx="5877810" cy="2470360"/>
+        </p:xfrm>
+        <a:graphic>
+          <a:graphicData uri="http://schemas.openxmlformats.org/drawingml/2006/table">
+            <a:tbl>
+              <a:tblPr firstRow="1" bandRow="1">
+                <a:tableStyleId>{5C22544A-7EE6-4342-B048-85BDC9FD1C3A}</a:tableStyleId>
+              </a:tblPr>
+              <a:tblGrid>
+                <a:gridCol w="2938905">
+                  <a:extLst>
+                    <a:ext uri="{9D8B030D-6E8A-4147-A177-3AD203B41FA5}">
+                      <a16:colId xmlns:a16="http://schemas.microsoft.com/office/drawing/2014/main" val="3838548665"/>
+                    </a:ext>
+                  </a:extLst>
+                </a:gridCol>
+                <a:gridCol w="2938905">
+                  <a:extLst>
+                    <a:ext uri="{9D8B030D-6E8A-4147-A177-3AD203B41FA5}">
+                      <a16:colId xmlns:a16="http://schemas.microsoft.com/office/drawing/2014/main" val="2494047879"/>
+                    </a:ext>
+                  </a:extLst>
+                </a:gridCol>
+              </a:tblGrid>
+              <a:tr h="494072">
+                <a:tc>
+                  <a:txBody>
+                    <a:bodyPr/>
+                    <a:lstStyle/>
+                    <a:p>
+                      <a:r>
+                        <a:rPr lang="en-US" dirty="0" smtClean="0"/>
+                        <a:t>Word Stem</a:t>
+                      </a:r>
+                      <a:endParaRPr lang="en-US" dirty="0"/>
+                    </a:p>
+                  </a:txBody>
+                  <a:tcPr/>
+                </a:tc>
+                <a:tc>
+                  <a:txBody>
+                    <a:bodyPr/>
+                    <a:lstStyle/>
+                    <a:p>
+                      <a:r>
+                        <a:rPr lang="en-US" dirty="0" smtClean="0"/>
+                        <a:t>Frequency</a:t>
+                      </a:r>
+                      <a:endParaRPr lang="en-US" dirty="0"/>
+                    </a:p>
+                  </a:txBody>
+                  <a:tcPr/>
+                </a:tc>
+                <a:extLst>
+                  <a:ext uri="{0D108BD9-81ED-4DB2-BD59-A6C34878D82A}">
+                    <a16:rowId xmlns:a16="http://schemas.microsoft.com/office/drawing/2014/main" val="628408171"/>
+                  </a:ext>
+                </a:extLst>
+              </a:tr>
+              <a:tr h="494072">
+                <a:tc>
+                  <a:txBody>
+                    <a:bodyPr/>
+                    <a:lstStyle/>
+                    <a:p>
+                      <a:r>
+                        <a:rPr lang="en-US" dirty="0" err="1" smtClean="0"/>
+                        <a:t>Hillari</a:t>
+                      </a:r>
+                      <a:endParaRPr lang="en-US" dirty="0"/>
+                    </a:p>
+                  </a:txBody>
+                  <a:tcPr/>
+                </a:tc>
+                <a:tc>
+                  <a:txBody>
+                    <a:bodyPr/>
+                    <a:lstStyle/>
+                    <a:p>
+                      <a:r>
+                        <a:rPr lang="en-US" dirty="0" smtClean="0"/>
+                        <a:t>827</a:t>
+                      </a:r>
+                      <a:endParaRPr lang="en-US" dirty="0"/>
+                    </a:p>
+                  </a:txBody>
+                  <a:tcPr/>
+                </a:tc>
+                <a:extLst>
+                  <a:ext uri="{0D108BD9-81ED-4DB2-BD59-A6C34878D82A}">
+                    <a16:rowId xmlns:a16="http://schemas.microsoft.com/office/drawing/2014/main" val="1954891059"/>
+                  </a:ext>
+                </a:extLst>
+              </a:tr>
+              <a:tr h="494072">
+                <a:tc>
+                  <a:txBody>
+                    <a:bodyPr/>
+                    <a:lstStyle/>
+                    <a:p>
+                      <a:r>
+                        <a:rPr lang="en-US" dirty="0" smtClean="0"/>
+                        <a:t>Trump</a:t>
+                      </a:r>
+                      <a:endParaRPr lang="en-US" dirty="0"/>
+                    </a:p>
+                  </a:txBody>
+                  <a:tcPr/>
+                </a:tc>
+                <a:tc>
+                  <a:txBody>
+                    <a:bodyPr/>
+                    <a:lstStyle/>
+                    <a:p>
+                      <a:r>
+                        <a:rPr lang="en-US" dirty="0" smtClean="0"/>
+                        <a:t>304</a:t>
+                      </a:r>
+                      <a:endParaRPr lang="en-US" dirty="0"/>
+                    </a:p>
+                  </a:txBody>
+                  <a:tcPr/>
+                </a:tc>
+                <a:extLst>
+                  <a:ext uri="{0D108BD9-81ED-4DB2-BD59-A6C34878D82A}">
+                    <a16:rowId xmlns:a16="http://schemas.microsoft.com/office/drawing/2014/main" val="2783757065"/>
+                  </a:ext>
+                </a:extLst>
+              </a:tr>
+              <a:tr h="494072">
+                <a:tc>
+                  <a:txBody>
+                    <a:bodyPr/>
+                    <a:lstStyle/>
+                    <a:p>
+                      <a:r>
+                        <a:rPr lang="en-US" dirty="0" smtClean="0"/>
+                        <a:t>Email</a:t>
+                      </a:r>
+                      <a:endParaRPr lang="en-US" dirty="0"/>
+                    </a:p>
+                  </a:txBody>
+                  <a:tcPr/>
+                </a:tc>
+                <a:tc>
+                  <a:txBody>
+                    <a:bodyPr/>
+                    <a:lstStyle/>
+                    <a:p>
+                      <a:r>
+                        <a:rPr lang="en-US" dirty="0" smtClean="0"/>
+                        <a:t>273</a:t>
+                      </a:r>
+                      <a:endParaRPr lang="en-US" dirty="0"/>
+                    </a:p>
+                  </a:txBody>
+                  <a:tcPr/>
+                </a:tc>
+                <a:extLst>
+                  <a:ext uri="{0D108BD9-81ED-4DB2-BD59-A6C34878D82A}">
+                    <a16:rowId xmlns:a16="http://schemas.microsoft.com/office/drawing/2014/main" val="2761522684"/>
+                  </a:ext>
+                </a:extLst>
+              </a:tr>
+              <a:tr h="494072">
+                <a:tc>
+                  <a:txBody>
+                    <a:bodyPr/>
+                    <a:lstStyle/>
+                    <a:p>
+                      <a:r>
+                        <a:rPr lang="en-US" dirty="0" smtClean="0"/>
+                        <a:t>FBI</a:t>
+                      </a:r>
+                      <a:endParaRPr lang="en-US" dirty="0"/>
+                    </a:p>
+                  </a:txBody>
+                  <a:tcPr/>
+                </a:tc>
+                <a:tc>
+                  <a:txBody>
+                    <a:bodyPr/>
+                    <a:lstStyle/>
+                    <a:p>
+                      <a:r>
+                        <a:rPr lang="en-US" dirty="0" smtClean="0"/>
+                        <a:t>247</a:t>
+                      </a:r>
+                      <a:endParaRPr lang="en-US" dirty="0"/>
+                    </a:p>
+                  </a:txBody>
+                  <a:tcPr/>
+                </a:tc>
+                <a:extLst>
+                  <a:ext uri="{0D108BD9-81ED-4DB2-BD59-A6C34878D82A}">
+                    <a16:rowId xmlns:a16="http://schemas.microsoft.com/office/drawing/2014/main" val="1962958299"/>
+                  </a:ext>
+                </a:extLst>
+              </a:tr>
+            </a:tbl>
+          </a:graphicData>
+        </a:graphic>
+      </p:graphicFrame>
+      <p:sp>
+        <p:nvSpPr>
+          <p:cNvPr id="8" name="TextBox 7"/>
+          <p:cNvSpPr txBox="1"/>
+          <p:nvPr/>
+        </p:nvSpPr>
+        <p:spPr>
+          <a:xfrm>
+            <a:off x="7881256" y="3812402"/>
+            <a:ext cx="2346961" cy="307777"/>
+          </a:xfrm>
+          <a:prstGeom prst="rect">
+            <a:avLst/>
+          </a:prstGeom>
+          <a:noFill/>
+        </p:spPr>
+        <p:txBody>
+          <a:bodyPr wrap="square" rtlCol="0">
+            <a:spAutoFit/>
+          </a:bodyPr>
+          <a:lstStyle/>
+          <a:p>
+            <a:r>
+              <a:rPr lang="en-US" sz="1400" dirty="0" smtClean="0"/>
+              <a:t>Top Fake News Word Stems</a:t>
+            </a:r>
+            <a:endParaRPr lang="en-US" sz="1400" dirty="0"/>
+          </a:p>
+        </p:txBody>
+      </p:sp>
+      <p:sp>
+        <p:nvSpPr>
+          <p:cNvPr id="10" name="TextBox 9"/>
+          <p:cNvSpPr txBox="1"/>
+          <p:nvPr/>
+        </p:nvSpPr>
+        <p:spPr>
+          <a:xfrm>
+            <a:off x="1725147" y="788610"/>
+            <a:ext cx="2346961" cy="307777"/>
+          </a:xfrm>
+          <a:prstGeom prst="rect">
+            <a:avLst/>
+          </a:prstGeom>
+          <a:noFill/>
+        </p:spPr>
+        <p:txBody>
+          <a:bodyPr wrap="square" rtlCol="0">
+            <a:spAutoFit/>
+          </a:bodyPr>
+          <a:lstStyle/>
+          <a:p>
+            <a:r>
+              <a:rPr lang="en-US" sz="1400" dirty="0" smtClean="0"/>
+              <a:t>Top Fake News URLs</a:t>
+            </a:r>
+            <a:endParaRPr lang="en-US" sz="1400" dirty="0"/>
+          </a:p>
+        </p:txBody>
+      </p:sp>
     </p:spTree>
     <p:extLst>
       <p:ext uri="{BB962C8B-B14F-4D97-AF65-F5344CB8AC3E}">
